--- a/OCA.pptx
+++ b/OCA.pptx
@@ -5,10 +5,10 @@
     <p:sldMasterId id="2147483661" r:id="rId1"/>
   </p:sldMasterIdLst>
   <p:notesMasterIdLst>
-    <p:notesMasterId r:id="rId34"/>
+    <p:notesMasterId r:id="rId47"/>
   </p:notesMasterIdLst>
   <p:handoutMasterIdLst>
-    <p:handoutMasterId r:id="rId35"/>
+    <p:handoutMasterId r:id="rId48"/>
   </p:handoutMasterIdLst>
   <p:sldIdLst>
     <p:sldId id="1140" r:id="rId2"/>
@@ -17,32 +17,45 @@
     <p:sldId id="1142" r:id="rId5"/>
     <p:sldId id="1146" r:id="rId6"/>
     <p:sldId id="1161" r:id="rId7"/>
-    <p:sldId id="1162" r:id="rId8"/>
-    <p:sldId id="1163" r:id="rId9"/>
-    <p:sldId id="1164" r:id="rId10"/>
-    <p:sldId id="1165" r:id="rId11"/>
-    <p:sldId id="1166" r:id="rId12"/>
-    <p:sldId id="1167" r:id="rId13"/>
-    <p:sldId id="1168" r:id="rId14"/>
-    <p:sldId id="1169" r:id="rId15"/>
-    <p:sldId id="1170" r:id="rId16"/>
-    <p:sldId id="1171" r:id="rId17"/>
-    <p:sldId id="1172" r:id="rId18"/>
-    <p:sldId id="1173" r:id="rId19"/>
-    <p:sldId id="1174" r:id="rId20"/>
-    <p:sldId id="1175" r:id="rId21"/>
-    <p:sldId id="1176" r:id="rId22"/>
-    <p:sldId id="1177" r:id="rId23"/>
-    <p:sldId id="1178" r:id="rId24"/>
-    <p:sldId id="1179" r:id="rId25"/>
-    <p:sldId id="1180" r:id="rId26"/>
-    <p:sldId id="1181" r:id="rId27"/>
-    <p:sldId id="1182" r:id="rId28"/>
-    <p:sldId id="1183" r:id="rId29"/>
-    <p:sldId id="1184" r:id="rId30"/>
-    <p:sldId id="1185" r:id="rId31"/>
-    <p:sldId id="1186" r:id="rId32"/>
-    <p:sldId id="1187" r:id="rId33"/>
+    <p:sldId id="1188" r:id="rId8"/>
+    <p:sldId id="1189" r:id="rId9"/>
+    <p:sldId id="1162" r:id="rId10"/>
+    <p:sldId id="1190" r:id="rId11"/>
+    <p:sldId id="1191" r:id="rId12"/>
+    <p:sldId id="1192" r:id="rId13"/>
+    <p:sldId id="1193" r:id="rId14"/>
+    <p:sldId id="1194" r:id="rId15"/>
+    <p:sldId id="1195" r:id="rId16"/>
+    <p:sldId id="1196" r:id="rId17"/>
+    <p:sldId id="1197" r:id="rId18"/>
+    <p:sldId id="1163" r:id="rId19"/>
+    <p:sldId id="1198" r:id="rId20"/>
+    <p:sldId id="1199" r:id="rId21"/>
+    <p:sldId id="1164" r:id="rId22"/>
+    <p:sldId id="1200" r:id="rId23"/>
+    <p:sldId id="1165" r:id="rId24"/>
+    <p:sldId id="1166" r:id="rId25"/>
+    <p:sldId id="1167" r:id="rId26"/>
+    <p:sldId id="1168" r:id="rId27"/>
+    <p:sldId id="1169" r:id="rId28"/>
+    <p:sldId id="1170" r:id="rId29"/>
+    <p:sldId id="1171" r:id="rId30"/>
+    <p:sldId id="1172" r:id="rId31"/>
+    <p:sldId id="1173" r:id="rId32"/>
+    <p:sldId id="1174" r:id="rId33"/>
+    <p:sldId id="1175" r:id="rId34"/>
+    <p:sldId id="1176" r:id="rId35"/>
+    <p:sldId id="1177" r:id="rId36"/>
+    <p:sldId id="1178" r:id="rId37"/>
+    <p:sldId id="1179" r:id="rId38"/>
+    <p:sldId id="1180" r:id="rId39"/>
+    <p:sldId id="1181" r:id="rId40"/>
+    <p:sldId id="1182" r:id="rId41"/>
+    <p:sldId id="1183" r:id="rId42"/>
+    <p:sldId id="1184" r:id="rId43"/>
+    <p:sldId id="1185" r:id="rId44"/>
+    <p:sldId id="1186" r:id="rId45"/>
+    <p:sldId id="1187" r:id="rId46"/>
   </p:sldIdLst>
   <p:sldSz cx="9144000" cy="6858000" type="screen4x3"/>
   <p:notesSz cx="6797675" cy="9928225"/>
@@ -242,7 +255,7 @@
           <a:p>
             <a:fld id="{72522EA8-AF65-4008-82EE-AEE6414B708A}" type="datetimeFigureOut">
               <a:rPr lang="pt-BR" smtClean="0"/>
-              <a:t>03/08/2016</a:t>
+              <a:t>04/08/2016</a:t>
             </a:fld>
             <a:endParaRPr lang="pt-BR"/>
           </a:p>
@@ -407,7 +420,7 @@
           <a:p>
             <a:fld id="{7B4FF0CD-9C9F-49AC-9576-0191D2CC62A3}" type="datetimeFigureOut">
               <a:rPr lang="pt-BR" smtClean="0"/>
-              <a:t>03/08/2016</a:t>
+              <a:t>04/08/2016</a:t>
             </a:fld>
             <a:endParaRPr lang="pt-BR"/>
           </a:p>
@@ -1418,7 +1431,7 @@
           <a:p>
             <a:fld id="{47A45E42-5C18-486B-B418-DCDD32841B52}" type="datetimeFigureOut">
               <a:rPr lang="pt-BR" smtClean="0"/>
-              <a:t>03/08/2016</a:t>
+              <a:t>04/08/2016</a:t>
             </a:fld>
             <a:endParaRPr lang="pt-BR"/>
           </a:p>
@@ -3127,26 +3140,22 @@
       </p:grpSpPr>
       <p:sp>
         <p:nvSpPr>
-          <p:cNvPr id="2" name="Título 1"/>
-          <p:cNvSpPr>
-            <a:spLocks noGrp="1"/>
-          </p:cNvSpPr>
-          <p:nvPr>
-            <p:ph type="ctrTitle"/>
-          </p:nvPr>
-        </p:nvSpPr>
-        <p:spPr/>
-        <p:txBody>
-          <a:bodyPr/>
-          <a:lstStyle/>
-          <a:p>
-            <a:r>
-              <a:rPr lang="pt-BR" dirty="0" smtClean="0"/>
-              <a:t>Declaração e Uso de </a:t>
-            </a:r>
-            <a:r>
-              <a:rPr lang="pt-BR" dirty="0" err="1" smtClean="0"/>
-              <a:t>enums</a:t>
+          <p:cNvPr id="5" name="Título 4"/>
+          <p:cNvSpPr>
+            <a:spLocks noGrp="1"/>
+          </p:cNvSpPr>
+          <p:nvPr>
+            <p:ph type="title"/>
+          </p:nvPr>
+        </p:nvSpPr>
+        <p:spPr/>
+        <p:txBody>
+          <a:bodyPr/>
+          <a:lstStyle/>
+          <a:p>
+            <a:r>
+              <a:rPr lang="pt-BR" dirty="0" smtClean="0"/>
+              <a:t>Regras para declaração de fontes</a:t>
             </a:r>
             <a:endParaRPr lang="pt-BR" dirty="0"/>
           </a:p>
@@ -3154,32 +3163,149 @@
       </p:sp>
       <p:sp>
         <p:nvSpPr>
-          <p:cNvPr id="3" name="Subtítulo 2"/>
-          <p:cNvSpPr>
-            <a:spLocks noGrp="1"/>
-          </p:cNvSpPr>
-          <p:nvPr>
-            <p:ph type="subTitle" idx="1"/>
-          </p:nvPr>
-        </p:nvSpPr>
-        <p:spPr/>
-        <p:txBody>
-          <a:bodyPr/>
-          <a:lstStyle/>
-          <a:p>
-            <a:r>
-              <a:rPr lang="pt-BR" dirty="0" smtClean="0"/>
-              <a:t>OCA </a:t>
-            </a:r>
-            <a:r>
-              <a:rPr lang="pt-BR" dirty="0" err="1" smtClean="0"/>
-              <a:t>Objective</a:t>
-            </a:r>
-            <a:r>
-              <a:rPr lang="pt-BR" dirty="0" smtClean="0"/>
-              <a:t> 1.2</a:t>
-            </a:r>
-            <a:endParaRPr lang="pt-BR" dirty="0"/>
+          <p:cNvPr id="6" name="Espaço Reservado para Conteúdo 5"/>
+          <p:cNvSpPr>
+            <a:spLocks noGrp="1"/>
+          </p:cNvSpPr>
+          <p:nvPr>
+            <p:ph idx="1"/>
+          </p:nvPr>
+        </p:nvSpPr>
+        <p:spPr/>
+        <p:txBody>
+          <a:bodyPr/>
+          <a:lstStyle/>
+          <a:p>
+            <a:pPr algn="just"/>
+            <a:r>
+              <a:rPr lang="pt-BR" sz="2300" dirty="0" smtClean="0"/>
+              <a:t>Deve existir apenas uma </a:t>
+            </a:r>
+            <a:r>
+              <a:rPr lang="pt-BR" sz="2300" b="1" dirty="0" err="1" smtClean="0"/>
+              <a:t>public</a:t>
+            </a:r>
+            <a:r>
+              <a:rPr lang="pt-BR" sz="2300" b="1" dirty="0" smtClean="0"/>
+              <a:t> </a:t>
+            </a:r>
+            <a:r>
+              <a:rPr lang="pt-BR" sz="2300" b="1" dirty="0" err="1" smtClean="0"/>
+              <a:t>class</a:t>
+            </a:r>
+            <a:r>
+              <a:rPr lang="pt-BR" sz="2300" b="1" dirty="0" smtClean="0"/>
+              <a:t> </a:t>
+            </a:r>
+            <a:r>
+              <a:rPr lang="pt-BR" sz="2300" dirty="0" smtClean="0"/>
+              <a:t>por arquivo de código-fonte do tipo ‘classe’</a:t>
+            </a:r>
+          </a:p>
+          <a:p>
+            <a:pPr algn="just"/>
+            <a:r>
+              <a:rPr lang="pt-BR" sz="2300" dirty="0" smtClean="0"/>
+              <a:t>O nome do arquivo </a:t>
+            </a:r>
+            <a:r>
+              <a:rPr lang="pt-BR" sz="2300" b="1" dirty="0" smtClean="0"/>
+              <a:t>deve ser o mesmo nome </a:t>
+            </a:r>
+            <a:r>
+              <a:rPr lang="pt-BR" sz="2300" dirty="0" smtClean="0"/>
+              <a:t>da </a:t>
+            </a:r>
+            <a:r>
+              <a:rPr lang="pt-BR" sz="2300" dirty="0" err="1" smtClean="0"/>
+              <a:t>public</a:t>
+            </a:r>
+            <a:r>
+              <a:rPr lang="pt-BR" sz="2300" dirty="0" smtClean="0"/>
+              <a:t> </a:t>
+            </a:r>
+            <a:r>
+              <a:rPr lang="pt-BR" sz="2300" dirty="0" err="1" smtClean="0"/>
+              <a:t>class</a:t>
+            </a:r>
+            <a:r>
+              <a:rPr lang="pt-BR" sz="2300" dirty="0" smtClean="0"/>
+              <a:t> declarado</a:t>
+            </a:r>
+          </a:p>
+          <a:p>
+            <a:pPr algn="just"/>
+            <a:r>
+              <a:rPr lang="pt-BR" sz="2300" dirty="0" smtClean="0"/>
+              <a:t>Se a classe faz parte de um </a:t>
+            </a:r>
+            <a:r>
+              <a:rPr lang="pt-BR" sz="2300" i="1" dirty="0" err="1" smtClean="0"/>
+              <a:t>package</a:t>
+            </a:r>
+            <a:r>
+              <a:rPr lang="pt-BR" sz="2300" dirty="0" smtClean="0"/>
+              <a:t> (o que normalmente acontece), a declaração do </a:t>
+            </a:r>
+            <a:r>
+              <a:rPr lang="pt-BR" sz="2300" dirty="0" err="1" smtClean="0"/>
+              <a:t>package</a:t>
+            </a:r>
+            <a:r>
+              <a:rPr lang="pt-BR" sz="2300" dirty="0" smtClean="0"/>
+              <a:t> </a:t>
+            </a:r>
+            <a:r>
+              <a:rPr lang="pt-BR" sz="2300" b="1" dirty="0" smtClean="0"/>
+              <a:t>deve obrigatoriamente ser o primeiro </a:t>
+            </a:r>
+            <a:r>
+              <a:rPr lang="pt-BR" sz="2300" b="1" dirty="0" err="1" smtClean="0"/>
+              <a:t>statement</a:t>
+            </a:r>
+            <a:r>
+              <a:rPr lang="pt-BR" sz="2300" dirty="0" smtClean="0"/>
+              <a:t> no arquivo</a:t>
+            </a:r>
+          </a:p>
+          <a:p>
+            <a:pPr algn="just"/>
+            <a:r>
+              <a:rPr lang="pt-BR" sz="2300" dirty="0" smtClean="0"/>
+              <a:t>Declarações de </a:t>
+            </a:r>
+            <a:r>
+              <a:rPr lang="pt-BR" sz="2300" dirty="0" err="1" smtClean="0"/>
+              <a:t>import</a:t>
+            </a:r>
+            <a:r>
+              <a:rPr lang="pt-BR" sz="2300" dirty="0" smtClean="0"/>
+              <a:t> devem obrigatoriamente estarem dispostas </a:t>
+            </a:r>
+            <a:r>
+              <a:rPr lang="pt-BR" sz="2300" b="1" dirty="0" smtClean="0"/>
+              <a:t>entre a declaração do </a:t>
+            </a:r>
+            <a:r>
+              <a:rPr lang="pt-BR" sz="2300" b="1" dirty="0" err="1" smtClean="0"/>
+              <a:t>package</a:t>
+            </a:r>
+            <a:r>
+              <a:rPr lang="pt-BR" sz="2300" b="1" dirty="0" smtClean="0"/>
+              <a:t> e a declaração da classe</a:t>
+            </a:r>
+          </a:p>
+          <a:p>
+            <a:pPr algn="just"/>
+            <a:r>
+              <a:rPr lang="pt-BR" sz="2300" dirty="0" smtClean="0"/>
+              <a:t>Um arquivo de classe </a:t>
+            </a:r>
+            <a:r>
+              <a:rPr lang="pt-BR" sz="2300" b="1" dirty="0" smtClean="0"/>
+              <a:t>pode conter mais de uma classe não-publica</a:t>
+            </a:r>
+            <a:endParaRPr lang="pt-BR" sz="2300" b="1" dirty="0"/>
           </a:p>
         </p:txBody>
       </p:sp>
@@ -3190,34 +3316,35 @@
             <a:spLocks noGrp="1"/>
           </p:cNvSpPr>
           <p:nvPr>
-            <p:ph type="ftr" sz="quarter" idx="11"/>
-          </p:nvPr>
-        </p:nvSpPr>
-        <p:spPr/>
-        <p:txBody>
-          <a:bodyPr/>
-          <a:lstStyle/>
-          <a:p>
-            <a:r>
-              <a:rPr lang="pt-BR" dirty="0"/>
-              <a:t>Declarações e Controle de Acesso</a:t>
-            </a:r>
-          </a:p>
-          <a:p>
-            <a:endParaRPr lang="pt-BR" dirty="0"/>
+            <p:ph type="ftr" sz="quarter" idx="13"/>
+          </p:nvPr>
+        </p:nvSpPr>
+        <p:spPr/>
+        <p:txBody>
+          <a:bodyPr/>
+          <a:lstStyle/>
+          <a:p>
+            <a:endParaRPr lang="pt-BR"/>
           </a:p>
         </p:txBody>
       </p:sp>
     </p:spTree>
     <p:extLst>
       <p:ext uri="{BB962C8B-B14F-4D97-AF65-F5344CB8AC3E}">
-        <p14:creationId xmlns:p14="http://schemas.microsoft.com/office/powerpoint/2010/main" val="2285274704"/>
+        <p14:creationId xmlns:p14="http://schemas.microsoft.com/office/powerpoint/2010/main" val="775723471"/>
       </p:ext>
     </p:extLst>
   </p:cSld>
   <p:clrMapOvr>
     <a:masterClrMapping/>
   </p:clrMapOvr>
+  <p:timing>
+    <p:tnLst>
+      <p:par>
+        <p:cTn id="1" dur="indefinite" restart="never" nodeType="tmRoot"/>
+      </p:par>
+    </p:tnLst>
+  </p:timing>
 </p:sld>
 </file>
 
@@ -3245,17 +3372,29 @@
             <a:spLocks noGrp="1"/>
           </p:cNvSpPr>
           <p:nvPr>
-            <p:ph type="ctrTitle"/>
-          </p:nvPr>
-        </p:nvSpPr>
-        <p:spPr/>
-        <p:txBody>
-          <a:bodyPr/>
-          <a:lstStyle/>
-          <a:p>
-            <a:r>
-              <a:rPr lang="pt-BR" dirty="0" smtClean="0"/>
-              <a:t>Encapsulamento</a:t>
+            <p:ph type="title"/>
+          </p:nvPr>
+        </p:nvSpPr>
+        <p:spPr/>
+        <p:txBody>
+          <a:bodyPr/>
+          <a:lstStyle/>
+          <a:p>
+            <a:r>
+              <a:rPr lang="pt-BR" dirty="0" smtClean="0"/>
+              <a:t>Usando os comandos </a:t>
+            </a:r>
+            <a:r>
+              <a:rPr lang="pt-BR" dirty="0" err="1" smtClean="0"/>
+              <a:t>javac</a:t>
+            </a:r>
+            <a:r>
+              <a:rPr lang="pt-BR" dirty="0" smtClean="0"/>
+              <a:t> e </a:t>
+            </a:r>
+            <a:r>
+              <a:rPr lang="pt-BR" dirty="0" err="1" smtClean="0"/>
+              <a:t>java</a:t>
             </a:r>
             <a:endParaRPr lang="pt-BR" dirty="0"/>
           </a:p>
@@ -3263,39 +3402,108 @@
       </p:sp>
       <p:sp>
         <p:nvSpPr>
-          <p:cNvPr id="3" name="Subtítulo 2"/>
-          <p:cNvSpPr>
-            <a:spLocks noGrp="1"/>
-          </p:cNvSpPr>
-          <p:nvPr>
-            <p:ph type="subTitle" idx="1"/>
-          </p:nvPr>
-        </p:nvSpPr>
-        <p:spPr/>
-        <p:txBody>
-          <a:bodyPr/>
-          <a:lstStyle/>
-          <a:p>
-            <a:r>
-              <a:rPr lang="pt-BR" dirty="0" smtClean="0"/>
-              <a:t>OCA </a:t>
-            </a:r>
+          <p:cNvPr id="3" name="Espaço Reservado para Conteúdo 2"/>
+          <p:cNvSpPr>
+            <a:spLocks noGrp="1"/>
+          </p:cNvSpPr>
+          <p:nvPr>
+            <p:ph idx="1"/>
+          </p:nvPr>
+        </p:nvSpPr>
+        <p:spPr/>
+        <p:txBody>
+          <a:bodyPr/>
+          <a:lstStyle/>
+          <a:p>
             <a:r>
               <a:rPr lang="pt-BR" dirty="0" err="1" smtClean="0"/>
-              <a:t>Objectives</a:t>
-            </a:r>
-            <a:r>
-              <a:rPr lang="pt-BR" dirty="0" smtClean="0"/>
-              <a:t> 6.1 </a:t>
-            </a:r>
+              <a:t>Javac</a:t>
+            </a:r>
+            <a:r>
+              <a:rPr lang="pt-BR" dirty="0" smtClean="0"/>
+              <a:t> é utilizado para </a:t>
+            </a:r>
+            <a:r>
+              <a:rPr lang="pt-BR" b="1" dirty="0" smtClean="0"/>
+              <a:t>compilar</a:t>
+            </a:r>
+            <a:r>
+              <a:rPr lang="pt-BR" dirty="0" smtClean="0"/>
+              <a:t> seu código: </a:t>
+            </a:r>
+          </a:p>
+          <a:p>
+            <a:pPr marL="457200" lvl="1" indent="0">
+              <a:buNone/>
+            </a:pPr>
             <a:r>
               <a:rPr lang="pt-BR" dirty="0" err="1" smtClean="0"/>
-              <a:t>and</a:t>
-            </a:r>
-            <a:r>
-              <a:rPr lang="pt-BR" dirty="0" smtClean="0"/>
-              <a:t> 6.7</a:t>
-            </a:r>
+              <a:t>javac</a:t>
+            </a:r>
+            <a:r>
+              <a:rPr lang="pt-BR" dirty="0" smtClean="0"/>
+              <a:t> [</a:t>
+            </a:r>
+            <a:r>
+              <a:rPr lang="pt-BR" dirty="0" err="1" smtClean="0"/>
+              <a:t>options</a:t>
+            </a:r>
+            <a:r>
+              <a:rPr lang="pt-BR" dirty="0" smtClean="0"/>
+              <a:t>] [</a:t>
+            </a:r>
+            <a:r>
+              <a:rPr lang="pt-BR" dirty="0" err="1" smtClean="0"/>
+              <a:t>sources</a:t>
+            </a:r>
+            <a:r>
+              <a:rPr lang="pt-BR" dirty="0" smtClean="0"/>
+              <a:t> files]</a:t>
+            </a:r>
+          </a:p>
+          <a:p>
+            <a:r>
+              <a:rPr lang="pt-BR" dirty="0" smtClean="0"/>
+              <a:t>[</a:t>
+            </a:r>
+            <a:r>
+              <a:rPr lang="pt-BR" dirty="0" err="1" smtClean="0"/>
+              <a:t>options</a:t>
+            </a:r>
+            <a:r>
+              <a:rPr lang="pt-BR" dirty="0" smtClean="0"/>
+              <a:t>] e [</a:t>
+            </a:r>
+            <a:r>
+              <a:rPr lang="pt-BR" dirty="0" err="1" smtClean="0"/>
+              <a:t>sources</a:t>
+            </a:r>
+            <a:r>
+              <a:rPr lang="pt-BR" dirty="0" smtClean="0"/>
+              <a:t> files] são </a:t>
+            </a:r>
+            <a:r>
+              <a:rPr lang="pt-BR" b="1" dirty="0" smtClean="0"/>
+              <a:t>opcionais e podem receber múltiplos valores</a:t>
+            </a:r>
+            <a:r>
+              <a:rPr lang="pt-BR" dirty="0" smtClean="0"/>
+              <a:t>. Caso sejam declarados no comando, devem ser separados </a:t>
+            </a:r>
+            <a:r>
+              <a:rPr lang="pt-BR" b="1" dirty="0" smtClean="0"/>
+              <a:t>utilizando </a:t>
+            </a:r>
+            <a:r>
+              <a:rPr lang="pt-BR" b="1" dirty="0" err="1" smtClean="0"/>
+              <a:t>caracter</a:t>
+            </a:r>
+            <a:r>
+              <a:rPr lang="pt-BR" b="1" dirty="0" smtClean="0"/>
+              <a:t> de espaço</a:t>
+            </a:r>
+          </a:p>
+          <a:p>
             <a:endParaRPr lang="pt-BR" dirty="0"/>
           </a:p>
         </p:txBody>
@@ -3307,32 +3515,45 @@
             <a:spLocks noGrp="1"/>
           </p:cNvSpPr>
           <p:nvPr>
-            <p:ph type="ftr" sz="quarter" idx="11"/>
-          </p:nvPr>
-        </p:nvSpPr>
-        <p:spPr/>
-        <p:txBody>
-          <a:bodyPr/>
-          <a:lstStyle/>
-          <a:p>
-            <a:r>
-              <a:rPr lang="pt-BR" dirty="0" smtClean="0"/>
-              <a:t>Orientação a Objeto</a:t>
-            </a:r>
-            <a:endParaRPr lang="pt-BR" dirty="0"/>
+            <p:ph type="ftr" sz="quarter" idx="13"/>
+          </p:nvPr>
+        </p:nvSpPr>
+        <p:spPr/>
+        <p:txBody>
+          <a:bodyPr/>
+          <a:lstStyle/>
+          <a:p>
+            <a:pPr algn="ctr">
+              <a:defRPr sz="1200">
+                <a:solidFill>
+                  <a:srgbClr val="8C8C8C"/>
+                </a:solidFill>
+                <a:latin typeface="Tw Cen MT" charset="0"/>
+                <a:ea typeface="Calibri" charset="0"/>
+                <a:cs typeface="Calibri" charset="0"/>
+              </a:defRPr>
+            </a:pPr>
+            <a:endParaRPr lang="pt-BR"/>
           </a:p>
         </p:txBody>
       </p:sp>
     </p:spTree>
     <p:extLst>
       <p:ext uri="{BB962C8B-B14F-4D97-AF65-F5344CB8AC3E}">
-        <p14:creationId xmlns:p14="http://schemas.microsoft.com/office/powerpoint/2010/main" val="744643749"/>
+        <p14:creationId xmlns:p14="http://schemas.microsoft.com/office/powerpoint/2010/main" val="2207197429"/>
       </p:ext>
     </p:extLst>
   </p:cSld>
   <p:clrMapOvr>
     <a:masterClrMapping/>
   </p:clrMapOvr>
+  <p:timing>
+    <p:tnLst>
+      <p:par>
+        <p:cTn id="1" dur="indefinite" restart="never" nodeType="tmRoot"/>
+      </p:par>
+    </p:tnLst>
+  </p:timing>
 </p:sld>
 </file>
 
@@ -3360,17 +3581,21 @@
             <a:spLocks noGrp="1"/>
           </p:cNvSpPr>
           <p:nvPr>
-            <p:ph type="ctrTitle"/>
-          </p:nvPr>
-        </p:nvSpPr>
-        <p:spPr/>
-        <p:txBody>
-          <a:bodyPr/>
-          <a:lstStyle/>
-          <a:p>
-            <a:r>
-              <a:rPr lang="pt-BR" dirty="0" smtClean="0"/>
-              <a:t>Herança e Polimorfismo</a:t>
+            <p:ph type="title"/>
+          </p:nvPr>
+        </p:nvSpPr>
+        <p:spPr/>
+        <p:txBody>
+          <a:bodyPr/>
+          <a:lstStyle/>
+          <a:p>
+            <a:r>
+              <a:rPr lang="pt-BR" dirty="0" smtClean="0"/>
+              <a:t>Executando aplicações com </a:t>
+            </a:r>
+            <a:r>
+              <a:rPr lang="pt-BR" dirty="0" err="1" smtClean="0"/>
+              <a:t>java</a:t>
             </a:r>
             <a:endParaRPr lang="pt-BR" dirty="0"/>
           </a:p>
@@ -3378,41 +3603,157 @@
       </p:sp>
       <p:sp>
         <p:nvSpPr>
-          <p:cNvPr id="3" name="Subtítulo 2"/>
-          <p:cNvSpPr>
-            <a:spLocks noGrp="1"/>
-          </p:cNvSpPr>
-          <p:nvPr>
-            <p:ph type="subTitle" idx="1"/>
-          </p:nvPr>
-        </p:nvSpPr>
-        <p:spPr/>
-        <p:txBody>
-          <a:bodyPr/>
-          <a:lstStyle/>
-          <a:p>
-            <a:r>
-              <a:rPr lang="pt-BR" dirty="0" smtClean="0"/>
-              <a:t>OCA </a:t>
-            </a:r>
+          <p:cNvPr id="3" name="Espaço Reservado para Conteúdo 2"/>
+          <p:cNvSpPr>
+            <a:spLocks noGrp="1"/>
+          </p:cNvSpPr>
+          <p:nvPr>
+            <p:ph idx="1"/>
+          </p:nvPr>
+        </p:nvSpPr>
+        <p:spPr/>
+        <p:txBody>
+          <a:bodyPr/>
+          <a:lstStyle/>
+          <a:p>
+            <a:pPr algn="just"/>
+            <a:r>
+              <a:rPr lang="pt-BR" dirty="0" smtClean="0"/>
+              <a:t>Usamos o comando: </a:t>
+            </a:r>
+          </a:p>
+          <a:p>
+            <a:pPr marL="457200" lvl="1" indent="0" algn="just">
+              <a:buNone/>
+            </a:pPr>
             <a:r>
               <a:rPr lang="pt-BR" dirty="0" err="1" smtClean="0"/>
-              <a:t>Objectives</a:t>
-            </a:r>
-            <a:r>
-              <a:rPr lang="pt-BR" dirty="0" smtClean="0"/>
-              <a:t> 7.1, 7.2 </a:t>
+              <a:t>java</a:t>
+            </a:r>
+            <a:r>
+              <a:rPr lang="pt-BR" dirty="0" smtClean="0"/>
+              <a:t> [</a:t>
             </a:r>
             <a:r>
               <a:rPr lang="pt-BR" dirty="0" err="1" smtClean="0"/>
-              <a:t>and</a:t>
-            </a:r>
-            <a:r>
-              <a:rPr lang="pt-BR" dirty="0" smtClean="0"/>
-              <a:t> 7.3</a:t>
+              <a:t>options</a:t>
+            </a:r>
+            <a:r>
+              <a:rPr lang="pt-BR" dirty="0" smtClean="0"/>
+              <a:t>] </a:t>
+            </a:r>
+            <a:r>
+              <a:rPr lang="pt-BR" dirty="0" err="1" smtClean="0"/>
+              <a:t>class</a:t>
+            </a:r>
+            <a:r>
+              <a:rPr lang="pt-BR" dirty="0" smtClean="0"/>
+              <a:t> [ </a:t>
+            </a:r>
+            <a:r>
+              <a:rPr lang="pt-BR" dirty="0" err="1" smtClean="0"/>
+              <a:t>args</a:t>
+            </a:r>
+            <a:r>
+              <a:rPr lang="pt-BR" dirty="0" smtClean="0"/>
+              <a:t>]</a:t>
+            </a:r>
+          </a:p>
+          <a:p>
+            <a:pPr algn="just"/>
+            <a:r>
+              <a:rPr lang="pt-BR" dirty="0" smtClean="0"/>
+              <a:t>[</a:t>
+            </a:r>
+            <a:r>
+              <a:rPr lang="pt-BR" dirty="0" err="1" smtClean="0"/>
+              <a:t>options</a:t>
+            </a:r>
+            <a:r>
+              <a:rPr lang="pt-BR" dirty="0" smtClean="0"/>
+              <a:t>] e [</a:t>
+            </a:r>
+            <a:r>
+              <a:rPr lang="pt-BR" dirty="0" err="1" smtClean="0"/>
+              <a:t>args</a:t>
+            </a:r>
+            <a:r>
+              <a:rPr lang="pt-BR" dirty="0" smtClean="0"/>
+              <a:t>] são </a:t>
+            </a:r>
+            <a:r>
+              <a:rPr lang="pt-BR" b="1" dirty="0" smtClean="0"/>
+              <a:t>opcionais e </a:t>
+            </a:r>
+            <a:r>
+              <a:rPr lang="pt-BR" b="1" dirty="0"/>
+              <a:t>podem receber múltiplos valores</a:t>
+            </a:r>
+            <a:r>
+              <a:rPr lang="pt-BR" dirty="0"/>
+              <a:t>. Caso sejam declarados no comando, devem ser </a:t>
+            </a:r>
+            <a:r>
+              <a:rPr lang="pt-BR" b="1" dirty="0"/>
+              <a:t>separados utilizando </a:t>
+            </a:r>
+            <a:r>
+              <a:rPr lang="pt-BR" b="1" dirty="0" err="1"/>
+              <a:t>caracter</a:t>
+            </a:r>
+            <a:r>
+              <a:rPr lang="pt-BR" b="1" dirty="0"/>
+              <a:t> de </a:t>
+            </a:r>
+            <a:r>
+              <a:rPr lang="pt-BR" b="1" dirty="0" smtClean="0"/>
+              <a:t>espaço</a:t>
+            </a:r>
+          </a:p>
+          <a:p>
+            <a:pPr algn="just"/>
+            <a:r>
+              <a:rPr lang="pt-BR" dirty="0" smtClean="0"/>
+              <a:t>No parâmetro [</a:t>
+            </a:r>
+            <a:r>
+              <a:rPr lang="pt-BR" dirty="0" err="1" smtClean="0"/>
+              <a:t>class</a:t>
+            </a:r>
+            <a:r>
+              <a:rPr lang="pt-BR" dirty="0" smtClean="0"/>
+              <a:t>], deve ser informado </a:t>
+            </a:r>
+            <a:r>
+              <a:rPr lang="pt-BR" b="1" dirty="0" smtClean="0"/>
+              <a:t>uma classe compilada (.</a:t>
+            </a:r>
+            <a:r>
+              <a:rPr lang="pt-BR" b="1" dirty="0" err="1" smtClean="0"/>
+              <a:t>class</a:t>
+            </a:r>
+            <a:r>
+              <a:rPr lang="pt-BR" b="1" dirty="0" smtClean="0"/>
+              <a:t>)</a:t>
+            </a:r>
+            <a:r>
+              <a:rPr lang="pt-BR" dirty="0" smtClean="0"/>
+              <a:t> e </a:t>
+            </a:r>
+            <a:r>
+              <a:rPr lang="pt-BR" b="1" dirty="0" smtClean="0"/>
+              <a:t>não informamos a extensão do arquivo </a:t>
+            </a:r>
+            <a:r>
+              <a:rPr lang="pt-BR" dirty="0" smtClean="0"/>
+              <a:t>no comando</a:t>
             </a:r>
             <a:endParaRPr lang="pt-BR" dirty="0"/>
           </a:p>
+          <a:p>
+            <a:pPr algn="just"/>
+            <a:endParaRPr lang="pt-BR" dirty="0"/>
+          </a:p>
         </p:txBody>
       </p:sp>
       <p:sp>
@@ -3422,34 +3763,45 @@
             <a:spLocks noGrp="1"/>
           </p:cNvSpPr>
           <p:nvPr>
-            <p:ph type="ftr" sz="quarter" idx="11"/>
-          </p:nvPr>
-        </p:nvSpPr>
-        <p:spPr/>
-        <p:txBody>
-          <a:bodyPr/>
-          <a:lstStyle/>
-          <a:p>
-            <a:r>
-              <a:rPr lang="pt-BR" dirty="0"/>
-              <a:t>Orientação a Objeto</a:t>
-            </a:r>
-          </a:p>
-          <a:p>
-            <a:endParaRPr lang="pt-BR" dirty="0"/>
+            <p:ph type="ftr" sz="quarter" idx="13"/>
+          </p:nvPr>
+        </p:nvSpPr>
+        <p:spPr/>
+        <p:txBody>
+          <a:bodyPr/>
+          <a:lstStyle/>
+          <a:p>
+            <a:pPr algn="ctr">
+              <a:defRPr sz="1200">
+                <a:solidFill>
+                  <a:srgbClr val="8C8C8C"/>
+                </a:solidFill>
+                <a:latin typeface="Tw Cen MT" charset="0"/>
+                <a:ea typeface="Calibri" charset="0"/>
+                <a:cs typeface="Calibri" charset="0"/>
+              </a:defRPr>
+            </a:pPr>
+            <a:endParaRPr lang="pt-BR"/>
           </a:p>
         </p:txBody>
       </p:sp>
     </p:spTree>
     <p:extLst>
       <p:ext uri="{BB962C8B-B14F-4D97-AF65-F5344CB8AC3E}">
-        <p14:creationId xmlns:p14="http://schemas.microsoft.com/office/powerpoint/2010/main" val="86249347"/>
+        <p14:creationId xmlns:p14="http://schemas.microsoft.com/office/powerpoint/2010/main" val="2726138806"/>
       </p:ext>
     </p:extLst>
   </p:cSld>
   <p:clrMapOvr>
     <a:masterClrMapping/>
   </p:clrMapOvr>
+  <p:timing>
+    <p:tnLst>
+      <p:par>
+        <p:cTn id="1" dur="indefinite" restart="never" nodeType="tmRoot"/>
+      </p:par>
+    </p:tnLst>
+  </p:timing>
 </p:sld>
 </file>
 
@@ -3477,17 +3829,45 @@
             <a:spLocks noGrp="1"/>
           </p:cNvSpPr>
           <p:nvPr>
-            <p:ph type="ctrTitle"/>
-          </p:nvPr>
-        </p:nvSpPr>
-        <p:spPr/>
-        <p:txBody>
-          <a:bodyPr/>
-          <a:lstStyle/>
-          <a:p>
-            <a:r>
-              <a:rPr lang="pt-BR" dirty="0" smtClean="0"/>
-              <a:t>Polimorfismo</a:t>
+            <p:ph type="title"/>
+          </p:nvPr>
+        </p:nvSpPr>
+        <p:spPr/>
+        <p:txBody>
+          <a:bodyPr/>
+          <a:lstStyle/>
+          <a:p>
+            <a:r>
+              <a:rPr lang="pt-BR" dirty="0" smtClean="0"/>
+              <a:t>Usando </a:t>
+            </a:r>
+            <a:r>
+              <a:rPr lang="pt-BR" dirty="0" err="1" smtClean="0"/>
+              <a:t>public</a:t>
+            </a:r>
+            <a:r>
+              <a:rPr lang="pt-BR" dirty="0" smtClean="0"/>
+              <a:t> </a:t>
+            </a:r>
+            <a:r>
+              <a:rPr lang="pt-BR" dirty="0" err="1" smtClean="0"/>
+              <a:t>static</a:t>
+            </a:r>
+            <a:r>
+              <a:rPr lang="pt-BR" dirty="0" smtClean="0"/>
+              <a:t> </a:t>
+            </a:r>
+            <a:r>
+              <a:rPr lang="pt-BR" dirty="0" err="1" smtClean="0"/>
+              <a:t>void</a:t>
+            </a:r>
+            <a:r>
+              <a:rPr lang="pt-BR" dirty="0" smtClean="0"/>
+              <a:t> </a:t>
+            </a:r>
+            <a:r>
+              <a:rPr lang="pt-BR" dirty="0" err="1" smtClean="0"/>
+              <a:t>main</a:t>
             </a:r>
             <a:endParaRPr lang="pt-BR" dirty="0"/>
           </a:p>
@@ -3495,40 +3875,124 @@
       </p:sp>
       <p:sp>
         <p:nvSpPr>
-          <p:cNvPr id="3" name="Subtítulo 2"/>
-          <p:cNvSpPr>
-            <a:spLocks noGrp="1"/>
-          </p:cNvSpPr>
-          <p:nvPr>
-            <p:ph type="subTitle" idx="1"/>
-          </p:nvPr>
-        </p:nvSpPr>
-        <p:spPr/>
-        <p:txBody>
-          <a:bodyPr/>
-          <a:lstStyle/>
-          <a:p>
-            <a:r>
-              <a:rPr lang="pt-BR" dirty="0" smtClean="0"/>
-              <a:t>Oca </a:t>
+          <p:cNvPr id="3" name="Espaço Reservado para Conteúdo 2"/>
+          <p:cNvSpPr>
+            <a:spLocks noGrp="1"/>
+          </p:cNvSpPr>
+          <p:nvPr>
+            <p:ph idx="1"/>
+          </p:nvPr>
+        </p:nvSpPr>
+        <p:spPr/>
+        <p:txBody>
+          <a:bodyPr/>
+          <a:lstStyle/>
+          <a:p>
+            <a:pPr algn="just"/>
+            <a:r>
+              <a:rPr lang="pt-BR" dirty="0" smtClean="0"/>
+              <a:t>A JVM </a:t>
+            </a:r>
+            <a:r>
+              <a:rPr lang="pt-BR" b="1" dirty="0" smtClean="0"/>
+              <a:t>sempre</a:t>
+            </a:r>
+            <a:r>
+              <a:rPr lang="pt-BR" dirty="0" smtClean="0"/>
+              <a:t> irá procurar pelo método assinado como: </a:t>
+            </a:r>
+            <a:r>
+              <a:rPr lang="pt-BR" b="1" dirty="0" err="1" smtClean="0"/>
+              <a:t>public</a:t>
+            </a:r>
+            <a:r>
+              <a:rPr lang="pt-BR" b="1" dirty="0" smtClean="0"/>
+              <a:t> </a:t>
+            </a:r>
+            <a:r>
+              <a:rPr lang="pt-BR" b="1" dirty="0" err="1" smtClean="0"/>
+              <a:t>static</a:t>
+            </a:r>
+            <a:r>
+              <a:rPr lang="pt-BR" b="1" dirty="0" smtClean="0"/>
+              <a:t> </a:t>
+            </a:r>
+            <a:r>
+              <a:rPr lang="pt-BR" b="1" dirty="0" err="1" smtClean="0"/>
+              <a:t>void</a:t>
+            </a:r>
+            <a:r>
+              <a:rPr lang="pt-BR" b="1" dirty="0" smtClean="0"/>
+              <a:t> </a:t>
+            </a:r>
+            <a:r>
+              <a:rPr lang="pt-BR" b="1" dirty="0" err="1" smtClean="0"/>
+              <a:t>main</a:t>
+            </a:r>
+            <a:r>
+              <a:rPr lang="pt-BR" b="1" dirty="0" smtClean="0"/>
+              <a:t> (</a:t>
+            </a:r>
+            <a:r>
+              <a:rPr lang="pt-BR" b="1" dirty="0" err="1" smtClean="0"/>
+              <a:t>String</a:t>
+            </a:r>
+            <a:r>
+              <a:rPr lang="pt-BR" b="1" dirty="0" smtClean="0"/>
+              <a:t>[] </a:t>
+            </a:r>
+            <a:r>
+              <a:rPr lang="pt-BR" b="1" dirty="0" err="1" smtClean="0"/>
+              <a:t>args</a:t>
+            </a:r>
+            <a:r>
+              <a:rPr lang="pt-BR" b="1" dirty="0" smtClean="0"/>
+              <a:t>)</a:t>
+            </a:r>
+            <a:r>
+              <a:rPr lang="pt-BR" dirty="0" smtClean="0"/>
+              <a:t>, na execução do comando </a:t>
             </a:r>
             <a:r>
               <a:rPr lang="pt-BR" dirty="0" err="1" smtClean="0"/>
-              <a:t>Objectives</a:t>
-            </a:r>
-            <a:r>
-              <a:rPr lang="pt-BR" dirty="0" smtClean="0"/>
-              <a:t> 7.2 </a:t>
+              <a:t>java</a:t>
+            </a:r>
+            <a:endParaRPr lang="pt-BR" dirty="0" smtClean="0"/>
+          </a:p>
+          <a:p>
+            <a:pPr algn="just"/>
+            <a:r>
+              <a:rPr lang="pt-BR" dirty="0" smtClean="0"/>
+              <a:t>Outras assinaturas (válidas) para o método </a:t>
             </a:r>
             <a:r>
               <a:rPr lang="pt-BR" dirty="0" err="1" smtClean="0"/>
-              <a:t>and</a:t>
-            </a:r>
-            <a:r>
-              <a:rPr lang="pt-BR" dirty="0" smtClean="0"/>
-              <a:t> 7.3</a:t>
-            </a:r>
-            <a:endParaRPr lang="pt-BR" dirty="0"/>
+              <a:t>main</a:t>
+            </a:r>
+            <a:r>
+              <a:rPr lang="pt-BR" dirty="0" smtClean="0"/>
+              <a:t>() de execução da JVM podem ser utilizadas</a:t>
+            </a:r>
+          </a:p>
+          <a:p>
+            <a:pPr algn="just"/>
+            <a:r>
+              <a:rPr lang="pt-BR" dirty="0" smtClean="0"/>
+              <a:t>Método </a:t>
+            </a:r>
+            <a:r>
+              <a:rPr lang="pt-BR" dirty="0" err="1" smtClean="0"/>
+              <a:t>main</a:t>
+            </a:r>
+            <a:r>
+              <a:rPr lang="pt-BR" dirty="0" smtClean="0"/>
+              <a:t>() </a:t>
+            </a:r>
+            <a:r>
+              <a:rPr lang="pt-BR" b="1" dirty="0" smtClean="0"/>
+              <a:t>pode ser sobrecarregado</a:t>
+            </a:r>
+            <a:endParaRPr lang="pt-BR" b="1" dirty="0"/>
           </a:p>
         </p:txBody>
       </p:sp>
@@ -3539,34 +4003,45 @@
             <a:spLocks noGrp="1"/>
           </p:cNvSpPr>
           <p:nvPr>
-            <p:ph type="ftr" sz="quarter" idx="11"/>
-          </p:nvPr>
-        </p:nvSpPr>
-        <p:spPr/>
-        <p:txBody>
-          <a:bodyPr/>
-          <a:lstStyle/>
-          <a:p>
-            <a:r>
-              <a:rPr lang="pt-BR" dirty="0"/>
-              <a:t>Orientação a Objeto</a:t>
-            </a:r>
-          </a:p>
-          <a:p>
-            <a:endParaRPr lang="pt-BR" dirty="0"/>
+            <p:ph type="ftr" sz="quarter" idx="13"/>
+          </p:nvPr>
+        </p:nvSpPr>
+        <p:spPr/>
+        <p:txBody>
+          <a:bodyPr/>
+          <a:lstStyle/>
+          <a:p>
+            <a:pPr algn="ctr">
+              <a:defRPr sz="1200">
+                <a:solidFill>
+                  <a:srgbClr val="8C8C8C"/>
+                </a:solidFill>
+                <a:latin typeface="Tw Cen MT" charset="0"/>
+                <a:ea typeface="Calibri" charset="0"/>
+                <a:cs typeface="Calibri" charset="0"/>
+              </a:defRPr>
+            </a:pPr>
+            <a:endParaRPr lang="pt-BR"/>
           </a:p>
         </p:txBody>
       </p:sp>
     </p:spTree>
     <p:extLst>
       <p:ext uri="{BB962C8B-B14F-4D97-AF65-F5344CB8AC3E}">
-        <p14:creationId xmlns:p14="http://schemas.microsoft.com/office/powerpoint/2010/main" val="331758530"/>
+        <p14:creationId xmlns:p14="http://schemas.microsoft.com/office/powerpoint/2010/main" val="2498357849"/>
       </p:ext>
     </p:extLst>
   </p:cSld>
   <p:clrMapOvr>
     <a:masterClrMapping/>
   </p:clrMapOvr>
+  <p:timing>
+    <p:tnLst>
+      <p:par>
+        <p:cTn id="1" dur="indefinite" restart="never" nodeType="tmRoot"/>
+      </p:par>
+    </p:tnLst>
+  </p:timing>
 </p:sld>
 </file>
 
@@ -3594,7 +4069,7 @@
             <a:spLocks noGrp="1"/>
           </p:cNvSpPr>
           <p:nvPr>
-            <p:ph type="ctrTitle"/>
+            <p:ph type="title"/>
           </p:nvPr>
         </p:nvSpPr>
         <p:spPr/>
@@ -3604,11 +4079,15 @@
           <a:p>
             <a:r>
               <a:rPr lang="pt-BR" dirty="0" err="1" smtClean="0"/>
-              <a:t>Sobrescrição</a:t>
-            </a:r>
-            <a:r>
-              <a:rPr lang="pt-BR" dirty="0" smtClean="0"/>
-              <a:t> e Sobrecarga</a:t>
+              <a:t>Statements</a:t>
+            </a:r>
+            <a:r>
+              <a:rPr lang="pt-BR" dirty="0" smtClean="0"/>
+              <a:t> de </a:t>
+            </a:r>
+            <a:r>
+              <a:rPr lang="pt-BR" dirty="0" err="1" smtClean="0"/>
+              <a:t>import</a:t>
             </a:r>
             <a:endParaRPr lang="pt-BR" dirty="0"/>
           </a:p>
@@ -3616,40 +4095,147 @@
       </p:sp>
       <p:sp>
         <p:nvSpPr>
-          <p:cNvPr id="3" name="Subtítulo 2"/>
-          <p:cNvSpPr>
-            <a:spLocks noGrp="1"/>
-          </p:cNvSpPr>
-          <p:nvPr>
-            <p:ph type="subTitle" idx="1"/>
-          </p:nvPr>
-        </p:nvSpPr>
-        <p:spPr/>
-        <p:txBody>
-          <a:bodyPr/>
-          <a:lstStyle/>
-          <a:p>
-            <a:r>
-              <a:rPr lang="pt-BR" dirty="0" smtClean="0"/>
-              <a:t>Oca </a:t>
-            </a:r>
-            <a:r>
-              <a:rPr lang="pt-BR" dirty="0" err="1" smtClean="0"/>
-              <a:t>Objectives</a:t>
-            </a:r>
-            <a:r>
-              <a:rPr lang="pt-BR" dirty="0" smtClean="0"/>
-              <a:t> 6.1, 6.3, 7.2 </a:t>
-            </a:r>
-            <a:r>
-              <a:rPr lang="pt-BR" dirty="0" err="1" smtClean="0"/>
-              <a:t>and</a:t>
-            </a:r>
-            <a:r>
-              <a:rPr lang="pt-BR" dirty="0" smtClean="0"/>
-              <a:t> 7.3</a:t>
-            </a:r>
-            <a:endParaRPr lang="pt-BR" dirty="0"/>
+          <p:cNvPr id="3" name="Espaço Reservado para Conteúdo 2"/>
+          <p:cNvSpPr>
+            <a:spLocks noGrp="1"/>
+          </p:cNvSpPr>
+          <p:nvPr>
+            <p:ph idx="1"/>
+          </p:nvPr>
+        </p:nvSpPr>
+        <p:spPr/>
+        <p:txBody>
+          <a:bodyPr/>
+          <a:lstStyle/>
+          <a:p>
+            <a:pPr algn="just"/>
+            <a:r>
+              <a:rPr lang="pt-BR" sz="2400" dirty="0" smtClean="0"/>
+              <a:t>A principal finalidade do </a:t>
+            </a:r>
+            <a:r>
+              <a:rPr lang="pt-BR" sz="2400" dirty="0" err="1" smtClean="0"/>
+              <a:t>import</a:t>
+            </a:r>
+            <a:r>
+              <a:rPr lang="pt-BR" sz="2400" dirty="0" smtClean="0"/>
+              <a:t> é “poupar” declarações e fazer o código mais </a:t>
+            </a:r>
+            <a:r>
+              <a:rPr lang="pt-BR" sz="2400" dirty="0" err="1" smtClean="0"/>
+              <a:t>legivel</a:t>
+            </a:r>
+            <a:endParaRPr lang="pt-BR" sz="2400" dirty="0" smtClean="0"/>
+          </a:p>
+          <a:p>
+            <a:pPr algn="just"/>
+            <a:r>
+              <a:rPr lang="pt-BR" sz="2400" dirty="0" smtClean="0"/>
+              <a:t>A utilização da API de uma classe consiste em declaramos o seu </a:t>
+            </a:r>
+            <a:r>
+              <a:rPr lang="pt-BR" sz="2400" b="1" dirty="0" smtClean="0"/>
+              <a:t>FQN</a:t>
+            </a:r>
+            <a:r>
+              <a:rPr lang="pt-BR" sz="2400" dirty="0" smtClean="0"/>
+              <a:t>, ou seja, </a:t>
+            </a:r>
+            <a:r>
+              <a:rPr lang="pt-BR" sz="2400" b="1" dirty="0" err="1" smtClean="0"/>
+              <a:t>package</a:t>
+            </a:r>
+            <a:r>
+              <a:rPr lang="pt-BR" sz="2400" b="1" dirty="0" smtClean="0"/>
+              <a:t> mais nome da classe</a:t>
+            </a:r>
+          </a:p>
+          <a:p>
+            <a:pPr algn="just"/>
+            <a:r>
+              <a:rPr lang="pt-BR" sz="2400" dirty="0" smtClean="0"/>
+              <a:t>Podemos importar a classe usando a declaração do </a:t>
+            </a:r>
+            <a:r>
+              <a:rPr lang="pt-BR" sz="2400" b="1" dirty="0" err="1" smtClean="0"/>
+              <a:t>import</a:t>
+            </a:r>
+            <a:r>
+              <a:rPr lang="pt-BR" sz="2400" dirty="0" smtClean="0"/>
+              <a:t> ou importar </a:t>
+            </a:r>
+            <a:r>
+              <a:rPr lang="pt-BR" sz="2400" b="1" i="1" dirty="0" err="1" smtClean="0"/>
+              <a:t>inline</a:t>
+            </a:r>
+            <a:endParaRPr lang="pt-BR" sz="2400" b="1" i="1" dirty="0" smtClean="0"/>
+          </a:p>
+          <a:p>
+            <a:pPr algn="just"/>
+            <a:r>
+              <a:rPr lang="pt-BR" sz="2400" dirty="0" smtClean="0"/>
+              <a:t>Podemos utilizar o </a:t>
+            </a:r>
+            <a:r>
+              <a:rPr lang="pt-BR" sz="2400" dirty="0" err="1" smtClean="0"/>
+              <a:t>wildcard</a:t>
+            </a:r>
+            <a:r>
+              <a:rPr lang="pt-BR" sz="2400" dirty="0" smtClean="0"/>
+              <a:t> </a:t>
+            </a:r>
+            <a:r>
+              <a:rPr lang="pt-BR" sz="2400" b="1" dirty="0" smtClean="0"/>
+              <a:t>*</a:t>
+            </a:r>
+            <a:r>
+              <a:rPr lang="pt-BR" sz="2400" dirty="0" smtClean="0"/>
+              <a:t> para </a:t>
+            </a:r>
+            <a:r>
+              <a:rPr lang="pt-BR" sz="2400" b="1" dirty="0" smtClean="0"/>
+              <a:t>importar todas as </a:t>
+            </a:r>
+            <a:r>
+              <a:rPr lang="pt-BR" sz="2400" b="1" dirty="0" err="1" smtClean="0"/>
+              <a:t>apis</a:t>
+            </a:r>
+            <a:r>
+              <a:rPr lang="pt-BR" sz="2400" b="1" dirty="0" smtClean="0"/>
+              <a:t> de um determinado </a:t>
+            </a:r>
+            <a:r>
+              <a:rPr lang="pt-BR" sz="2400" b="1" dirty="0" err="1" smtClean="0"/>
+              <a:t>package</a:t>
+            </a:r>
+            <a:endParaRPr lang="pt-BR" sz="2400" b="1" dirty="0" smtClean="0"/>
+          </a:p>
+          <a:p>
+            <a:pPr algn="just"/>
+            <a:r>
+              <a:rPr lang="pt-BR" sz="2400" dirty="0" smtClean="0"/>
+              <a:t>É possível combinarmos importações via </a:t>
+            </a:r>
+            <a:r>
+              <a:rPr lang="pt-BR" sz="2400" dirty="0" err="1" smtClean="0"/>
+              <a:t>import</a:t>
+            </a:r>
+            <a:r>
+              <a:rPr lang="pt-BR" sz="2400" dirty="0" smtClean="0"/>
+              <a:t> e </a:t>
+            </a:r>
+            <a:r>
+              <a:rPr lang="pt-BR" sz="2400" dirty="0" err="1" smtClean="0"/>
+              <a:t>inline</a:t>
+            </a:r>
+            <a:r>
+              <a:rPr lang="pt-BR" sz="2400" dirty="0" smtClean="0"/>
+              <a:t> ao nosso gosto</a:t>
+            </a:r>
+          </a:p>
+          <a:p>
+            <a:pPr algn="just"/>
+            <a:endParaRPr lang="pt-BR" sz="2400" dirty="0"/>
           </a:p>
         </p:txBody>
       </p:sp>
@@ -3660,34 +4246,45 @@
             <a:spLocks noGrp="1"/>
           </p:cNvSpPr>
           <p:nvPr>
-            <p:ph type="ftr" sz="quarter" idx="11"/>
-          </p:nvPr>
-        </p:nvSpPr>
-        <p:spPr/>
-        <p:txBody>
-          <a:bodyPr/>
-          <a:lstStyle/>
-          <a:p>
-            <a:r>
-              <a:rPr lang="pt-BR" dirty="0"/>
-              <a:t>Orientação a Objeto</a:t>
-            </a:r>
-          </a:p>
-          <a:p>
-            <a:endParaRPr lang="pt-BR" dirty="0"/>
+            <p:ph type="ftr" sz="quarter" idx="13"/>
+          </p:nvPr>
+        </p:nvSpPr>
+        <p:spPr/>
+        <p:txBody>
+          <a:bodyPr/>
+          <a:lstStyle/>
+          <a:p>
+            <a:pPr algn="ctr">
+              <a:defRPr sz="1200">
+                <a:solidFill>
+                  <a:srgbClr val="8C8C8C"/>
+                </a:solidFill>
+                <a:latin typeface="Tw Cen MT" charset="0"/>
+                <a:ea typeface="Calibri" charset="0"/>
+                <a:cs typeface="Calibri" charset="0"/>
+              </a:defRPr>
+            </a:pPr>
+            <a:endParaRPr lang="pt-BR"/>
           </a:p>
         </p:txBody>
       </p:sp>
     </p:spTree>
     <p:extLst>
       <p:ext uri="{BB962C8B-B14F-4D97-AF65-F5344CB8AC3E}">
-        <p14:creationId xmlns:p14="http://schemas.microsoft.com/office/powerpoint/2010/main" val="4043444102"/>
+        <p14:creationId xmlns:p14="http://schemas.microsoft.com/office/powerpoint/2010/main" val="1026855541"/>
       </p:ext>
     </p:extLst>
   </p:cSld>
   <p:clrMapOvr>
     <a:masterClrMapping/>
   </p:clrMapOvr>
+  <p:timing>
+    <p:tnLst>
+      <p:par>
+        <p:cTn id="1" dur="indefinite" restart="never" nodeType="tmRoot"/>
+      </p:par>
+    </p:tnLst>
+  </p:timing>
 </p:sld>
 </file>
 
@@ -3715,7 +4312,7 @@
             <a:spLocks noGrp="1"/>
           </p:cNvSpPr>
           <p:nvPr>
-            <p:ph type="ctrTitle"/>
+            <p:ph type="title"/>
           </p:nvPr>
         </p:nvSpPr>
         <p:spPr/>
@@ -3725,11 +4322,15 @@
           <a:p>
             <a:r>
               <a:rPr lang="pt-BR" dirty="0" err="1" smtClean="0"/>
-              <a:t>Casting</a:t>
-            </a:r>
-            <a:r>
-              <a:rPr lang="pt-BR" dirty="0" smtClean="0"/>
-              <a:t> (Conversão)</a:t>
+              <a:t>Statements</a:t>
+            </a:r>
+            <a:r>
+              <a:rPr lang="pt-BR" dirty="0" smtClean="0"/>
+              <a:t> de importação </a:t>
+            </a:r>
+            <a:r>
+              <a:rPr lang="pt-BR" dirty="0" err="1" smtClean="0"/>
+              <a:t>static</a:t>
             </a:r>
             <a:endParaRPr lang="pt-BR" dirty="0"/>
           </a:p>
@@ -3737,39 +4338,91 @@
       </p:sp>
       <p:sp>
         <p:nvSpPr>
-          <p:cNvPr id="3" name="Subtítulo 2"/>
-          <p:cNvSpPr>
-            <a:spLocks noGrp="1"/>
-          </p:cNvSpPr>
-          <p:nvPr>
-            <p:ph type="subTitle" idx="1"/>
-          </p:nvPr>
-        </p:nvSpPr>
-        <p:spPr/>
-        <p:txBody>
-          <a:bodyPr/>
-          <a:lstStyle/>
-          <a:p>
-            <a:r>
-              <a:rPr lang="pt-BR" dirty="0" smtClean="0"/>
-              <a:t>Oca </a:t>
+          <p:cNvPr id="3" name="Espaço Reservado para Conteúdo 2"/>
+          <p:cNvSpPr>
+            <a:spLocks noGrp="1"/>
+          </p:cNvSpPr>
+          <p:nvPr>
+            <p:ph idx="1"/>
+          </p:nvPr>
+        </p:nvSpPr>
+        <p:spPr/>
+        <p:txBody>
+          <a:bodyPr/>
+          <a:lstStyle/>
+          <a:p>
+            <a:pPr algn="just"/>
+            <a:r>
+              <a:rPr lang="pt-BR" dirty="0" smtClean="0"/>
+              <a:t>Membros </a:t>
             </a:r>
             <a:r>
               <a:rPr lang="pt-BR" dirty="0" err="1" smtClean="0"/>
-              <a:t>Objectives</a:t>
-            </a:r>
-            <a:r>
-              <a:rPr lang="pt-BR" dirty="0" smtClean="0"/>
-              <a:t> 7.3 </a:t>
-            </a:r>
+              <a:t>static</a:t>
+            </a:r>
+            <a:r>
+              <a:rPr lang="pt-BR" dirty="0" smtClean="0"/>
+              <a:t> </a:t>
+            </a:r>
+            <a:r>
+              <a:rPr lang="pt-BR" b="1" dirty="0" smtClean="0"/>
+              <a:t>são membros de classe, não de instância</a:t>
+            </a:r>
+          </a:p>
+          <a:p>
+            <a:pPr algn="just"/>
             <a:r>
               <a:rPr lang="pt-BR" dirty="0" err="1" smtClean="0"/>
-              <a:t>and</a:t>
-            </a:r>
-            <a:r>
-              <a:rPr lang="pt-BR" dirty="0" smtClean="0"/>
-              <a:t> 7.4</a:t>
-            </a:r>
+              <a:t>Imports</a:t>
+            </a:r>
+            <a:r>
+              <a:rPr lang="pt-BR" dirty="0" smtClean="0"/>
+              <a:t> </a:t>
+            </a:r>
+            <a:r>
+              <a:rPr lang="pt-BR" dirty="0" err="1" smtClean="0"/>
+              <a:t>static</a:t>
+            </a:r>
+            <a:r>
+              <a:rPr lang="pt-BR" dirty="0" smtClean="0"/>
+              <a:t> são usados quando </a:t>
+            </a:r>
+            <a:r>
+              <a:rPr lang="pt-BR" b="1" dirty="0" smtClean="0"/>
+              <a:t>queremos salvar declarações enquanto usamos membros </a:t>
+            </a:r>
+            <a:r>
+              <a:rPr lang="pt-BR" b="1" dirty="0" err="1" smtClean="0"/>
+              <a:t>static</a:t>
+            </a:r>
+            <a:r>
+              <a:rPr lang="pt-BR" b="1" dirty="0" smtClean="0"/>
+              <a:t> de classe</a:t>
+            </a:r>
+            <a:r>
+              <a:rPr lang="pt-BR" dirty="0" smtClean="0"/>
+              <a:t>, seja referencias, </a:t>
+            </a:r>
+            <a:r>
+              <a:rPr lang="pt-BR" dirty="0" err="1" smtClean="0"/>
+              <a:t>constants</a:t>
+            </a:r>
+            <a:r>
+              <a:rPr lang="pt-BR" dirty="0" smtClean="0"/>
+              <a:t> ou métodos </a:t>
+            </a:r>
+            <a:r>
+              <a:rPr lang="pt-BR" dirty="0" err="1" smtClean="0"/>
+              <a:t>static</a:t>
+            </a:r>
+            <a:endParaRPr lang="pt-BR" dirty="0" smtClean="0"/>
+          </a:p>
+          <a:p>
+            <a:pPr algn="just"/>
+            <a:endParaRPr lang="pt-BR" dirty="0" smtClean="0"/>
+          </a:p>
+          <a:p>
+            <a:pPr algn="just"/>
             <a:endParaRPr lang="pt-BR" dirty="0"/>
           </a:p>
         </p:txBody>
@@ -3781,34 +4434,45 @@
             <a:spLocks noGrp="1"/>
           </p:cNvSpPr>
           <p:nvPr>
-            <p:ph type="ftr" sz="quarter" idx="11"/>
-          </p:nvPr>
-        </p:nvSpPr>
-        <p:spPr/>
-        <p:txBody>
-          <a:bodyPr/>
-          <a:lstStyle/>
-          <a:p>
-            <a:r>
-              <a:rPr lang="pt-BR" dirty="0"/>
-              <a:t>Orientação a Objeto</a:t>
-            </a:r>
-          </a:p>
-          <a:p>
-            <a:endParaRPr lang="pt-BR" dirty="0"/>
+            <p:ph type="ftr" sz="quarter" idx="13"/>
+          </p:nvPr>
+        </p:nvSpPr>
+        <p:spPr/>
+        <p:txBody>
+          <a:bodyPr/>
+          <a:lstStyle/>
+          <a:p>
+            <a:pPr algn="ctr">
+              <a:defRPr sz="1200">
+                <a:solidFill>
+                  <a:srgbClr val="8C8C8C"/>
+                </a:solidFill>
+                <a:latin typeface="Tw Cen MT" charset="0"/>
+                <a:ea typeface="Calibri" charset="0"/>
+                <a:cs typeface="Calibri" charset="0"/>
+              </a:defRPr>
+            </a:pPr>
+            <a:endParaRPr lang="pt-BR"/>
           </a:p>
         </p:txBody>
       </p:sp>
     </p:spTree>
     <p:extLst>
       <p:ext uri="{BB962C8B-B14F-4D97-AF65-F5344CB8AC3E}">
-        <p14:creationId xmlns:p14="http://schemas.microsoft.com/office/powerpoint/2010/main" val="633171714"/>
+        <p14:creationId xmlns:p14="http://schemas.microsoft.com/office/powerpoint/2010/main" val="3460217464"/>
       </p:ext>
     </p:extLst>
   </p:cSld>
   <p:clrMapOvr>
     <a:masterClrMapping/>
   </p:clrMapOvr>
+  <p:timing>
+    <p:tnLst>
+      <p:par>
+        <p:cTn id="1" dur="indefinite" restart="never" nodeType="tmRoot"/>
+      </p:par>
+    </p:tnLst>
+  </p:timing>
 </p:sld>
 </file>
 
@@ -3836,50 +4500,198 @@
             <a:spLocks noGrp="1"/>
           </p:cNvSpPr>
           <p:nvPr>
-            <p:ph type="ctrTitle"/>
-          </p:nvPr>
-        </p:nvSpPr>
-        <p:spPr/>
-        <p:txBody>
-          <a:bodyPr/>
-          <a:lstStyle/>
-          <a:p>
-            <a:r>
-              <a:rPr lang="pt-BR" dirty="0" smtClean="0"/>
-              <a:t>Implementando Interfaces</a:t>
-            </a:r>
-            <a:endParaRPr lang="pt-BR" dirty="0"/>
-          </a:p>
-        </p:txBody>
-      </p:sp>
-      <p:sp>
-        <p:nvSpPr>
-          <p:cNvPr id="3" name="Subtítulo 2"/>
-          <p:cNvSpPr>
-            <a:spLocks noGrp="1"/>
-          </p:cNvSpPr>
-          <p:nvPr>
-            <p:ph type="subTitle" idx="1"/>
-          </p:nvPr>
-        </p:nvSpPr>
-        <p:spPr/>
-        <p:txBody>
-          <a:bodyPr/>
-          <a:lstStyle/>
-          <a:p>
-            <a:r>
-              <a:rPr lang="pt-BR" dirty="0" smtClean="0"/>
-              <a:t>OCA </a:t>
-            </a:r>
-            <a:r>
-              <a:rPr lang="pt-BR" dirty="0" err="1" smtClean="0"/>
-              <a:t>Objective</a:t>
-            </a:r>
-            <a:r>
-              <a:rPr lang="pt-BR" dirty="0" smtClean="0"/>
-              <a:t> 7.6</a:t>
-            </a:r>
-            <a:endParaRPr lang="pt-BR" dirty="0"/>
+            <p:ph type="title"/>
+          </p:nvPr>
+        </p:nvSpPr>
+        <p:spPr/>
+        <p:txBody>
+          <a:bodyPr/>
+          <a:lstStyle/>
+          <a:p>
+            <a:r>
+              <a:rPr lang="pt-BR" sz="4000" dirty="0" smtClean="0"/>
+              <a:t>Declaração de classe e modificadores</a:t>
+            </a:r>
+            <a:endParaRPr lang="pt-BR" sz="4000" dirty="0"/>
+          </a:p>
+        </p:txBody>
+      </p:sp>
+      <p:sp>
+        <p:nvSpPr>
+          <p:cNvPr id="3" name="Espaço Reservado para Conteúdo 2"/>
+          <p:cNvSpPr>
+            <a:spLocks noGrp="1"/>
+          </p:cNvSpPr>
+          <p:nvPr>
+            <p:ph idx="1"/>
+          </p:nvPr>
+        </p:nvSpPr>
+        <p:spPr/>
+        <p:txBody>
+          <a:bodyPr/>
+          <a:lstStyle/>
+          <a:p>
+            <a:pPr algn="just"/>
+            <a:r>
+              <a:rPr lang="pt-BR" sz="2200" dirty="0" smtClean="0"/>
+              <a:t>As duas categorias de modificadores são: de </a:t>
+            </a:r>
+            <a:r>
+              <a:rPr lang="pt-BR" sz="2200" b="1" dirty="0" smtClean="0"/>
+              <a:t>acesso e de não-acesso. </a:t>
+            </a:r>
+            <a:r>
+              <a:rPr lang="pt-BR" sz="2200" dirty="0" smtClean="0"/>
+              <a:t>Todas as classes, métodos e variáveis de instância </a:t>
+            </a:r>
+            <a:r>
+              <a:rPr lang="pt-BR" sz="2200" b="1" dirty="0" smtClean="0"/>
+              <a:t>sempre terão um controle de acesso</a:t>
+            </a:r>
+          </a:p>
+          <a:p>
+            <a:pPr algn="just"/>
+            <a:r>
+              <a:rPr lang="pt-BR" sz="2200" dirty="0" smtClean="0"/>
+              <a:t>Em termos práticos, </a:t>
+            </a:r>
+            <a:r>
+              <a:rPr lang="pt-BR" sz="2200" b="1" dirty="0" smtClean="0"/>
+              <a:t>acesso significa visibilidade</a:t>
+            </a:r>
+            <a:endParaRPr lang="pt-BR" sz="2200" dirty="0" smtClean="0"/>
+          </a:p>
+          <a:p>
+            <a:pPr algn="just"/>
+            <a:r>
+              <a:rPr lang="pt-BR" sz="2200" dirty="0" smtClean="0"/>
+              <a:t>Classe pode ser declarada com os modificadores de acesso </a:t>
+            </a:r>
+            <a:r>
+              <a:rPr lang="pt-BR" sz="2200" b="1" dirty="0" err="1" smtClean="0"/>
+              <a:t>public</a:t>
+            </a:r>
+            <a:r>
+              <a:rPr lang="pt-BR" sz="2200" dirty="0" smtClean="0"/>
+              <a:t> e </a:t>
+            </a:r>
+            <a:r>
+              <a:rPr lang="pt-BR" sz="2200" b="1" dirty="0" smtClean="0"/>
+              <a:t>default</a:t>
+            </a:r>
+            <a:r>
+              <a:rPr lang="pt-BR" sz="2200" dirty="0" smtClean="0"/>
+              <a:t>, e com os de não-acesso </a:t>
+            </a:r>
+            <a:r>
+              <a:rPr lang="pt-BR" sz="2200" b="1" dirty="0" smtClean="0"/>
+              <a:t>final, abstract </a:t>
+            </a:r>
+            <a:r>
+              <a:rPr lang="pt-BR" sz="2200" dirty="0" smtClean="0"/>
+              <a:t>ou</a:t>
+            </a:r>
+            <a:r>
+              <a:rPr lang="pt-BR" sz="2200" b="1" dirty="0" smtClean="0"/>
+              <a:t> </a:t>
+            </a:r>
+            <a:r>
+              <a:rPr lang="pt-BR" sz="2200" b="1" dirty="0" err="1" smtClean="0"/>
+              <a:t>strictfp</a:t>
+            </a:r>
+            <a:r>
+              <a:rPr lang="pt-BR" sz="2200" b="1" dirty="0" smtClean="0"/>
+              <a:t> </a:t>
+            </a:r>
+            <a:r>
+              <a:rPr lang="pt-BR" sz="2200" dirty="0" smtClean="0"/>
+              <a:t>com</a:t>
+            </a:r>
+            <a:r>
+              <a:rPr lang="pt-BR" sz="2200" b="1" dirty="0" smtClean="0"/>
+              <a:t> </a:t>
+            </a:r>
+            <a:r>
+              <a:rPr lang="pt-BR" sz="2200" dirty="0" smtClean="0"/>
+              <a:t>algumas combinações possíveis</a:t>
+            </a:r>
+          </a:p>
+          <a:p>
+            <a:pPr algn="just"/>
+            <a:r>
+              <a:rPr lang="pt-BR" sz="2200" dirty="0"/>
+              <a:t>Modificador </a:t>
+            </a:r>
+            <a:r>
+              <a:rPr lang="pt-BR" sz="2200" i="1" dirty="0" err="1" smtClean="0"/>
+              <a:t>public</a:t>
+            </a:r>
+            <a:r>
+              <a:rPr lang="pt-BR" sz="2200" dirty="0" smtClean="0"/>
+              <a:t> </a:t>
+            </a:r>
+            <a:r>
+              <a:rPr lang="pt-BR" sz="2200" dirty="0"/>
+              <a:t>significa que </a:t>
+            </a:r>
+            <a:r>
+              <a:rPr lang="pt-BR" sz="2200" b="1" dirty="0" smtClean="0"/>
+              <a:t>todas as classes de todos os </a:t>
+            </a:r>
+            <a:r>
+              <a:rPr lang="pt-BR" sz="2200" b="1" dirty="0" err="1" smtClean="0"/>
+              <a:t>packages</a:t>
+            </a:r>
+            <a:r>
+              <a:rPr lang="pt-BR" sz="2200" b="1" dirty="0" smtClean="0"/>
+              <a:t> terão acesso a classe</a:t>
+            </a:r>
+          </a:p>
+          <a:p>
+            <a:pPr algn="just"/>
+            <a:r>
+              <a:rPr lang="pt-BR" sz="2200" dirty="0" smtClean="0"/>
+              <a:t>Modificador </a:t>
+            </a:r>
+            <a:r>
+              <a:rPr lang="pt-BR" sz="2200" i="1" dirty="0" smtClean="0"/>
+              <a:t>final</a:t>
+            </a:r>
+            <a:r>
+              <a:rPr lang="pt-BR" sz="2200" dirty="0" smtClean="0"/>
+              <a:t> significa que a </a:t>
+            </a:r>
+            <a:r>
+              <a:rPr lang="pt-BR" sz="2200" b="1" dirty="0" smtClean="0"/>
+              <a:t>classe não poderá ser estendida</a:t>
+            </a:r>
+          </a:p>
+          <a:p>
+            <a:pPr algn="just"/>
+            <a:r>
+              <a:rPr lang="pt-BR" sz="2200" dirty="0" smtClean="0"/>
+              <a:t>Modificador </a:t>
+            </a:r>
+            <a:r>
+              <a:rPr lang="pt-BR" sz="2200" i="1" dirty="0" smtClean="0"/>
+              <a:t>abstract</a:t>
+            </a:r>
+            <a:r>
+              <a:rPr lang="pt-BR" sz="2200" dirty="0" smtClean="0"/>
+              <a:t> significa que a classe </a:t>
+            </a:r>
+            <a:r>
+              <a:rPr lang="pt-BR" sz="2200" b="1" dirty="0" smtClean="0"/>
+              <a:t>não pode ser diretamente instanciada</a:t>
+            </a:r>
+            <a:r>
+              <a:rPr lang="pt-BR" sz="2200" dirty="0" smtClean="0"/>
+              <a:t>; seu propósito é ser estendida</a:t>
+            </a:r>
+          </a:p>
+          <a:p>
+            <a:pPr algn="just"/>
+            <a:endParaRPr lang="pt-BR" sz="2200" dirty="0"/>
           </a:p>
         </p:txBody>
       </p:sp>
@@ -3890,14 +4702,24 @@
             <a:spLocks noGrp="1"/>
           </p:cNvSpPr>
           <p:nvPr>
-            <p:ph type="ftr" sz="quarter" idx="11"/>
-          </p:nvPr>
-        </p:nvSpPr>
-        <p:spPr/>
-        <p:txBody>
-          <a:bodyPr/>
-          <a:lstStyle/>
-          <a:p>
+            <p:ph type="ftr" sz="quarter" idx="13"/>
+          </p:nvPr>
+        </p:nvSpPr>
+        <p:spPr/>
+        <p:txBody>
+          <a:bodyPr/>
+          <a:lstStyle/>
+          <a:p>
+            <a:pPr algn="ctr">
+              <a:defRPr sz="1200">
+                <a:solidFill>
+                  <a:srgbClr val="8C8C8C"/>
+                </a:solidFill>
+                <a:latin typeface="Tw Cen MT" charset="0"/>
+                <a:ea typeface="Calibri" charset="0"/>
+                <a:cs typeface="Calibri" charset="0"/>
+              </a:defRPr>
+            </a:pPr>
             <a:endParaRPr lang="pt-BR"/>
           </a:p>
         </p:txBody>
@@ -3905,13 +4727,20 @@
     </p:spTree>
     <p:extLst>
       <p:ext uri="{BB962C8B-B14F-4D97-AF65-F5344CB8AC3E}">
-        <p14:creationId xmlns:p14="http://schemas.microsoft.com/office/powerpoint/2010/main" val="375912055"/>
+        <p14:creationId xmlns:p14="http://schemas.microsoft.com/office/powerpoint/2010/main" val="3392585000"/>
       </p:ext>
     </p:extLst>
   </p:cSld>
   <p:clrMapOvr>
     <a:masterClrMapping/>
   </p:clrMapOvr>
+  <p:timing>
+    <p:tnLst>
+      <p:par>
+        <p:cTn id="1" dur="indefinite" restart="never" nodeType="tmRoot"/>
+      </p:par>
+    </p:tnLst>
+  </p:timing>
 </p:sld>
 </file>
 
@@ -3939,17 +4768,17 @@
             <a:spLocks noGrp="1"/>
           </p:cNvSpPr>
           <p:nvPr>
-            <p:ph type="ctrTitle"/>
-          </p:nvPr>
-        </p:nvSpPr>
-        <p:spPr/>
-        <p:txBody>
-          <a:bodyPr/>
-          <a:lstStyle/>
-          <a:p>
-            <a:r>
-              <a:rPr lang="pt-BR" dirty="0" smtClean="0"/>
-              <a:t>Tipos de Retornos Válidos</a:t>
+            <p:ph type="title"/>
+          </p:nvPr>
+        </p:nvSpPr>
+        <p:spPr/>
+        <p:txBody>
+          <a:bodyPr/>
+          <a:lstStyle/>
+          <a:p>
+            <a:r>
+              <a:rPr lang="pt-BR" dirty="0" smtClean="0"/>
+              <a:t>Exercícios</a:t>
             </a:r>
             <a:endParaRPr lang="pt-BR" dirty="0"/>
           </a:p>
@@ -3957,38 +4786,120 @@
       </p:sp>
       <p:sp>
         <p:nvSpPr>
-          <p:cNvPr id="3" name="Subtítulo 2"/>
-          <p:cNvSpPr>
-            <a:spLocks noGrp="1"/>
-          </p:cNvSpPr>
-          <p:nvPr>
-            <p:ph type="subTitle" idx="1"/>
-          </p:nvPr>
-        </p:nvSpPr>
-        <p:spPr/>
-        <p:txBody>
-          <a:bodyPr/>
-          <a:lstStyle/>
-          <a:p>
-            <a:r>
-              <a:rPr lang="pt-BR" dirty="0" smtClean="0"/>
-              <a:t>OCA </a:t>
+          <p:cNvPr id="3" name="Espaço Reservado para Conteúdo 2"/>
+          <p:cNvSpPr>
+            <a:spLocks noGrp="1"/>
+          </p:cNvSpPr>
+          <p:nvPr>
+            <p:ph idx="1"/>
+          </p:nvPr>
+        </p:nvSpPr>
+        <p:spPr/>
+        <p:txBody>
+          <a:bodyPr/>
+          <a:lstStyle/>
+          <a:p>
+            <a:pPr marL="514350" indent="-514350" algn="just">
+              <a:buFont typeface="+mj-lt"/>
+              <a:buAutoNum type="arabicPeriod"/>
+            </a:pPr>
+            <a:r>
+              <a:rPr lang="pt-BR" dirty="0" smtClean="0"/>
+              <a:t>Crie uma classe abstrata </a:t>
+            </a:r>
+            <a:r>
+              <a:rPr lang="pt-BR" dirty="0"/>
+              <a:t>com modificador</a:t>
+            </a:r>
+            <a:r>
+              <a:rPr lang="pt-BR" dirty="0" smtClean="0"/>
+              <a:t> </a:t>
+            </a:r>
+            <a:r>
+              <a:rPr lang="pt-BR" i="1" dirty="0" err="1" smtClean="0"/>
+              <a:t>public</a:t>
+            </a:r>
+            <a:r>
+              <a:rPr lang="pt-BR" i="1" dirty="0" smtClean="0"/>
+              <a:t> </a:t>
+            </a:r>
+            <a:r>
+              <a:rPr lang="pt-BR" dirty="0" smtClean="0"/>
+              <a:t>dentro de um </a:t>
             </a:r>
             <a:r>
               <a:rPr lang="pt-BR" dirty="0" err="1" smtClean="0"/>
-              <a:t>Objectives</a:t>
-            </a:r>
-            <a:r>
-              <a:rPr lang="pt-BR" dirty="0" smtClean="0"/>
-              <a:t> 2.2, 2.5, 6.1 </a:t>
+              <a:t>package</a:t>
+            </a:r>
+            <a:r>
+              <a:rPr lang="pt-BR" dirty="0" smtClean="0"/>
+              <a:t> não-default</a:t>
+            </a:r>
+          </a:p>
+          <a:p>
+            <a:pPr marL="514350" indent="-514350" algn="just">
+              <a:buFont typeface="+mj-lt"/>
+              <a:buAutoNum type="arabicPeriod"/>
+            </a:pPr>
+            <a:r>
+              <a:rPr lang="pt-BR" dirty="0" smtClean="0"/>
+              <a:t>Crie uma classe concreta com modificador </a:t>
+            </a:r>
+            <a:r>
+              <a:rPr lang="pt-BR" i="1" dirty="0" smtClean="0"/>
+              <a:t>default</a:t>
+            </a:r>
+            <a:r>
+              <a:rPr lang="pt-BR" dirty="0" smtClean="0"/>
+              <a:t>, que estenda a classe abstrata criada acima, dentro do </a:t>
             </a:r>
             <a:r>
               <a:rPr lang="pt-BR" dirty="0" err="1" smtClean="0"/>
-              <a:t>and</a:t>
-            </a:r>
-            <a:r>
-              <a:rPr lang="pt-BR" dirty="0" smtClean="0"/>
-              <a:t> 6.3</a:t>
+              <a:t>package</a:t>
+            </a:r>
+            <a:r>
+              <a:rPr lang="pt-BR" dirty="0" smtClean="0"/>
+              <a:t> default</a:t>
+            </a:r>
+          </a:p>
+          <a:p>
+            <a:pPr marL="514350" indent="-514350" algn="just">
+              <a:buFont typeface="+mj-lt"/>
+              <a:buAutoNum type="arabicPeriod"/>
+            </a:pPr>
+            <a:r>
+              <a:rPr lang="pt-BR" dirty="0" smtClean="0"/>
+              <a:t>Crie um diretório fora do </a:t>
+            </a:r>
+            <a:r>
+              <a:rPr lang="pt-BR" dirty="0" err="1" smtClean="0"/>
+              <a:t>classpath</a:t>
+            </a:r>
+            <a:r>
+              <a:rPr lang="pt-BR" dirty="0" smtClean="0"/>
+              <a:t> da aplicação/projeto, com o mesmo nome do </a:t>
+            </a:r>
+            <a:r>
+              <a:rPr lang="pt-BR" dirty="0" err="1" smtClean="0"/>
+              <a:t>package</a:t>
+            </a:r>
+            <a:r>
+              <a:rPr lang="pt-BR" dirty="0" smtClean="0"/>
+              <a:t> criado na etapa 1</a:t>
+            </a:r>
+          </a:p>
+          <a:p>
+            <a:pPr marL="514350" indent="-514350" algn="just">
+              <a:buFont typeface="+mj-lt"/>
+              <a:buAutoNum type="arabicPeriod"/>
+            </a:pPr>
+            <a:r>
+              <a:rPr lang="pt-BR" dirty="0" smtClean="0"/>
+              <a:t>Tente compilar ambas as classes utilizando </a:t>
+            </a:r>
+            <a:r>
+              <a:rPr lang="pt-BR" dirty="0" err="1" smtClean="0"/>
+              <a:t>javac</a:t>
             </a:r>
             <a:endParaRPr lang="pt-BR" dirty="0"/>
           </a:p>
@@ -4001,34 +4912,45 @@
             <a:spLocks noGrp="1"/>
           </p:cNvSpPr>
           <p:nvPr>
-            <p:ph type="ftr" sz="quarter" idx="11"/>
-          </p:nvPr>
-        </p:nvSpPr>
-        <p:spPr/>
-        <p:txBody>
-          <a:bodyPr/>
-          <a:lstStyle/>
-          <a:p>
-            <a:r>
-              <a:rPr lang="pt-BR" dirty="0"/>
-              <a:t>Orientação a Objeto</a:t>
-            </a:r>
-          </a:p>
-          <a:p>
-            <a:endParaRPr lang="pt-BR" dirty="0"/>
+            <p:ph type="ftr" sz="quarter" idx="13"/>
+          </p:nvPr>
+        </p:nvSpPr>
+        <p:spPr/>
+        <p:txBody>
+          <a:bodyPr/>
+          <a:lstStyle/>
+          <a:p>
+            <a:pPr algn="ctr">
+              <a:defRPr sz="1200">
+                <a:solidFill>
+                  <a:srgbClr val="8C8C8C"/>
+                </a:solidFill>
+                <a:latin typeface="Tw Cen MT" charset="0"/>
+                <a:ea typeface="Calibri" charset="0"/>
+                <a:cs typeface="Calibri" charset="0"/>
+              </a:defRPr>
+            </a:pPr>
+            <a:endParaRPr lang="pt-BR"/>
           </a:p>
         </p:txBody>
       </p:sp>
     </p:spTree>
     <p:extLst>
       <p:ext uri="{BB962C8B-B14F-4D97-AF65-F5344CB8AC3E}">
-        <p14:creationId xmlns:p14="http://schemas.microsoft.com/office/powerpoint/2010/main" val="4268053431"/>
+        <p14:creationId xmlns:p14="http://schemas.microsoft.com/office/powerpoint/2010/main" val="3766019823"/>
       </p:ext>
     </p:extLst>
   </p:cSld>
   <p:clrMapOvr>
     <a:masterClrMapping/>
   </p:clrMapOvr>
+  <p:timing>
+    <p:tnLst>
+      <p:par>
+        <p:cTn id="1" dur="indefinite" restart="never" nodeType="tmRoot"/>
+      </p:par>
+    </p:tnLst>
+  </p:timing>
 </p:sld>
 </file>
 
@@ -4051,7 +4973,7 @@
       </p:grpSpPr>
       <p:sp>
         <p:nvSpPr>
-          <p:cNvPr id="2" name="Título 1"/>
+          <p:cNvPr id="5" name="Título 4"/>
           <p:cNvSpPr>
             <a:spLocks noGrp="1"/>
           </p:cNvSpPr>
@@ -4066,7 +4988,7 @@
           <a:p>
             <a:r>
               <a:rPr lang="pt-BR" dirty="0" smtClean="0"/>
-              <a:t>Construtores e Instanciação</a:t>
+              <a:t>Uso de Interfaces</a:t>
             </a:r>
             <a:endParaRPr lang="pt-BR" dirty="0"/>
           </a:p>
@@ -4074,7 +4996,7 @@
       </p:sp>
       <p:sp>
         <p:nvSpPr>
-          <p:cNvPr id="3" name="Subtítulo 2"/>
+          <p:cNvPr id="6" name="Subtítulo 5"/>
           <p:cNvSpPr>
             <a:spLocks noGrp="1"/>
           </p:cNvSpPr>
@@ -4093,19 +5015,11 @@
             </a:r>
             <a:r>
               <a:rPr lang="pt-BR" dirty="0" err="1" smtClean="0"/>
-              <a:t>Objectives</a:t>
-            </a:r>
-            <a:r>
-              <a:rPr lang="pt-BR" dirty="0" smtClean="0"/>
-              <a:t> 6.4, 6.5 </a:t>
-            </a:r>
-            <a:r>
-              <a:rPr lang="pt-BR" dirty="0" err="1" smtClean="0"/>
-              <a:t>and</a:t>
-            </a:r>
-            <a:r>
-              <a:rPr lang="pt-BR" dirty="0" smtClean="0"/>
-              <a:t> 7.5</a:t>
+              <a:t>Objective</a:t>
+            </a:r>
+            <a:r>
+              <a:rPr lang="pt-BR" dirty="0" smtClean="0"/>
+              <a:t> 7.6</a:t>
             </a:r>
             <a:endParaRPr lang="pt-BR" dirty="0"/>
           </a:p>
@@ -4128,7 +5042,7 @@
           <a:p>
             <a:r>
               <a:rPr lang="pt-BR" dirty="0"/>
-              <a:t>Orientação a Objeto</a:t>
+              <a:t>Declarações e Controle de Acesso</a:t>
             </a:r>
           </a:p>
           <a:p>
@@ -4139,13 +5053,20 @@
     </p:spTree>
     <p:extLst>
       <p:ext uri="{BB962C8B-B14F-4D97-AF65-F5344CB8AC3E}">
-        <p14:creationId xmlns:p14="http://schemas.microsoft.com/office/powerpoint/2010/main" val="2974867849"/>
+        <p14:creationId xmlns:p14="http://schemas.microsoft.com/office/powerpoint/2010/main" val="265189910"/>
       </p:ext>
     </p:extLst>
   </p:cSld>
   <p:clrMapOvr>
     <a:masterClrMapping/>
   </p:clrMapOvr>
+  <p:timing>
+    <p:tnLst>
+      <p:par>
+        <p:cTn id="1" dur="indefinite" restart="never" nodeType="tmRoot"/>
+      </p:par>
+    </p:tnLst>
+  </p:timing>
 </p:sld>
 </file>
 
@@ -4168,30 +5089,22 @@
       </p:grpSpPr>
       <p:sp>
         <p:nvSpPr>
-          <p:cNvPr id="2" name="Título 1"/>
-          <p:cNvSpPr>
-            <a:spLocks noGrp="1"/>
-          </p:cNvSpPr>
-          <p:nvPr>
-            <p:ph type="ctrTitle"/>
-          </p:nvPr>
-        </p:nvSpPr>
-        <p:spPr/>
-        <p:txBody>
-          <a:bodyPr/>
-          <a:lstStyle/>
-          <a:p>
-            <a:r>
-              <a:rPr lang="pt-BR" dirty="0" smtClean="0"/>
-              <a:t>Estáticos (</a:t>
-            </a:r>
-            <a:r>
-              <a:rPr lang="pt-BR" dirty="0" err="1" smtClean="0"/>
-              <a:t>Static</a:t>
-            </a:r>
-            <a:r>
-              <a:rPr lang="pt-BR" dirty="0" smtClean="0"/>
-              <a:t>)</a:t>
+          <p:cNvPr id="5" name="Título 4"/>
+          <p:cNvSpPr>
+            <a:spLocks noGrp="1"/>
+          </p:cNvSpPr>
+          <p:nvPr>
+            <p:ph type="title"/>
+          </p:nvPr>
+        </p:nvSpPr>
+        <p:spPr/>
+        <p:txBody>
+          <a:bodyPr/>
+          <a:lstStyle/>
+          <a:p>
+            <a:r>
+              <a:rPr lang="pt-BR" dirty="0" smtClean="0"/>
+              <a:t>Declarando uma interface</a:t>
             </a:r>
             <a:endParaRPr lang="pt-BR" dirty="0"/>
           </a:p>
@@ -4199,31 +5112,120 @@
       </p:sp>
       <p:sp>
         <p:nvSpPr>
-          <p:cNvPr id="3" name="Subtítulo 2"/>
-          <p:cNvSpPr>
-            <a:spLocks noGrp="1"/>
-          </p:cNvSpPr>
-          <p:nvPr>
-            <p:ph type="subTitle" idx="1"/>
-          </p:nvPr>
-        </p:nvSpPr>
-        <p:spPr/>
-        <p:txBody>
-          <a:bodyPr/>
-          <a:lstStyle/>
-          <a:p>
-            <a:r>
-              <a:rPr lang="pt-BR" dirty="0" smtClean="0"/>
-              <a:t>OCA </a:t>
-            </a:r>
-            <a:r>
-              <a:rPr lang="pt-BR" dirty="0" err="1" smtClean="0"/>
-              <a:t>Objectives</a:t>
-            </a:r>
-            <a:r>
-              <a:rPr lang="pt-BR" dirty="0" smtClean="0"/>
-              <a:t> 6.2</a:t>
-            </a:r>
+          <p:cNvPr id="6" name="Espaço Reservado para Conteúdo 5"/>
+          <p:cNvSpPr>
+            <a:spLocks noGrp="1"/>
+          </p:cNvSpPr>
+          <p:nvPr>
+            <p:ph idx="1"/>
+          </p:nvPr>
+        </p:nvSpPr>
+        <p:spPr/>
+        <p:txBody>
+          <a:bodyPr/>
+          <a:lstStyle/>
+          <a:p>
+            <a:pPr algn="just"/>
+            <a:r>
+              <a:rPr lang="pt-BR" dirty="0" smtClean="0"/>
+              <a:t>Interfaces servem para definir um “contrato” sobre o que uma classe </a:t>
+            </a:r>
+            <a:r>
+              <a:rPr lang="pt-BR" b="1" dirty="0" smtClean="0"/>
+              <a:t>pode fazer</a:t>
+            </a:r>
+            <a:r>
+              <a:rPr lang="pt-BR" dirty="0" smtClean="0"/>
+              <a:t>, sem dizer </a:t>
+            </a:r>
+            <a:r>
+              <a:rPr lang="pt-BR" b="1" dirty="0" smtClean="0"/>
+              <a:t>como fazer</a:t>
+            </a:r>
+          </a:p>
+          <a:p>
+            <a:pPr algn="just"/>
+            <a:r>
+              <a:rPr lang="pt-BR" dirty="0" smtClean="0"/>
+              <a:t>Interface tem o comportamento de uma </a:t>
+            </a:r>
+            <a:r>
+              <a:rPr lang="pt-BR" b="1" dirty="0" smtClean="0"/>
+              <a:t>classe 100% abstract</a:t>
+            </a:r>
+          </a:p>
+          <a:p>
+            <a:pPr algn="just"/>
+            <a:r>
+              <a:rPr lang="pt-BR" dirty="0" smtClean="0"/>
+              <a:t>Todos os métodos </a:t>
+            </a:r>
+            <a:r>
+              <a:rPr lang="pt-BR" b="1" dirty="0" smtClean="0"/>
+              <a:t>são implicitamente </a:t>
+            </a:r>
+            <a:r>
+              <a:rPr lang="pt-BR" b="1" dirty="0" err="1" smtClean="0"/>
+              <a:t>public</a:t>
+            </a:r>
+            <a:r>
+              <a:rPr lang="pt-BR" b="1" dirty="0" smtClean="0"/>
+              <a:t> e abstract</a:t>
+            </a:r>
+            <a:r>
+              <a:rPr lang="pt-BR" dirty="0" smtClean="0"/>
+              <a:t> e </a:t>
+            </a:r>
+            <a:r>
+              <a:rPr lang="pt-BR" b="1" dirty="0" smtClean="0"/>
+              <a:t>não podem ser </a:t>
+            </a:r>
+            <a:r>
+              <a:rPr lang="pt-BR" b="1" dirty="0" err="1" smtClean="0"/>
+              <a:t>static</a:t>
+            </a:r>
+            <a:endParaRPr lang="pt-BR" b="1" dirty="0" smtClean="0"/>
+          </a:p>
+          <a:p>
+            <a:pPr algn="just"/>
+            <a:r>
+              <a:rPr lang="pt-BR" dirty="0" smtClean="0"/>
+              <a:t>Todas as variáveis precisam ser </a:t>
+            </a:r>
+            <a:r>
+              <a:rPr lang="pt-BR" b="1" dirty="0" err="1" smtClean="0"/>
+              <a:t>public</a:t>
+            </a:r>
+            <a:r>
+              <a:rPr lang="pt-BR" b="1" dirty="0" smtClean="0"/>
+              <a:t>, </a:t>
+            </a:r>
+            <a:r>
+              <a:rPr lang="pt-BR" b="1" dirty="0" err="1" smtClean="0"/>
+              <a:t>static</a:t>
+            </a:r>
+            <a:r>
+              <a:rPr lang="pt-BR" b="1" dirty="0" smtClean="0"/>
+              <a:t> e final</a:t>
+            </a:r>
+            <a:r>
+              <a:rPr lang="pt-BR" dirty="0" smtClean="0"/>
+              <a:t>, ou seja, constantes</a:t>
+            </a:r>
+          </a:p>
+          <a:p>
+            <a:pPr algn="just"/>
+            <a:r>
+              <a:rPr lang="pt-BR" dirty="0" smtClean="0"/>
+              <a:t>Interfaces </a:t>
+            </a:r>
+            <a:r>
+              <a:rPr lang="pt-BR" b="1" dirty="0" smtClean="0"/>
+              <a:t>podem estender outras interfaces</a:t>
+            </a:r>
+          </a:p>
+          <a:p>
+            <a:pPr algn="just"/>
             <a:endParaRPr lang="pt-BR" dirty="0"/>
           </a:p>
         </p:txBody>
@@ -4235,28 +5237,22 @@
             <a:spLocks noGrp="1"/>
           </p:cNvSpPr>
           <p:nvPr>
-            <p:ph type="ftr" sz="quarter" idx="11"/>
-          </p:nvPr>
-        </p:nvSpPr>
-        <p:spPr/>
-        <p:txBody>
-          <a:bodyPr/>
-          <a:lstStyle/>
-          <a:p>
-            <a:r>
-              <a:rPr lang="pt-BR" dirty="0"/>
-              <a:t>Orientação a Objeto</a:t>
-            </a:r>
-          </a:p>
-          <a:p>
-            <a:endParaRPr lang="pt-BR" dirty="0"/>
+            <p:ph type="ftr" sz="quarter" idx="13"/>
+          </p:nvPr>
+        </p:nvSpPr>
+        <p:spPr/>
+        <p:txBody>
+          <a:bodyPr/>
+          <a:lstStyle/>
+          <a:p>
+            <a:endParaRPr lang="pt-BR"/>
           </a:p>
         </p:txBody>
       </p:sp>
     </p:spTree>
     <p:extLst>
       <p:ext uri="{BB962C8B-B14F-4D97-AF65-F5344CB8AC3E}">
-        <p14:creationId xmlns:p14="http://schemas.microsoft.com/office/powerpoint/2010/main" val="3849763999"/>
+        <p14:creationId xmlns:p14="http://schemas.microsoft.com/office/powerpoint/2010/main" val="720810295"/>
       </p:ext>
     </p:extLst>
   </p:cSld>
@@ -4358,6 +5354,13 @@
   <p:clrMapOvr>
     <a:masterClrMapping/>
   </p:clrMapOvr>
+  <p:timing>
+    <p:tnLst>
+      <p:par>
+        <p:cTn id="1" dur="indefinite" restart="never" nodeType="tmRoot"/>
+      </p:par>
+    </p:tnLst>
+  </p:timing>
 </p:sld>
 </file>
 
@@ -4385,96 +5388,105 @@
             <a:spLocks noGrp="1"/>
           </p:cNvSpPr>
           <p:nvPr>
-            <p:ph type="ctrTitle"/>
-          </p:nvPr>
-        </p:nvSpPr>
-        <p:spPr/>
-        <p:txBody>
-          <a:bodyPr/>
-          <a:lstStyle/>
-          <a:p>
-            <a:r>
-              <a:rPr lang="pt-BR" dirty="0" smtClean="0"/>
-              <a:t>Literais, </a:t>
+            <p:ph type="title"/>
+          </p:nvPr>
+        </p:nvSpPr>
+        <p:spPr/>
+        <p:txBody>
+          <a:bodyPr/>
+          <a:lstStyle/>
+          <a:p>
+            <a:r>
+              <a:rPr lang="pt-BR" sz="4100" dirty="0" smtClean="0"/>
+              <a:t>Declarando constantes em interfaces</a:t>
+            </a:r>
+            <a:endParaRPr lang="pt-BR" sz="4100" dirty="0"/>
+          </a:p>
+        </p:txBody>
+      </p:sp>
+      <p:sp>
+        <p:nvSpPr>
+          <p:cNvPr id="3" name="Espaço Reservado para Conteúdo 2"/>
+          <p:cNvSpPr>
+            <a:spLocks noGrp="1"/>
+          </p:cNvSpPr>
+          <p:nvPr>
+            <p:ph idx="1"/>
+          </p:nvPr>
+        </p:nvSpPr>
+        <p:spPr/>
+        <p:txBody>
+          <a:bodyPr/>
+          <a:lstStyle/>
+          <a:p>
+            <a:pPr algn="just"/>
+            <a:r>
+              <a:rPr lang="pt-BR" dirty="0" smtClean="0"/>
+              <a:t>Por causa das constantes serem declaradas dentro de uma interface, não precisamos utilizar </a:t>
             </a:r>
             <a:r>
               <a:rPr lang="pt-BR" dirty="0" err="1" smtClean="0"/>
-              <a:t>Assignmentes</a:t>
-            </a:r>
-            <a:r>
-              <a:rPr lang="pt-BR" dirty="0" smtClean="0"/>
-              <a:t> e Variáveis</a:t>
-            </a:r>
+              <a:t>public</a:t>
+            </a:r>
+            <a:r>
+              <a:rPr lang="pt-BR" dirty="0" smtClean="0"/>
+              <a:t>, </a:t>
+            </a:r>
+            <a:r>
+              <a:rPr lang="pt-BR" dirty="0" err="1" smtClean="0"/>
+              <a:t>static</a:t>
+            </a:r>
+            <a:r>
+              <a:rPr lang="pt-BR" dirty="0" smtClean="0"/>
+              <a:t> e final, pois já o são implicitamente</a:t>
+            </a:r>
+          </a:p>
+          <a:p>
+            <a:pPr algn="just"/>
+            <a:r>
+              <a:rPr lang="pt-BR" dirty="0" smtClean="0"/>
+              <a:t>Constantes são imutáveis</a:t>
+            </a:r>
+          </a:p>
+          <a:p>
+            <a:pPr algn="just"/>
             <a:endParaRPr lang="pt-BR" dirty="0"/>
           </a:p>
         </p:txBody>
       </p:sp>
       <p:sp>
         <p:nvSpPr>
-          <p:cNvPr id="3" name="Subtítulo 2"/>
-          <p:cNvSpPr>
-            <a:spLocks noGrp="1"/>
-          </p:cNvSpPr>
-          <p:nvPr>
-            <p:ph type="subTitle" idx="1"/>
-          </p:nvPr>
-        </p:nvSpPr>
-        <p:spPr/>
-        <p:txBody>
-          <a:bodyPr/>
-          <a:lstStyle/>
-          <a:p>
-            <a:r>
-              <a:rPr lang="pt-BR" dirty="0" smtClean="0"/>
-              <a:t>OCA </a:t>
-            </a:r>
-            <a:r>
-              <a:rPr lang="pt-BR" dirty="0" err="1" smtClean="0"/>
-              <a:t>Objectives</a:t>
-            </a:r>
-            <a:r>
-              <a:rPr lang="pt-BR" dirty="0" smtClean="0"/>
-              <a:t> 2.1, 2.2, 2.3 </a:t>
-            </a:r>
-            <a:r>
-              <a:rPr lang="pt-BR" dirty="0" err="1" smtClean="0"/>
-              <a:t>and</a:t>
-            </a:r>
-            <a:r>
-              <a:rPr lang="pt-BR" dirty="0" smtClean="0"/>
-              <a:t> 1.2 upgrade</a:t>
-            </a:r>
-            <a:endParaRPr lang="pt-BR" dirty="0"/>
-          </a:p>
-        </p:txBody>
-      </p:sp>
-      <p:sp>
-        <p:nvSpPr>
           <p:cNvPr id="4" name="Espaço Reservado para Rodapé 3"/>
           <p:cNvSpPr>
             <a:spLocks noGrp="1"/>
           </p:cNvSpPr>
           <p:nvPr>
-            <p:ph type="ftr" sz="quarter" idx="11"/>
-          </p:nvPr>
-        </p:nvSpPr>
-        <p:spPr/>
-        <p:txBody>
-          <a:bodyPr/>
-          <a:lstStyle/>
-          <a:p>
-            <a:r>
-              <a:rPr lang="pt-BR" dirty="0" err="1" smtClean="0"/>
-              <a:t>Assignments</a:t>
-            </a:r>
-            <a:endParaRPr lang="pt-BR" dirty="0"/>
+            <p:ph type="ftr" sz="quarter" idx="13"/>
+          </p:nvPr>
+        </p:nvSpPr>
+        <p:spPr/>
+        <p:txBody>
+          <a:bodyPr/>
+          <a:lstStyle/>
+          <a:p>
+            <a:pPr algn="ctr">
+              <a:defRPr sz="1200">
+                <a:solidFill>
+                  <a:srgbClr val="8C8C8C"/>
+                </a:solidFill>
+                <a:latin typeface="Tw Cen MT" charset="0"/>
+                <a:ea typeface="Calibri" charset="0"/>
+                <a:cs typeface="Calibri" charset="0"/>
+              </a:defRPr>
+            </a:pPr>
+            <a:endParaRPr lang="pt-BR"/>
           </a:p>
         </p:txBody>
       </p:sp>
     </p:spTree>
     <p:extLst>
       <p:ext uri="{BB962C8B-B14F-4D97-AF65-F5344CB8AC3E}">
-        <p14:creationId xmlns:p14="http://schemas.microsoft.com/office/powerpoint/2010/main" val="3169057604"/>
+        <p14:creationId xmlns:p14="http://schemas.microsoft.com/office/powerpoint/2010/main" val="1328304956"/>
       </p:ext>
     </p:extLst>
   </p:cSld>
@@ -4513,14 +5525,17 @@
         </p:nvSpPr>
         <p:spPr/>
         <p:txBody>
-          <a:bodyPr/>
-          <a:lstStyle/>
-          <a:p>
-            <a:r>
-              <a:rPr lang="pt-BR" dirty="0" smtClean="0"/>
-              <a:t>Escopo</a:t>
-            </a:r>
-            <a:endParaRPr lang="pt-BR" dirty="0"/>
+          <a:bodyPr>
+            <a:normAutofit/>
+          </a:bodyPr>
+          <a:lstStyle/>
+          <a:p>
+            <a:pPr algn="just"/>
+            <a:r>
+              <a:rPr lang="pt-BR" sz="3900" dirty="0" smtClean="0"/>
+              <a:t>Declarando Membros de Classe</a:t>
+            </a:r>
+            <a:endParaRPr lang="pt-BR" sz="3900" dirty="0"/>
           </a:p>
         </p:txBody>
       </p:sp>
@@ -4539,6 +5554,7 @@
           <a:bodyPr/>
           <a:lstStyle/>
           <a:p>
+            <a:pPr algn="just"/>
             <a:r>
               <a:rPr lang="pt-BR" dirty="0" smtClean="0"/>
               <a:t>OCA </a:t>
@@ -4549,7 +5565,7 @@
             </a:r>
             <a:r>
               <a:rPr lang="pt-BR" dirty="0" smtClean="0"/>
-              <a:t> 1.1 </a:t>
+              <a:t> 2.1, 2.2, 2.3, 2.4, 2.5, 4.1, 4.2, 6.2 </a:t>
             </a:r>
             <a:r>
               <a:rPr lang="pt-BR" dirty="0" err="1" smtClean="0"/>
@@ -4557,7 +5573,7 @@
             </a:r>
             <a:r>
               <a:rPr lang="pt-BR" dirty="0" smtClean="0"/>
-              <a:t> 2.5</a:t>
+              <a:t> 6.6</a:t>
             </a:r>
             <a:endParaRPr lang="pt-BR" dirty="0"/>
           </a:p>
@@ -4573,16 +5589,20 @@
             <p:ph type="ftr" sz="quarter" idx="11"/>
           </p:nvPr>
         </p:nvSpPr>
-        <p:spPr/>
-        <p:txBody>
-          <a:bodyPr/>
-          <a:lstStyle/>
-          <a:p>
-            <a:r>
-              <a:rPr lang="pt-BR" dirty="0" err="1"/>
-              <a:t>Assignments</a:t>
-            </a:r>
-            <a:endParaRPr lang="pt-BR" dirty="0"/>
+        <p:spPr>
+          <a:xfrm>
+            <a:off x="1941910" y="6135809"/>
+            <a:ext cx="5714999" cy="365125"/>
+          </a:xfrm>
+        </p:spPr>
+        <p:txBody>
+          <a:bodyPr/>
+          <a:lstStyle/>
+          <a:p>
+            <a:r>
+              <a:rPr lang="pt-BR" dirty="0"/>
+              <a:t>Declarações e Controle de Acesso</a:t>
+            </a:r>
           </a:p>
           <a:p>
             <a:endParaRPr lang="pt-BR" dirty="0"/>
@@ -4592,13 +5612,20 @@
     </p:spTree>
     <p:extLst>
       <p:ext uri="{BB962C8B-B14F-4D97-AF65-F5344CB8AC3E}">
-        <p14:creationId xmlns:p14="http://schemas.microsoft.com/office/powerpoint/2010/main" val="193317867"/>
+        <p14:creationId xmlns:p14="http://schemas.microsoft.com/office/powerpoint/2010/main" val="3001246925"/>
       </p:ext>
     </p:extLst>
   </p:cSld>
   <p:clrMapOvr>
     <a:masterClrMapping/>
   </p:clrMapOvr>
+  <p:timing>
+    <p:tnLst>
+      <p:par>
+        <p:cTn id="1" dur="indefinite" restart="never" nodeType="tmRoot"/>
+      </p:par>
+    </p:tnLst>
+  </p:timing>
 </p:sld>
 </file>
 
@@ -4621,55 +5648,39 @@
       </p:grpSpPr>
       <p:sp>
         <p:nvSpPr>
-          <p:cNvPr id="2" name="Título 1"/>
-          <p:cNvSpPr>
-            <a:spLocks noGrp="1"/>
-          </p:cNvSpPr>
-          <p:nvPr>
-            <p:ph type="ctrTitle"/>
-          </p:nvPr>
-        </p:nvSpPr>
-        <p:spPr/>
-        <p:txBody>
-          <a:bodyPr/>
-          <a:lstStyle/>
-          <a:p>
-            <a:r>
-              <a:rPr lang="pt-BR" dirty="0" smtClean="0"/>
-              <a:t>Inicialização de Variáveis</a:t>
-            </a:r>
-            <a:endParaRPr lang="pt-BR" dirty="0"/>
-          </a:p>
-        </p:txBody>
-      </p:sp>
-      <p:sp>
-        <p:nvSpPr>
-          <p:cNvPr id="3" name="Subtítulo 2"/>
-          <p:cNvSpPr>
-            <a:spLocks noGrp="1"/>
-          </p:cNvSpPr>
-          <p:nvPr>
-            <p:ph type="subTitle" idx="1"/>
-          </p:nvPr>
-        </p:nvSpPr>
-        <p:spPr/>
-        <p:txBody>
-          <a:bodyPr/>
-          <a:lstStyle/>
-          <a:p>
-            <a:r>
-              <a:rPr lang="pt-BR" dirty="0" smtClean="0"/>
-              <a:t>OCA </a:t>
-            </a:r>
-            <a:r>
-              <a:rPr lang="pt-BR" dirty="0" err="1" smtClean="0"/>
-              <a:t>Objective</a:t>
-            </a:r>
-            <a:r>
-              <a:rPr lang="pt-BR" dirty="0" smtClean="0"/>
-              <a:t> 2.1</a:t>
-            </a:r>
-            <a:endParaRPr lang="pt-BR" dirty="0"/>
+          <p:cNvPr id="5" name="Título 4"/>
+          <p:cNvSpPr>
+            <a:spLocks noGrp="1"/>
+          </p:cNvSpPr>
+          <p:nvPr>
+            <p:ph type="title"/>
+          </p:nvPr>
+        </p:nvSpPr>
+        <p:spPr/>
+        <p:txBody>
+          <a:bodyPr/>
+          <a:lstStyle/>
+          <a:p>
+            <a:endParaRPr lang="pt-BR"/>
+          </a:p>
+        </p:txBody>
+      </p:sp>
+      <p:sp>
+        <p:nvSpPr>
+          <p:cNvPr id="6" name="Espaço Reservado para Conteúdo 5"/>
+          <p:cNvSpPr>
+            <a:spLocks noGrp="1"/>
+          </p:cNvSpPr>
+          <p:nvPr>
+            <p:ph idx="1"/>
+          </p:nvPr>
+        </p:nvSpPr>
+        <p:spPr/>
+        <p:txBody>
+          <a:bodyPr/>
+          <a:lstStyle/>
+          <a:p>
+            <a:endParaRPr lang="pt-BR"/>
           </a:p>
         </p:txBody>
       </p:sp>
@@ -4680,26 +5691,22 @@
             <a:spLocks noGrp="1"/>
           </p:cNvSpPr>
           <p:nvPr>
-            <p:ph type="ftr" sz="quarter" idx="11"/>
-          </p:nvPr>
-        </p:nvSpPr>
-        <p:spPr/>
-        <p:txBody>
-          <a:bodyPr/>
-          <a:lstStyle/>
-          <a:p>
-            <a:r>
-              <a:rPr lang="pt-BR" dirty="0" err="1"/>
-              <a:t>Assignments</a:t>
-            </a:r>
-            <a:endParaRPr lang="pt-BR" dirty="0"/>
+            <p:ph type="ftr" sz="quarter" idx="13"/>
+          </p:nvPr>
+        </p:nvSpPr>
+        <p:spPr/>
+        <p:txBody>
+          <a:bodyPr/>
+          <a:lstStyle/>
+          <a:p>
+            <a:endParaRPr lang="pt-BR"/>
           </a:p>
         </p:txBody>
       </p:sp>
     </p:spTree>
     <p:extLst>
       <p:ext uri="{BB962C8B-B14F-4D97-AF65-F5344CB8AC3E}">
-        <p14:creationId xmlns:p14="http://schemas.microsoft.com/office/powerpoint/2010/main" val="3261889034"/>
+        <p14:creationId xmlns:p14="http://schemas.microsoft.com/office/powerpoint/2010/main" val="614455094"/>
       </p:ext>
     </p:extLst>
   </p:cSld>
@@ -4743,7 +5750,11 @@
           <a:p>
             <a:r>
               <a:rPr lang="pt-BR" dirty="0" smtClean="0"/>
-              <a:t>Passando Variáveis para Métodos</a:t>
+              <a:t>Declaração e Uso de </a:t>
+            </a:r>
+            <a:r>
+              <a:rPr lang="pt-BR" dirty="0" err="1" smtClean="0"/>
+              <a:t>enums</a:t>
             </a:r>
             <a:endParaRPr lang="pt-BR" dirty="0"/>
           </a:p>
@@ -4774,7 +5785,7 @@
             </a:r>
             <a:r>
               <a:rPr lang="pt-BR" dirty="0" smtClean="0"/>
-              <a:t> 6.8</a:t>
+              <a:t> 1.2</a:t>
             </a:r>
             <a:endParaRPr lang="pt-BR" dirty="0"/>
           </a:p>
@@ -4796,9 +5807,11 @@
           <a:lstStyle/>
           <a:p>
             <a:r>
-              <a:rPr lang="pt-BR" dirty="0" err="1"/>
-              <a:t>Assignments</a:t>
-            </a:r>
+              <a:rPr lang="pt-BR" dirty="0"/>
+              <a:t>Declarações e Controle de Acesso</a:t>
+            </a:r>
+          </a:p>
+          <a:p>
             <a:endParaRPr lang="pt-BR" dirty="0"/>
           </a:p>
         </p:txBody>
@@ -4806,13 +5819,20 @@
     </p:spTree>
     <p:extLst>
       <p:ext uri="{BB962C8B-B14F-4D97-AF65-F5344CB8AC3E}">
-        <p14:creationId xmlns:p14="http://schemas.microsoft.com/office/powerpoint/2010/main" val="2287116038"/>
+        <p14:creationId xmlns:p14="http://schemas.microsoft.com/office/powerpoint/2010/main" val="2285274704"/>
       </p:ext>
     </p:extLst>
   </p:cSld>
   <p:clrMapOvr>
     <a:masterClrMapping/>
   </p:clrMapOvr>
+  <p:timing>
+    <p:tnLst>
+      <p:par>
+        <p:cTn id="1" dur="indefinite" restart="never" nodeType="tmRoot"/>
+      </p:par>
+    </p:tnLst>
+  </p:timing>
 </p:sld>
 </file>
 
@@ -4850,7 +5870,7 @@
           <a:p>
             <a:r>
               <a:rPr lang="pt-BR" dirty="0" smtClean="0"/>
-              <a:t>Coletor de Lixo</a:t>
+              <a:t>Encapsulamento</a:t>
             </a:r>
             <a:endParaRPr lang="pt-BR" dirty="0"/>
           </a:p>
@@ -4877,11 +5897,19 @@
             </a:r>
             <a:r>
               <a:rPr lang="pt-BR" dirty="0" err="1" smtClean="0"/>
-              <a:t>Objective</a:t>
-            </a:r>
-            <a:r>
-              <a:rPr lang="pt-BR" dirty="0" smtClean="0"/>
-              <a:t> 2.4</a:t>
+              <a:t>Objectives</a:t>
+            </a:r>
+            <a:r>
+              <a:rPr lang="pt-BR" dirty="0" smtClean="0"/>
+              <a:t> 6.1 </a:t>
+            </a:r>
+            <a:r>
+              <a:rPr lang="pt-BR" dirty="0" err="1" smtClean="0"/>
+              <a:t>and</a:t>
+            </a:r>
+            <a:r>
+              <a:rPr lang="pt-BR" dirty="0" smtClean="0"/>
+              <a:t> 6.7</a:t>
             </a:r>
             <a:endParaRPr lang="pt-BR" dirty="0"/>
           </a:p>
@@ -4903,8 +5931,8 @@
           <a:lstStyle/>
           <a:p>
             <a:r>
-              <a:rPr lang="pt-BR" dirty="0" err="1"/>
-              <a:t>Assignments</a:t>
+              <a:rPr lang="pt-BR" dirty="0" smtClean="0"/>
+              <a:t>Orientação a Objeto</a:t>
             </a:r>
             <a:endParaRPr lang="pt-BR" dirty="0"/>
           </a:p>
@@ -4913,13 +5941,20 @@
     </p:spTree>
     <p:extLst>
       <p:ext uri="{BB962C8B-B14F-4D97-AF65-F5344CB8AC3E}">
-        <p14:creationId xmlns:p14="http://schemas.microsoft.com/office/powerpoint/2010/main" val="1564616669"/>
+        <p14:creationId xmlns:p14="http://schemas.microsoft.com/office/powerpoint/2010/main" val="744643749"/>
       </p:ext>
     </p:extLst>
   </p:cSld>
   <p:clrMapOvr>
     <a:masterClrMapping/>
   </p:clrMapOvr>
+  <p:timing>
+    <p:tnLst>
+      <p:par>
+        <p:cTn id="1" dur="indefinite" restart="never" nodeType="tmRoot"/>
+      </p:par>
+    </p:tnLst>
+  </p:timing>
 </p:sld>
 </file>
 
@@ -4957,7 +5992,7 @@
           <a:p>
             <a:r>
               <a:rPr lang="pt-BR" dirty="0" smtClean="0"/>
-              <a:t>Operadores em Java</a:t>
+              <a:t>Herança e Polimorfismo</a:t>
             </a:r>
             <a:endParaRPr lang="pt-BR" dirty="0"/>
           </a:p>
@@ -4988,7 +6023,7 @@
             </a:r>
             <a:r>
               <a:rPr lang="pt-BR" dirty="0" smtClean="0"/>
-              <a:t> 3.1, 3.2 </a:t>
+              <a:t> 7.1, 7.2 </a:t>
             </a:r>
             <a:r>
               <a:rPr lang="pt-BR" dirty="0" err="1" smtClean="0"/>
@@ -4996,7 +6031,7 @@
             </a:r>
             <a:r>
               <a:rPr lang="pt-BR" dirty="0" smtClean="0"/>
-              <a:t> 3.3</a:t>
+              <a:t> 7.3</a:t>
             </a:r>
             <a:endParaRPr lang="pt-BR" dirty="0"/>
           </a:p>
@@ -5018,9 +6053,11 @@
           <a:lstStyle/>
           <a:p>
             <a:r>
-              <a:rPr lang="pt-BR" dirty="0" smtClean="0"/>
-              <a:t>Operadores</a:t>
-            </a:r>
+              <a:rPr lang="pt-BR" dirty="0"/>
+              <a:t>Orientação a Objeto</a:t>
+            </a:r>
+          </a:p>
+          <a:p>
             <a:endParaRPr lang="pt-BR" dirty="0"/>
           </a:p>
         </p:txBody>
@@ -5028,13 +6065,20 @@
     </p:spTree>
     <p:extLst>
       <p:ext uri="{BB962C8B-B14F-4D97-AF65-F5344CB8AC3E}">
-        <p14:creationId xmlns:p14="http://schemas.microsoft.com/office/powerpoint/2010/main" val="1039160923"/>
+        <p14:creationId xmlns:p14="http://schemas.microsoft.com/office/powerpoint/2010/main" val="86249347"/>
       </p:ext>
     </p:extLst>
   </p:cSld>
   <p:clrMapOvr>
     <a:masterClrMapping/>
   </p:clrMapOvr>
+  <p:timing>
+    <p:tnLst>
+      <p:par>
+        <p:cTn id="1" dur="indefinite" restart="never" nodeType="tmRoot"/>
+      </p:par>
+    </p:tnLst>
+  </p:timing>
 </p:sld>
 </file>
 
@@ -5072,19 +6116,7 @@
           <a:p>
             <a:r>
               <a:rPr lang="pt-BR" dirty="0" smtClean="0"/>
-              <a:t>Usando </a:t>
-            </a:r>
-            <a:r>
-              <a:rPr lang="pt-BR" dirty="0" err="1" smtClean="0"/>
-              <a:t>Strings</a:t>
-            </a:r>
-            <a:r>
-              <a:rPr lang="pt-BR" dirty="0" smtClean="0"/>
-              <a:t> e </a:t>
-            </a:r>
-            <a:r>
-              <a:rPr lang="pt-BR" dirty="0" err="1" smtClean="0"/>
-              <a:t>StringBuilder</a:t>
+              <a:t>Polimorfismo</a:t>
             </a:r>
             <a:endParaRPr lang="pt-BR" dirty="0"/>
           </a:p>
@@ -5107,7 +6139,7 @@
           <a:p>
             <a:r>
               <a:rPr lang="pt-BR" dirty="0" smtClean="0"/>
-              <a:t>OCA </a:t>
+              <a:t>Oca </a:t>
             </a:r>
             <a:r>
               <a:rPr lang="pt-BR" dirty="0" err="1" smtClean="0"/>
@@ -5115,7 +6147,7 @@
             </a:r>
             <a:r>
               <a:rPr lang="pt-BR" dirty="0" smtClean="0"/>
-              <a:t> 2.7 </a:t>
+              <a:t> 7.2 </a:t>
             </a:r>
             <a:r>
               <a:rPr lang="pt-BR" dirty="0" err="1" smtClean="0"/>
@@ -5123,7 +6155,7 @@
             </a:r>
             <a:r>
               <a:rPr lang="pt-BR" dirty="0" smtClean="0"/>
-              <a:t> 2.6</a:t>
+              <a:t> 7.3</a:t>
             </a:r>
             <a:endParaRPr lang="pt-BR" dirty="0"/>
           </a:p>
@@ -5145,29 +6177,11 @@
           <a:lstStyle/>
           <a:p>
             <a:r>
-              <a:rPr lang="pt-BR" dirty="0" smtClean="0"/>
-              <a:t>Trabalhando com </a:t>
-            </a:r>
-            <a:r>
-              <a:rPr lang="pt-BR" dirty="0" err="1" smtClean="0"/>
-              <a:t>Strings</a:t>
-            </a:r>
-            <a:r>
-              <a:rPr lang="pt-BR" dirty="0" smtClean="0"/>
-              <a:t>, </a:t>
-            </a:r>
-            <a:r>
-              <a:rPr lang="pt-BR" dirty="0" err="1" smtClean="0"/>
-              <a:t>Arrays</a:t>
-            </a:r>
-            <a:r>
-              <a:rPr lang="pt-BR" dirty="0" smtClean="0"/>
-              <a:t> e </a:t>
-            </a:r>
-            <a:r>
-              <a:rPr lang="pt-BR" dirty="0" err="1" smtClean="0"/>
-              <a:t>ArrayLists</a:t>
-            </a:r>
+              <a:rPr lang="pt-BR" dirty="0"/>
+              <a:t>Orientação a Objeto</a:t>
+            </a:r>
+          </a:p>
+          <a:p>
             <a:endParaRPr lang="pt-BR" dirty="0"/>
           </a:p>
         </p:txBody>
@@ -5175,13 +6189,20 @@
     </p:spTree>
     <p:extLst>
       <p:ext uri="{BB962C8B-B14F-4D97-AF65-F5344CB8AC3E}">
-        <p14:creationId xmlns:p14="http://schemas.microsoft.com/office/powerpoint/2010/main" val="1074513946"/>
+        <p14:creationId xmlns:p14="http://schemas.microsoft.com/office/powerpoint/2010/main" val="331758530"/>
       </p:ext>
     </p:extLst>
   </p:cSld>
   <p:clrMapOvr>
     <a:masterClrMapping/>
   </p:clrMapOvr>
+  <p:timing>
+    <p:tnLst>
+      <p:par>
+        <p:cTn id="1" dur="indefinite" restart="never" nodeType="tmRoot"/>
+      </p:par>
+    </p:tnLst>
+  </p:timing>
 </p:sld>
 </file>
 
@@ -5218,12 +6239,12 @@
           <a:lstStyle/>
           <a:p>
             <a:r>
-              <a:rPr lang="pt-BR" dirty="0" smtClean="0"/>
-              <a:t>Usando </a:t>
-            </a:r>
-            <a:r>
               <a:rPr lang="pt-BR" dirty="0" err="1" smtClean="0"/>
-              <a:t>Arrays</a:t>
+              <a:t>Sobrescrição</a:t>
+            </a:r>
+            <a:r>
+              <a:rPr lang="pt-BR" dirty="0" smtClean="0"/>
+              <a:t> e Sobrecarga</a:t>
             </a:r>
             <a:endParaRPr lang="pt-BR" dirty="0"/>
           </a:p>
@@ -5246,7 +6267,7 @@
           <a:p>
             <a:r>
               <a:rPr lang="pt-BR" dirty="0" smtClean="0"/>
-              <a:t>OCA </a:t>
+              <a:t>Oca </a:t>
             </a:r>
             <a:r>
               <a:rPr lang="pt-BR" dirty="0" err="1" smtClean="0"/>
@@ -5254,7 +6275,7 @@
             </a:r>
             <a:r>
               <a:rPr lang="pt-BR" dirty="0" smtClean="0"/>
-              <a:t> 4.1 </a:t>
+              <a:t> 6.1, 6.3, 7.2 </a:t>
             </a:r>
             <a:r>
               <a:rPr lang="pt-BR" dirty="0" err="1" smtClean="0"/>
@@ -5262,7 +6283,7 @@
             </a:r>
             <a:r>
               <a:rPr lang="pt-BR" dirty="0" smtClean="0"/>
-              <a:t> 4.2</a:t>
+              <a:t> 7.3</a:t>
             </a:r>
             <a:endParaRPr lang="pt-BR" dirty="0"/>
           </a:p>
@@ -5285,29 +6306,8 @@
           <a:p>
             <a:r>
               <a:rPr lang="pt-BR" dirty="0"/>
-              <a:t>Trabalhando com </a:t>
-            </a:r>
-            <a:r>
-              <a:rPr lang="pt-BR" dirty="0" err="1"/>
-              <a:t>Strings</a:t>
-            </a:r>
-            <a:r>
-              <a:rPr lang="pt-BR" dirty="0"/>
-              <a:t>, </a:t>
-            </a:r>
-            <a:r>
-              <a:rPr lang="pt-BR" dirty="0" err="1"/>
-              <a:t>Arrays</a:t>
-            </a:r>
-            <a:r>
-              <a:rPr lang="pt-BR" dirty="0"/>
-              <a:t> e </a:t>
-            </a:r>
-            <a:r>
-              <a:rPr lang="pt-BR" dirty="0" err="1"/>
-              <a:t>ArrayLists</a:t>
-            </a:r>
-            <a:endParaRPr lang="pt-BR" dirty="0"/>
+              <a:t>Orientação a Objeto</a:t>
+            </a:r>
           </a:p>
           <a:p>
             <a:endParaRPr lang="pt-BR" dirty="0"/>
@@ -5317,13 +6317,20 @@
     </p:spTree>
     <p:extLst>
       <p:ext uri="{BB962C8B-B14F-4D97-AF65-F5344CB8AC3E}">
-        <p14:creationId xmlns:p14="http://schemas.microsoft.com/office/powerpoint/2010/main" val="1389997935"/>
+        <p14:creationId xmlns:p14="http://schemas.microsoft.com/office/powerpoint/2010/main" val="4043444102"/>
       </p:ext>
     </p:extLst>
   </p:cSld>
   <p:clrMapOvr>
     <a:masterClrMapping/>
   </p:clrMapOvr>
+  <p:timing>
+    <p:tnLst>
+      <p:par>
+        <p:cTn id="1" dur="indefinite" restart="never" nodeType="tmRoot"/>
+      </p:par>
+    </p:tnLst>
+  </p:timing>
 </p:sld>
 </file>
 
@@ -5360,12 +6367,12 @@
           <a:lstStyle/>
           <a:p>
             <a:r>
-              <a:rPr lang="pt-BR" dirty="0" smtClean="0"/>
-              <a:t>Usando </a:t>
-            </a:r>
-            <a:r>
               <a:rPr lang="pt-BR" dirty="0" err="1" smtClean="0"/>
-              <a:t>ArrayList</a:t>
+              <a:t>Casting</a:t>
+            </a:r>
+            <a:r>
+              <a:rPr lang="pt-BR" dirty="0" smtClean="0"/>
+              <a:t> (Conversão)</a:t>
             </a:r>
             <a:endParaRPr lang="pt-BR" dirty="0"/>
           </a:p>
@@ -5388,15 +6395,23 @@
           <a:p>
             <a:r>
               <a:rPr lang="pt-BR" dirty="0" smtClean="0"/>
-              <a:t>OCA </a:t>
+              <a:t>Oca </a:t>
             </a:r>
             <a:r>
               <a:rPr lang="pt-BR" dirty="0" err="1" smtClean="0"/>
-              <a:t>Objective</a:t>
-            </a:r>
-            <a:r>
-              <a:rPr lang="pt-BR" dirty="0" smtClean="0"/>
-              <a:t> 4.3</a:t>
+              <a:t>Objectives</a:t>
+            </a:r>
+            <a:r>
+              <a:rPr lang="pt-BR" dirty="0" smtClean="0"/>
+              <a:t> 7.3 </a:t>
+            </a:r>
+            <a:r>
+              <a:rPr lang="pt-BR" dirty="0" err="1" smtClean="0"/>
+              <a:t>and</a:t>
+            </a:r>
+            <a:r>
+              <a:rPr lang="pt-BR" dirty="0" smtClean="0"/>
+              <a:t> 7.4</a:t>
             </a:r>
             <a:endParaRPr lang="pt-BR" dirty="0"/>
           </a:p>
@@ -5419,29 +6434,8 @@
           <a:p>
             <a:r>
               <a:rPr lang="pt-BR" dirty="0"/>
-              <a:t>Trabalhando com </a:t>
-            </a:r>
-            <a:r>
-              <a:rPr lang="pt-BR" dirty="0" err="1"/>
-              <a:t>Strings</a:t>
-            </a:r>
-            <a:r>
-              <a:rPr lang="pt-BR" dirty="0"/>
-              <a:t>, </a:t>
-            </a:r>
-            <a:r>
-              <a:rPr lang="pt-BR" dirty="0" err="1"/>
-              <a:t>Arrays</a:t>
-            </a:r>
-            <a:r>
-              <a:rPr lang="pt-BR" dirty="0"/>
-              <a:t> e </a:t>
-            </a:r>
-            <a:r>
-              <a:rPr lang="pt-BR" dirty="0" err="1"/>
-              <a:t>ArrayLists</a:t>
-            </a:r>
-            <a:endParaRPr lang="pt-BR" dirty="0"/>
+              <a:t>Orientação a Objeto</a:t>
+            </a:r>
           </a:p>
           <a:p>
             <a:endParaRPr lang="pt-BR" dirty="0"/>
@@ -5451,13 +6445,20 @@
     </p:spTree>
     <p:extLst>
       <p:ext uri="{BB962C8B-B14F-4D97-AF65-F5344CB8AC3E}">
-        <p14:creationId xmlns:p14="http://schemas.microsoft.com/office/powerpoint/2010/main" val="2158061903"/>
+        <p14:creationId xmlns:p14="http://schemas.microsoft.com/office/powerpoint/2010/main" val="633171714"/>
       </p:ext>
     </p:extLst>
   </p:cSld>
   <p:clrMapOvr>
     <a:masterClrMapping/>
   </p:clrMapOvr>
+  <p:timing>
+    <p:tnLst>
+      <p:par>
+        <p:cTn id="1" dur="indefinite" restart="never" nodeType="tmRoot"/>
+      </p:par>
+    </p:tnLst>
+  </p:timing>
 </p:sld>
 </file>
 
@@ -5495,15 +6496,38 @@
           <a:p>
             <a:r>
               <a:rPr lang="pt-BR" dirty="0" smtClean="0"/>
-              <a:t>Usando </a:t>
+              <a:t>Implementando Interfaces</a:t>
+            </a:r>
+            <a:endParaRPr lang="pt-BR" dirty="0"/>
+          </a:p>
+        </p:txBody>
+      </p:sp>
+      <p:sp>
+        <p:nvSpPr>
+          <p:cNvPr id="3" name="Subtítulo 2"/>
+          <p:cNvSpPr>
+            <a:spLocks noGrp="1"/>
+          </p:cNvSpPr>
+          <p:nvPr>
+            <p:ph type="subTitle" idx="1"/>
+          </p:nvPr>
+        </p:nvSpPr>
+        <p:spPr/>
+        <p:txBody>
+          <a:bodyPr/>
+          <a:lstStyle/>
+          <a:p>
+            <a:r>
+              <a:rPr lang="pt-BR" dirty="0" smtClean="0"/>
+              <a:t>OCA </a:t>
             </a:r>
             <a:r>
               <a:rPr lang="pt-BR" dirty="0" err="1" smtClean="0"/>
-              <a:t>if</a:t>
-            </a:r>
-            <a:r>
-              <a:rPr lang="pt-BR" dirty="0" smtClean="0"/>
-              <a:t> e switch</a:t>
+              <a:t>Objective</a:t>
+            </a:r>
+            <a:r>
+              <a:rPr lang="pt-BR" dirty="0" smtClean="0"/>
+              <a:t> 7.6</a:t>
             </a:r>
             <a:endParaRPr lang="pt-BR" dirty="0"/>
           </a:p>
@@ -5511,37 +6535,6 @@
       </p:sp>
       <p:sp>
         <p:nvSpPr>
-          <p:cNvPr id="3" name="Subtítulo 2"/>
-          <p:cNvSpPr>
-            <a:spLocks noGrp="1"/>
-          </p:cNvSpPr>
-          <p:nvPr>
-            <p:ph type="subTitle" idx="1"/>
-          </p:nvPr>
-        </p:nvSpPr>
-        <p:spPr/>
-        <p:txBody>
-          <a:bodyPr/>
-          <a:lstStyle/>
-          <a:p>
-            <a:r>
-              <a:rPr lang="pt-BR" dirty="0" smtClean="0"/>
-              <a:t>OCA </a:t>
-            </a:r>
-            <a:r>
-              <a:rPr lang="pt-BR" dirty="0" err="1" smtClean="0"/>
-              <a:t>Objectives</a:t>
-            </a:r>
-            <a:r>
-              <a:rPr lang="pt-BR" dirty="0" smtClean="0"/>
-              <a:t> 3.4, 3.5 e 1.1 upgrade</a:t>
-            </a:r>
-            <a:endParaRPr lang="pt-BR" dirty="0"/>
-          </a:p>
-        </p:txBody>
-      </p:sp>
-      <p:sp>
-        <p:nvSpPr>
           <p:cNvPr id="4" name="Espaço Reservado para Rodapé 3"/>
           <p:cNvSpPr>
             <a:spLocks noGrp="1"/>
@@ -5555,24 +6548,27 @@
           <a:bodyPr/>
           <a:lstStyle/>
           <a:p>
-            <a:r>
-              <a:rPr lang="pt-BR" dirty="0" smtClean="0"/>
-              <a:t>Controle de Fluxo e Exceções</a:t>
-            </a:r>
-            <a:endParaRPr lang="pt-BR" dirty="0"/>
+            <a:endParaRPr lang="pt-BR"/>
           </a:p>
         </p:txBody>
       </p:sp>
     </p:spTree>
     <p:extLst>
       <p:ext uri="{BB962C8B-B14F-4D97-AF65-F5344CB8AC3E}">
-        <p14:creationId xmlns:p14="http://schemas.microsoft.com/office/powerpoint/2010/main" val="532384450"/>
+        <p14:creationId xmlns:p14="http://schemas.microsoft.com/office/powerpoint/2010/main" val="375912055"/>
       </p:ext>
     </p:extLst>
   </p:cSld>
   <p:clrMapOvr>
     <a:masterClrMapping/>
   </p:clrMapOvr>
+  <p:timing>
+    <p:tnLst>
+      <p:par>
+        <p:cTn id="1" dur="indefinite" restart="never" nodeType="tmRoot"/>
+      </p:par>
+    </p:tnLst>
+  </p:timing>
 </p:sld>
 </file>
 
@@ -5717,6 +6713,13 @@
   <p:clrMapOvr>
     <a:overrideClrMapping bg1="lt1" tx1="dk1" bg2="lt2" tx2="dk2" accent1="accent1" accent2="accent2" accent3="accent3" accent4="accent4" accent5="accent5" accent6="accent6" hlink="hlink" folHlink="folHlink"/>
   </p:clrMapOvr>
+  <p:timing>
+    <p:tnLst>
+      <p:par>
+        <p:cTn id="1" dur="indefinite" restart="never" nodeType="tmRoot"/>
+      </p:par>
+    </p:tnLst>
+  </p:timing>
 </p:sld>
 </file>
 
@@ -5754,7 +6757,7 @@
           <a:p>
             <a:r>
               <a:rPr lang="pt-BR" dirty="0" smtClean="0"/>
-              <a:t>Criando Loops</a:t>
+              <a:t>Tipos de Retornos Válidos</a:t>
             </a:r>
             <a:endParaRPr lang="pt-BR" dirty="0"/>
           </a:p>
@@ -5785,7 +6788,7 @@
             </a:r>
             <a:r>
               <a:rPr lang="pt-BR" dirty="0" smtClean="0"/>
-              <a:t> 5.1, 5.2, 5.3, 5.4 </a:t>
+              <a:t> 2.2, 2.5, 6.1 </a:t>
             </a:r>
             <a:r>
               <a:rPr lang="pt-BR" dirty="0" err="1" smtClean="0"/>
@@ -5793,7 +6796,7 @@
             </a:r>
             <a:r>
               <a:rPr lang="pt-BR" dirty="0" smtClean="0"/>
-              <a:t> 5.5</a:t>
+              <a:t> 6.3</a:t>
             </a:r>
             <a:endParaRPr lang="pt-BR" dirty="0"/>
           </a:p>
@@ -5816,7 +6819,7 @@
           <a:p>
             <a:r>
               <a:rPr lang="pt-BR" dirty="0"/>
-              <a:t>Controle de Fluxo e Exceções</a:t>
+              <a:t>Orientação a Objeto</a:t>
             </a:r>
           </a:p>
           <a:p>
@@ -5827,13 +6830,20 @@
     </p:spTree>
     <p:extLst>
       <p:ext uri="{BB962C8B-B14F-4D97-AF65-F5344CB8AC3E}">
-        <p14:creationId xmlns:p14="http://schemas.microsoft.com/office/powerpoint/2010/main" val="2470865896"/>
+        <p14:creationId xmlns:p14="http://schemas.microsoft.com/office/powerpoint/2010/main" val="4268053431"/>
       </p:ext>
     </p:extLst>
   </p:cSld>
   <p:clrMapOvr>
     <a:masterClrMapping/>
   </p:clrMapOvr>
+  <p:timing>
+    <p:tnLst>
+      <p:par>
+        <p:cTn id="1" dur="indefinite" restart="never" nodeType="tmRoot"/>
+      </p:par>
+    </p:tnLst>
+  </p:timing>
 </p:sld>
 </file>
 
@@ -5871,7 +6881,7 @@
           <a:p>
             <a:r>
               <a:rPr lang="pt-BR" dirty="0" smtClean="0"/>
-              <a:t>Manipulando Exceções</a:t>
+              <a:t>Construtores e Instanciação</a:t>
             </a:r>
             <a:endParaRPr lang="pt-BR" dirty="0"/>
           </a:p>
@@ -5902,7 +6912,7 @@
             </a:r>
             <a:r>
               <a:rPr lang="pt-BR" dirty="0" smtClean="0"/>
-              <a:t> 8.1, 8.2, 8.3 </a:t>
+              <a:t> 6.4, 6.5 </a:t>
             </a:r>
             <a:r>
               <a:rPr lang="pt-BR" dirty="0" err="1" smtClean="0"/>
@@ -5910,7 +6920,7 @@
             </a:r>
             <a:r>
               <a:rPr lang="pt-BR" dirty="0" smtClean="0"/>
-              <a:t> 8.4</a:t>
+              <a:t> 7.5</a:t>
             </a:r>
             <a:endParaRPr lang="pt-BR" dirty="0"/>
           </a:p>
@@ -5933,7 +6943,7 @@
           <a:p>
             <a:r>
               <a:rPr lang="pt-BR" dirty="0"/>
-              <a:t>Controle de Fluxo e Exceções</a:t>
+              <a:t>Orientação a Objeto</a:t>
             </a:r>
           </a:p>
           <a:p>
@@ -5944,13 +6954,20 @@
     </p:spTree>
     <p:extLst>
       <p:ext uri="{BB962C8B-B14F-4D97-AF65-F5344CB8AC3E}">
-        <p14:creationId xmlns:p14="http://schemas.microsoft.com/office/powerpoint/2010/main" val="3021261354"/>
+        <p14:creationId xmlns:p14="http://schemas.microsoft.com/office/powerpoint/2010/main" val="2974867849"/>
       </p:ext>
     </p:extLst>
   </p:cSld>
   <p:clrMapOvr>
     <a:masterClrMapping/>
   </p:clrMapOvr>
+  <p:timing>
+    <p:tnLst>
+      <p:par>
+        <p:cTn id="1" dur="indefinite" restart="never" nodeType="tmRoot"/>
+      </p:par>
+    </p:tnLst>
+  </p:timing>
 </p:sld>
 </file>
 
@@ -5988,11 +7005,15 @@
           <a:p>
             <a:r>
               <a:rPr lang="pt-BR" dirty="0" smtClean="0"/>
-              <a:t>Exceções Comuns e </a:t>
+              <a:t>Estáticos (</a:t>
             </a:r>
             <a:r>
               <a:rPr lang="pt-BR" dirty="0" err="1" smtClean="0"/>
-              <a:t>Errors</a:t>
+              <a:t>Static</a:t>
+            </a:r>
+            <a:r>
+              <a:rPr lang="pt-BR" dirty="0" smtClean="0"/>
+              <a:t>)</a:t>
             </a:r>
             <a:endParaRPr lang="pt-BR" dirty="0"/>
           </a:p>
@@ -6019,11 +7040,11 @@
             </a:r>
             <a:r>
               <a:rPr lang="pt-BR" dirty="0" err="1" smtClean="0"/>
-              <a:t>Objective</a:t>
-            </a:r>
-            <a:r>
-              <a:rPr lang="pt-BR" dirty="0" smtClean="0"/>
-              <a:t> 8.5</a:t>
+              <a:t>Objectives</a:t>
+            </a:r>
+            <a:r>
+              <a:rPr lang="pt-BR" dirty="0" smtClean="0"/>
+              <a:t> 6.2</a:t>
             </a:r>
             <a:endParaRPr lang="pt-BR" dirty="0"/>
           </a:p>
@@ -6046,7 +7067,7 @@
           <a:p>
             <a:r>
               <a:rPr lang="pt-BR" dirty="0"/>
-              <a:t>Controle de Fluxo e Exceções</a:t>
+              <a:t>Orientação a Objeto</a:t>
             </a:r>
           </a:p>
           <a:p>
@@ -6057,13 +7078,893 @@
     </p:spTree>
     <p:extLst>
       <p:ext uri="{BB962C8B-B14F-4D97-AF65-F5344CB8AC3E}">
-        <p14:creationId xmlns:p14="http://schemas.microsoft.com/office/powerpoint/2010/main" val="3694482267"/>
+        <p14:creationId xmlns:p14="http://schemas.microsoft.com/office/powerpoint/2010/main" val="3849763999"/>
       </p:ext>
     </p:extLst>
   </p:cSld>
   <p:clrMapOvr>
     <a:masterClrMapping/>
   </p:clrMapOvr>
+  <p:timing>
+    <p:tnLst>
+      <p:par>
+        <p:cTn id="1" dur="indefinite" restart="never" nodeType="tmRoot"/>
+      </p:par>
+    </p:tnLst>
+  </p:timing>
+</p:sld>
+</file>
+
+<file path=ppt/slides/slide33.xml><?xml version="1.0" encoding="utf-8"?>
+<p:sld xmlns:a="http://schemas.openxmlformats.org/drawingml/2006/main" xmlns:r="http://schemas.openxmlformats.org/officeDocument/2006/relationships" xmlns:p="http://schemas.openxmlformats.org/presentationml/2006/main">
+  <p:cSld>
+    <p:spTree>
+      <p:nvGrpSpPr>
+        <p:cNvPr id="1" name=""/>
+        <p:cNvGrpSpPr/>
+        <p:nvPr/>
+      </p:nvGrpSpPr>
+      <p:grpSpPr>
+        <a:xfrm>
+          <a:off x="0" y="0"/>
+          <a:ext cx="0" cy="0"/>
+          <a:chOff x="0" y="0"/>
+          <a:chExt cx="0" cy="0"/>
+        </a:xfrm>
+      </p:grpSpPr>
+      <p:sp>
+        <p:nvSpPr>
+          <p:cNvPr id="2" name="Título 1"/>
+          <p:cNvSpPr>
+            <a:spLocks noGrp="1"/>
+          </p:cNvSpPr>
+          <p:nvPr>
+            <p:ph type="ctrTitle"/>
+          </p:nvPr>
+        </p:nvSpPr>
+        <p:spPr/>
+        <p:txBody>
+          <a:bodyPr/>
+          <a:lstStyle/>
+          <a:p>
+            <a:r>
+              <a:rPr lang="pt-BR" dirty="0" smtClean="0"/>
+              <a:t>Literais, </a:t>
+            </a:r>
+            <a:r>
+              <a:rPr lang="pt-BR" dirty="0" err="1" smtClean="0"/>
+              <a:t>Assignmentes</a:t>
+            </a:r>
+            <a:r>
+              <a:rPr lang="pt-BR" dirty="0" smtClean="0"/>
+              <a:t> e Variáveis</a:t>
+            </a:r>
+            <a:endParaRPr lang="pt-BR" dirty="0"/>
+          </a:p>
+        </p:txBody>
+      </p:sp>
+      <p:sp>
+        <p:nvSpPr>
+          <p:cNvPr id="3" name="Subtítulo 2"/>
+          <p:cNvSpPr>
+            <a:spLocks noGrp="1"/>
+          </p:cNvSpPr>
+          <p:nvPr>
+            <p:ph type="subTitle" idx="1"/>
+          </p:nvPr>
+        </p:nvSpPr>
+        <p:spPr/>
+        <p:txBody>
+          <a:bodyPr/>
+          <a:lstStyle/>
+          <a:p>
+            <a:r>
+              <a:rPr lang="pt-BR" dirty="0" smtClean="0"/>
+              <a:t>OCA </a:t>
+            </a:r>
+            <a:r>
+              <a:rPr lang="pt-BR" dirty="0" err="1" smtClean="0"/>
+              <a:t>Objectives</a:t>
+            </a:r>
+            <a:r>
+              <a:rPr lang="pt-BR" dirty="0" smtClean="0"/>
+              <a:t> 2.1, 2.2, 2.3 </a:t>
+            </a:r>
+            <a:r>
+              <a:rPr lang="pt-BR" dirty="0" err="1" smtClean="0"/>
+              <a:t>and</a:t>
+            </a:r>
+            <a:r>
+              <a:rPr lang="pt-BR" dirty="0" smtClean="0"/>
+              <a:t> 1.2 upgrade</a:t>
+            </a:r>
+            <a:endParaRPr lang="pt-BR" dirty="0"/>
+          </a:p>
+        </p:txBody>
+      </p:sp>
+      <p:sp>
+        <p:nvSpPr>
+          <p:cNvPr id="4" name="Espaço Reservado para Rodapé 3"/>
+          <p:cNvSpPr>
+            <a:spLocks noGrp="1"/>
+          </p:cNvSpPr>
+          <p:nvPr>
+            <p:ph type="ftr" sz="quarter" idx="11"/>
+          </p:nvPr>
+        </p:nvSpPr>
+        <p:spPr/>
+        <p:txBody>
+          <a:bodyPr/>
+          <a:lstStyle/>
+          <a:p>
+            <a:r>
+              <a:rPr lang="pt-BR" dirty="0" err="1" smtClean="0"/>
+              <a:t>Assignments</a:t>
+            </a:r>
+            <a:endParaRPr lang="pt-BR" dirty="0"/>
+          </a:p>
+        </p:txBody>
+      </p:sp>
+    </p:spTree>
+    <p:extLst>
+      <p:ext uri="{BB962C8B-B14F-4D97-AF65-F5344CB8AC3E}">
+        <p14:creationId xmlns:p14="http://schemas.microsoft.com/office/powerpoint/2010/main" val="3169057604"/>
+      </p:ext>
+    </p:extLst>
+  </p:cSld>
+  <p:clrMapOvr>
+    <a:masterClrMapping/>
+  </p:clrMapOvr>
+  <p:timing>
+    <p:tnLst>
+      <p:par>
+        <p:cTn id="1" dur="indefinite" restart="never" nodeType="tmRoot"/>
+      </p:par>
+    </p:tnLst>
+  </p:timing>
+</p:sld>
+</file>
+
+<file path=ppt/slides/slide34.xml><?xml version="1.0" encoding="utf-8"?>
+<p:sld xmlns:a="http://schemas.openxmlformats.org/drawingml/2006/main" xmlns:r="http://schemas.openxmlformats.org/officeDocument/2006/relationships" xmlns:p="http://schemas.openxmlformats.org/presentationml/2006/main">
+  <p:cSld>
+    <p:spTree>
+      <p:nvGrpSpPr>
+        <p:cNvPr id="1" name=""/>
+        <p:cNvGrpSpPr/>
+        <p:nvPr/>
+      </p:nvGrpSpPr>
+      <p:grpSpPr>
+        <a:xfrm>
+          <a:off x="0" y="0"/>
+          <a:ext cx="0" cy="0"/>
+          <a:chOff x="0" y="0"/>
+          <a:chExt cx="0" cy="0"/>
+        </a:xfrm>
+      </p:grpSpPr>
+      <p:sp>
+        <p:nvSpPr>
+          <p:cNvPr id="2" name="Título 1"/>
+          <p:cNvSpPr>
+            <a:spLocks noGrp="1"/>
+          </p:cNvSpPr>
+          <p:nvPr>
+            <p:ph type="ctrTitle"/>
+          </p:nvPr>
+        </p:nvSpPr>
+        <p:spPr/>
+        <p:txBody>
+          <a:bodyPr/>
+          <a:lstStyle/>
+          <a:p>
+            <a:r>
+              <a:rPr lang="pt-BR" dirty="0" smtClean="0"/>
+              <a:t>Escopo</a:t>
+            </a:r>
+            <a:endParaRPr lang="pt-BR" dirty="0"/>
+          </a:p>
+        </p:txBody>
+      </p:sp>
+      <p:sp>
+        <p:nvSpPr>
+          <p:cNvPr id="3" name="Subtítulo 2"/>
+          <p:cNvSpPr>
+            <a:spLocks noGrp="1"/>
+          </p:cNvSpPr>
+          <p:nvPr>
+            <p:ph type="subTitle" idx="1"/>
+          </p:nvPr>
+        </p:nvSpPr>
+        <p:spPr/>
+        <p:txBody>
+          <a:bodyPr/>
+          <a:lstStyle/>
+          <a:p>
+            <a:r>
+              <a:rPr lang="pt-BR" dirty="0" smtClean="0"/>
+              <a:t>OCA </a:t>
+            </a:r>
+            <a:r>
+              <a:rPr lang="pt-BR" dirty="0" err="1" smtClean="0"/>
+              <a:t>Objectives</a:t>
+            </a:r>
+            <a:r>
+              <a:rPr lang="pt-BR" dirty="0" smtClean="0"/>
+              <a:t> 1.1 </a:t>
+            </a:r>
+            <a:r>
+              <a:rPr lang="pt-BR" dirty="0" err="1" smtClean="0"/>
+              <a:t>and</a:t>
+            </a:r>
+            <a:r>
+              <a:rPr lang="pt-BR" dirty="0" smtClean="0"/>
+              <a:t> 2.5</a:t>
+            </a:r>
+            <a:endParaRPr lang="pt-BR" dirty="0"/>
+          </a:p>
+        </p:txBody>
+      </p:sp>
+      <p:sp>
+        <p:nvSpPr>
+          <p:cNvPr id="4" name="Espaço Reservado para Rodapé 3"/>
+          <p:cNvSpPr>
+            <a:spLocks noGrp="1"/>
+          </p:cNvSpPr>
+          <p:nvPr>
+            <p:ph type="ftr" sz="quarter" idx="11"/>
+          </p:nvPr>
+        </p:nvSpPr>
+        <p:spPr/>
+        <p:txBody>
+          <a:bodyPr/>
+          <a:lstStyle/>
+          <a:p>
+            <a:r>
+              <a:rPr lang="pt-BR" dirty="0" err="1"/>
+              <a:t>Assignments</a:t>
+            </a:r>
+            <a:endParaRPr lang="pt-BR" dirty="0"/>
+          </a:p>
+          <a:p>
+            <a:endParaRPr lang="pt-BR" dirty="0"/>
+          </a:p>
+        </p:txBody>
+      </p:sp>
+    </p:spTree>
+    <p:extLst>
+      <p:ext uri="{BB962C8B-B14F-4D97-AF65-F5344CB8AC3E}">
+        <p14:creationId xmlns:p14="http://schemas.microsoft.com/office/powerpoint/2010/main" val="193317867"/>
+      </p:ext>
+    </p:extLst>
+  </p:cSld>
+  <p:clrMapOvr>
+    <a:masterClrMapping/>
+  </p:clrMapOvr>
+  <p:timing>
+    <p:tnLst>
+      <p:par>
+        <p:cTn id="1" dur="indefinite" restart="never" nodeType="tmRoot"/>
+      </p:par>
+    </p:tnLst>
+  </p:timing>
+</p:sld>
+</file>
+
+<file path=ppt/slides/slide35.xml><?xml version="1.0" encoding="utf-8"?>
+<p:sld xmlns:a="http://schemas.openxmlformats.org/drawingml/2006/main" xmlns:r="http://schemas.openxmlformats.org/officeDocument/2006/relationships" xmlns:p="http://schemas.openxmlformats.org/presentationml/2006/main">
+  <p:cSld>
+    <p:spTree>
+      <p:nvGrpSpPr>
+        <p:cNvPr id="1" name=""/>
+        <p:cNvGrpSpPr/>
+        <p:nvPr/>
+      </p:nvGrpSpPr>
+      <p:grpSpPr>
+        <a:xfrm>
+          <a:off x="0" y="0"/>
+          <a:ext cx="0" cy="0"/>
+          <a:chOff x="0" y="0"/>
+          <a:chExt cx="0" cy="0"/>
+        </a:xfrm>
+      </p:grpSpPr>
+      <p:sp>
+        <p:nvSpPr>
+          <p:cNvPr id="2" name="Título 1"/>
+          <p:cNvSpPr>
+            <a:spLocks noGrp="1"/>
+          </p:cNvSpPr>
+          <p:nvPr>
+            <p:ph type="ctrTitle"/>
+          </p:nvPr>
+        </p:nvSpPr>
+        <p:spPr/>
+        <p:txBody>
+          <a:bodyPr/>
+          <a:lstStyle/>
+          <a:p>
+            <a:r>
+              <a:rPr lang="pt-BR" dirty="0" smtClean="0"/>
+              <a:t>Inicialização de Variáveis</a:t>
+            </a:r>
+            <a:endParaRPr lang="pt-BR" dirty="0"/>
+          </a:p>
+        </p:txBody>
+      </p:sp>
+      <p:sp>
+        <p:nvSpPr>
+          <p:cNvPr id="3" name="Subtítulo 2"/>
+          <p:cNvSpPr>
+            <a:spLocks noGrp="1"/>
+          </p:cNvSpPr>
+          <p:nvPr>
+            <p:ph type="subTitle" idx="1"/>
+          </p:nvPr>
+        </p:nvSpPr>
+        <p:spPr/>
+        <p:txBody>
+          <a:bodyPr/>
+          <a:lstStyle/>
+          <a:p>
+            <a:r>
+              <a:rPr lang="pt-BR" dirty="0" smtClean="0"/>
+              <a:t>OCA </a:t>
+            </a:r>
+            <a:r>
+              <a:rPr lang="pt-BR" dirty="0" err="1" smtClean="0"/>
+              <a:t>Objective</a:t>
+            </a:r>
+            <a:r>
+              <a:rPr lang="pt-BR" dirty="0" smtClean="0"/>
+              <a:t> 2.1</a:t>
+            </a:r>
+            <a:endParaRPr lang="pt-BR" dirty="0"/>
+          </a:p>
+        </p:txBody>
+      </p:sp>
+      <p:sp>
+        <p:nvSpPr>
+          <p:cNvPr id="4" name="Espaço Reservado para Rodapé 3"/>
+          <p:cNvSpPr>
+            <a:spLocks noGrp="1"/>
+          </p:cNvSpPr>
+          <p:nvPr>
+            <p:ph type="ftr" sz="quarter" idx="11"/>
+          </p:nvPr>
+        </p:nvSpPr>
+        <p:spPr/>
+        <p:txBody>
+          <a:bodyPr/>
+          <a:lstStyle/>
+          <a:p>
+            <a:r>
+              <a:rPr lang="pt-BR" dirty="0" err="1"/>
+              <a:t>Assignments</a:t>
+            </a:r>
+            <a:endParaRPr lang="pt-BR" dirty="0"/>
+          </a:p>
+        </p:txBody>
+      </p:sp>
+    </p:spTree>
+    <p:extLst>
+      <p:ext uri="{BB962C8B-B14F-4D97-AF65-F5344CB8AC3E}">
+        <p14:creationId xmlns:p14="http://schemas.microsoft.com/office/powerpoint/2010/main" val="3261889034"/>
+      </p:ext>
+    </p:extLst>
+  </p:cSld>
+  <p:clrMapOvr>
+    <a:masterClrMapping/>
+  </p:clrMapOvr>
+  <p:timing>
+    <p:tnLst>
+      <p:par>
+        <p:cTn id="1" dur="indefinite" restart="never" nodeType="tmRoot"/>
+      </p:par>
+    </p:tnLst>
+  </p:timing>
+</p:sld>
+</file>
+
+<file path=ppt/slides/slide36.xml><?xml version="1.0" encoding="utf-8"?>
+<p:sld xmlns:a="http://schemas.openxmlformats.org/drawingml/2006/main" xmlns:r="http://schemas.openxmlformats.org/officeDocument/2006/relationships" xmlns:p="http://schemas.openxmlformats.org/presentationml/2006/main">
+  <p:cSld>
+    <p:spTree>
+      <p:nvGrpSpPr>
+        <p:cNvPr id="1" name=""/>
+        <p:cNvGrpSpPr/>
+        <p:nvPr/>
+      </p:nvGrpSpPr>
+      <p:grpSpPr>
+        <a:xfrm>
+          <a:off x="0" y="0"/>
+          <a:ext cx="0" cy="0"/>
+          <a:chOff x="0" y="0"/>
+          <a:chExt cx="0" cy="0"/>
+        </a:xfrm>
+      </p:grpSpPr>
+      <p:sp>
+        <p:nvSpPr>
+          <p:cNvPr id="2" name="Título 1"/>
+          <p:cNvSpPr>
+            <a:spLocks noGrp="1"/>
+          </p:cNvSpPr>
+          <p:nvPr>
+            <p:ph type="ctrTitle"/>
+          </p:nvPr>
+        </p:nvSpPr>
+        <p:spPr/>
+        <p:txBody>
+          <a:bodyPr/>
+          <a:lstStyle/>
+          <a:p>
+            <a:r>
+              <a:rPr lang="pt-BR" dirty="0" smtClean="0"/>
+              <a:t>Passando Variáveis para Métodos</a:t>
+            </a:r>
+            <a:endParaRPr lang="pt-BR" dirty="0"/>
+          </a:p>
+        </p:txBody>
+      </p:sp>
+      <p:sp>
+        <p:nvSpPr>
+          <p:cNvPr id="3" name="Subtítulo 2"/>
+          <p:cNvSpPr>
+            <a:spLocks noGrp="1"/>
+          </p:cNvSpPr>
+          <p:nvPr>
+            <p:ph type="subTitle" idx="1"/>
+          </p:nvPr>
+        </p:nvSpPr>
+        <p:spPr/>
+        <p:txBody>
+          <a:bodyPr/>
+          <a:lstStyle/>
+          <a:p>
+            <a:r>
+              <a:rPr lang="pt-BR" dirty="0" smtClean="0"/>
+              <a:t>OCA </a:t>
+            </a:r>
+            <a:r>
+              <a:rPr lang="pt-BR" dirty="0" err="1" smtClean="0"/>
+              <a:t>Objective</a:t>
+            </a:r>
+            <a:r>
+              <a:rPr lang="pt-BR" dirty="0" smtClean="0"/>
+              <a:t> 6.8</a:t>
+            </a:r>
+            <a:endParaRPr lang="pt-BR" dirty="0"/>
+          </a:p>
+        </p:txBody>
+      </p:sp>
+      <p:sp>
+        <p:nvSpPr>
+          <p:cNvPr id="4" name="Espaço Reservado para Rodapé 3"/>
+          <p:cNvSpPr>
+            <a:spLocks noGrp="1"/>
+          </p:cNvSpPr>
+          <p:nvPr>
+            <p:ph type="ftr" sz="quarter" idx="11"/>
+          </p:nvPr>
+        </p:nvSpPr>
+        <p:spPr/>
+        <p:txBody>
+          <a:bodyPr/>
+          <a:lstStyle/>
+          <a:p>
+            <a:r>
+              <a:rPr lang="pt-BR" dirty="0" err="1"/>
+              <a:t>Assignments</a:t>
+            </a:r>
+            <a:endParaRPr lang="pt-BR" dirty="0"/>
+          </a:p>
+        </p:txBody>
+      </p:sp>
+    </p:spTree>
+    <p:extLst>
+      <p:ext uri="{BB962C8B-B14F-4D97-AF65-F5344CB8AC3E}">
+        <p14:creationId xmlns:p14="http://schemas.microsoft.com/office/powerpoint/2010/main" val="2287116038"/>
+      </p:ext>
+    </p:extLst>
+  </p:cSld>
+  <p:clrMapOvr>
+    <a:masterClrMapping/>
+  </p:clrMapOvr>
+  <p:timing>
+    <p:tnLst>
+      <p:par>
+        <p:cTn id="1" dur="indefinite" restart="never" nodeType="tmRoot"/>
+      </p:par>
+    </p:tnLst>
+  </p:timing>
+</p:sld>
+</file>
+
+<file path=ppt/slides/slide37.xml><?xml version="1.0" encoding="utf-8"?>
+<p:sld xmlns:a="http://schemas.openxmlformats.org/drawingml/2006/main" xmlns:r="http://schemas.openxmlformats.org/officeDocument/2006/relationships" xmlns:p="http://schemas.openxmlformats.org/presentationml/2006/main">
+  <p:cSld>
+    <p:spTree>
+      <p:nvGrpSpPr>
+        <p:cNvPr id="1" name=""/>
+        <p:cNvGrpSpPr/>
+        <p:nvPr/>
+      </p:nvGrpSpPr>
+      <p:grpSpPr>
+        <a:xfrm>
+          <a:off x="0" y="0"/>
+          <a:ext cx="0" cy="0"/>
+          <a:chOff x="0" y="0"/>
+          <a:chExt cx="0" cy="0"/>
+        </a:xfrm>
+      </p:grpSpPr>
+      <p:sp>
+        <p:nvSpPr>
+          <p:cNvPr id="2" name="Título 1"/>
+          <p:cNvSpPr>
+            <a:spLocks noGrp="1"/>
+          </p:cNvSpPr>
+          <p:nvPr>
+            <p:ph type="ctrTitle"/>
+          </p:nvPr>
+        </p:nvSpPr>
+        <p:spPr/>
+        <p:txBody>
+          <a:bodyPr/>
+          <a:lstStyle/>
+          <a:p>
+            <a:r>
+              <a:rPr lang="pt-BR" dirty="0" smtClean="0"/>
+              <a:t>Coletor de Lixo</a:t>
+            </a:r>
+            <a:endParaRPr lang="pt-BR" dirty="0"/>
+          </a:p>
+        </p:txBody>
+      </p:sp>
+      <p:sp>
+        <p:nvSpPr>
+          <p:cNvPr id="3" name="Subtítulo 2"/>
+          <p:cNvSpPr>
+            <a:spLocks noGrp="1"/>
+          </p:cNvSpPr>
+          <p:nvPr>
+            <p:ph type="subTitle" idx="1"/>
+          </p:nvPr>
+        </p:nvSpPr>
+        <p:spPr/>
+        <p:txBody>
+          <a:bodyPr/>
+          <a:lstStyle/>
+          <a:p>
+            <a:r>
+              <a:rPr lang="pt-BR" dirty="0" smtClean="0"/>
+              <a:t>OCA </a:t>
+            </a:r>
+            <a:r>
+              <a:rPr lang="pt-BR" dirty="0" err="1" smtClean="0"/>
+              <a:t>Objective</a:t>
+            </a:r>
+            <a:r>
+              <a:rPr lang="pt-BR" dirty="0" smtClean="0"/>
+              <a:t> 2.4</a:t>
+            </a:r>
+            <a:endParaRPr lang="pt-BR" dirty="0"/>
+          </a:p>
+        </p:txBody>
+      </p:sp>
+      <p:sp>
+        <p:nvSpPr>
+          <p:cNvPr id="4" name="Espaço Reservado para Rodapé 3"/>
+          <p:cNvSpPr>
+            <a:spLocks noGrp="1"/>
+          </p:cNvSpPr>
+          <p:nvPr>
+            <p:ph type="ftr" sz="quarter" idx="11"/>
+          </p:nvPr>
+        </p:nvSpPr>
+        <p:spPr/>
+        <p:txBody>
+          <a:bodyPr/>
+          <a:lstStyle/>
+          <a:p>
+            <a:r>
+              <a:rPr lang="pt-BR" dirty="0" err="1"/>
+              <a:t>Assignments</a:t>
+            </a:r>
+            <a:endParaRPr lang="pt-BR" dirty="0"/>
+          </a:p>
+        </p:txBody>
+      </p:sp>
+    </p:spTree>
+    <p:extLst>
+      <p:ext uri="{BB962C8B-B14F-4D97-AF65-F5344CB8AC3E}">
+        <p14:creationId xmlns:p14="http://schemas.microsoft.com/office/powerpoint/2010/main" val="1564616669"/>
+      </p:ext>
+    </p:extLst>
+  </p:cSld>
+  <p:clrMapOvr>
+    <a:masterClrMapping/>
+  </p:clrMapOvr>
+  <p:timing>
+    <p:tnLst>
+      <p:par>
+        <p:cTn id="1" dur="indefinite" restart="never" nodeType="tmRoot"/>
+      </p:par>
+    </p:tnLst>
+  </p:timing>
+</p:sld>
+</file>
+
+<file path=ppt/slides/slide38.xml><?xml version="1.0" encoding="utf-8"?>
+<p:sld xmlns:a="http://schemas.openxmlformats.org/drawingml/2006/main" xmlns:r="http://schemas.openxmlformats.org/officeDocument/2006/relationships" xmlns:p="http://schemas.openxmlformats.org/presentationml/2006/main">
+  <p:cSld>
+    <p:spTree>
+      <p:nvGrpSpPr>
+        <p:cNvPr id="1" name=""/>
+        <p:cNvGrpSpPr/>
+        <p:nvPr/>
+      </p:nvGrpSpPr>
+      <p:grpSpPr>
+        <a:xfrm>
+          <a:off x="0" y="0"/>
+          <a:ext cx="0" cy="0"/>
+          <a:chOff x="0" y="0"/>
+          <a:chExt cx="0" cy="0"/>
+        </a:xfrm>
+      </p:grpSpPr>
+      <p:sp>
+        <p:nvSpPr>
+          <p:cNvPr id="2" name="Título 1"/>
+          <p:cNvSpPr>
+            <a:spLocks noGrp="1"/>
+          </p:cNvSpPr>
+          <p:nvPr>
+            <p:ph type="ctrTitle"/>
+          </p:nvPr>
+        </p:nvSpPr>
+        <p:spPr/>
+        <p:txBody>
+          <a:bodyPr/>
+          <a:lstStyle/>
+          <a:p>
+            <a:r>
+              <a:rPr lang="pt-BR" dirty="0" smtClean="0"/>
+              <a:t>Operadores em Java</a:t>
+            </a:r>
+            <a:endParaRPr lang="pt-BR" dirty="0"/>
+          </a:p>
+        </p:txBody>
+      </p:sp>
+      <p:sp>
+        <p:nvSpPr>
+          <p:cNvPr id="3" name="Subtítulo 2"/>
+          <p:cNvSpPr>
+            <a:spLocks noGrp="1"/>
+          </p:cNvSpPr>
+          <p:nvPr>
+            <p:ph type="subTitle" idx="1"/>
+          </p:nvPr>
+        </p:nvSpPr>
+        <p:spPr/>
+        <p:txBody>
+          <a:bodyPr/>
+          <a:lstStyle/>
+          <a:p>
+            <a:r>
+              <a:rPr lang="pt-BR" dirty="0" smtClean="0"/>
+              <a:t>OCA </a:t>
+            </a:r>
+            <a:r>
+              <a:rPr lang="pt-BR" dirty="0" err="1" smtClean="0"/>
+              <a:t>Objectives</a:t>
+            </a:r>
+            <a:r>
+              <a:rPr lang="pt-BR" dirty="0" smtClean="0"/>
+              <a:t> 3.1, 3.2 </a:t>
+            </a:r>
+            <a:r>
+              <a:rPr lang="pt-BR" dirty="0" err="1" smtClean="0"/>
+              <a:t>and</a:t>
+            </a:r>
+            <a:r>
+              <a:rPr lang="pt-BR" dirty="0" smtClean="0"/>
+              <a:t> 3.3</a:t>
+            </a:r>
+            <a:endParaRPr lang="pt-BR" dirty="0"/>
+          </a:p>
+        </p:txBody>
+      </p:sp>
+      <p:sp>
+        <p:nvSpPr>
+          <p:cNvPr id="4" name="Espaço Reservado para Rodapé 3"/>
+          <p:cNvSpPr>
+            <a:spLocks noGrp="1"/>
+          </p:cNvSpPr>
+          <p:nvPr>
+            <p:ph type="ftr" sz="quarter" idx="11"/>
+          </p:nvPr>
+        </p:nvSpPr>
+        <p:spPr/>
+        <p:txBody>
+          <a:bodyPr/>
+          <a:lstStyle/>
+          <a:p>
+            <a:r>
+              <a:rPr lang="pt-BR" dirty="0" smtClean="0"/>
+              <a:t>Operadores</a:t>
+            </a:r>
+            <a:endParaRPr lang="pt-BR" dirty="0"/>
+          </a:p>
+        </p:txBody>
+      </p:sp>
+    </p:spTree>
+    <p:extLst>
+      <p:ext uri="{BB962C8B-B14F-4D97-AF65-F5344CB8AC3E}">
+        <p14:creationId xmlns:p14="http://schemas.microsoft.com/office/powerpoint/2010/main" val="1039160923"/>
+      </p:ext>
+    </p:extLst>
+  </p:cSld>
+  <p:clrMapOvr>
+    <a:masterClrMapping/>
+  </p:clrMapOvr>
+  <p:timing>
+    <p:tnLst>
+      <p:par>
+        <p:cTn id="1" dur="indefinite" restart="never" nodeType="tmRoot"/>
+      </p:par>
+    </p:tnLst>
+  </p:timing>
+</p:sld>
+</file>
+
+<file path=ppt/slides/slide39.xml><?xml version="1.0" encoding="utf-8"?>
+<p:sld xmlns:a="http://schemas.openxmlformats.org/drawingml/2006/main" xmlns:r="http://schemas.openxmlformats.org/officeDocument/2006/relationships" xmlns:p="http://schemas.openxmlformats.org/presentationml/2006/main">
+  <p:cSld>
+    <p:spTree>
+      <p:nvGrpSpPr>
+        <p:cNvPr id="1" name=""/>
+        <p:cNvGrpSpPr/>
+        <p:nvPr/>
+      </p:nvGrpSpPr>
+      <p:grpSpPr>
+        <a:xfrm>
+          <a:off x="0" y="0"/>
+          <a:ext cx="0" cy="0"/>
+          <a:chOff x="0" y="0"/>
+          <a:chExt cx="0" cy="0"/>
+        </a:xfrm>
+      </p:grpSpPr>
+      <p:sp>
+        <p:nvSpPr>
+          <p:cNvPr id="2" name="Título 1"/>
+          <p:cNvSpPr>
+            <a:spLocks noGrp="1"/>
+          </p:cNvSpPr>
+          <p:nvPr>
+            <p:ph type="ctrTitle"/>
+          </p:nvPr>
+        </p:nvSpPr>
+        <p:spPr/>
+        <p:txBody>
+          <a:bodyPr/>
+          <a:lstStyle/>
+          <a:p>
+            <a:r>
+              <a:rPr lang="pt-BR" dirty="0" smtClean="0"/>
+              <a:t>Usando </a:t>
+            </a:r>
+            <a:r>
+              <a:rPr lang="pt-BR" dirty="0" err="1" smtClean="0"/>
+              <a:t>Strings</a:t>
+            </a:r>
+            <a:r>
+              <a:rPr lang="pt-BR" dirty="0" smtClean="0"/>
+              <a:t> e </a:t>
+            </a:r>
+            <a:r>
+              <a:rPr lang="pt-BR" dirty="0" err="1" smtClean="0"/>
+              <a:t>StringBuilder</a:t>
+            </a:r>
+            <a:endParaRPr lang="pt-BR" dirty="0"/>
+          </a:p>
+        </p:txBody>
+      </p:sp>
+      <p:sp>
+        <p:nvSpPr>
+          <p:cNvPr id="3" name="Subtítulo 2"/>
+          <p:cNvSpPr>
+            <a:spLocks noGrp="1"/>
+          </p:cNvSpPr>
+          <p:nvPr>
+            <p:ph type="subTitle" idx="1"/>
+          </p:nvPr>
+        </p:nvSpPr>
+        <p:spPr/>
+        <p:txBody>
+          <a:bodyPr/>
+          <a:lstStyle/>
+          <a:p>
+            <a:r>
+              <a:rPr lang="pt-BR" dirty="0" smtClean="0"/>
+              <a:t>OCA </a:t>
+            </a:r>
+            <a:r>
+              <a:rPr lang="pt-BR" dirty="0" err="1" smtClean="0"/>
+              <a:t>Objectives</a:t>
+            </a:r>
+            <a:r>
+              <a:rPr lang="pt-BR" dirty="0" smtClean="0"/>
+              <a:t> 2.7 </a:t>
+            </a:r>
+            <a:r>
+              <a:rPr lang="pt-BR" dirty="0" err="1" smtClean="0"/>
+              <a:t>and</a:t>
+            </a:r>
+            <a:r>
+              <a:rPr lang="pt-BR" dirty="0" smtClean="0"/>
+              <a:t> 2.6</a:t>
+            </a:r>
+            <a:endParaRPr lang="pt-BR" dirty="0"/>
+          </a:p>
+        </p:txBody>
+      </p:sp>
+      <p:sp>
+        <p:nvSpPr>
+          <p:cNvPr id="4" name="Espaço Reservado para Rodapé 3"/>
+          <p:cNvSpPr>
+            <a:spLocks noGrp="1"/>
+          </p:cNvSpPr>
+          <p:nvPr>
+            <p:ph type="ftr" sz="quarter" idx="11"/>
+          </p:nvPr>
+        </p:nvSpPr>
+        <p:spPr/>
+        <p:txBody>
+          <a:bodyPr/>
+          <a:lstStyle/>
+          <a:p>
+            <a:r>
+              <a:rPr lang="pt-BR" dirty="0" smtClean="0"/>
+              <a:t>Trabalhando com </a:t>
+            </a:r>
+            <a:r>
+              <a:rPr lang="pt-BR" dirty="0" err="1" smtClean="0"/>
+              <a:t>Strings</a:t>
+            </a:r>
+            <a:r>
+              <a:rPr lang="pt-BR" dirty="0" smtClean="0"/>
+              <a:t>, </a:t>
+            </a:r>
+            <a:r>
+              <a:rPr lang="pt-BR" dirty="0" err="1" smtClean="0"/>
+              <a:t>Arrays</a:t>
+            </a:r>
+            <a:r>
+              <a:rPr lang="pt-BR" dirty="0" smtClean="0"/>
+              <a:t> e </a:t>
+            </a:r>
+            <a:r>
+              <a:rPr lang="pt-BR" dirty="0" err="1" smtClean="0"/>
+              <a:t>ArrayLists</a:t>
+            </a:r>
+            <a:endParaRPr lang="pt-BR" dirty="0"/>
+          </a:p>
+        </p:txBody>
+      </p:sp>
+    </p:spTree>
+    <p:extLst>
+      <p:ext uri="{BB962C8B-B14F-4D97-AF65-F5344CB8AC3E}">
+        <p14:creationId xmlns:p14="http://schemas.microsoft.com/office/powerpoint/2010/main" val="1074513946"/>
+      </p:ext>
+    </p:extLst>
+  </p:cSld>
+  <p:clrMapOvr>
+    <a:masterClrMapping/>
+  </p:clrMapOvr>
+  <p:timing>
+    <p:tnLst>
+      <p:par>
+        <p:cTn id="1" dur="indefinite" restart="never" nodeType="tmRoot"/>
+      </p:par>
+    </p:tnLst>
+  </p:timing>
 </p:sld>
 </file>
 
@@ -6291,6 +8192,793 @@
   <p:clrMapOvr>
     <a:masterClrMapping/>
   </p:clrMapOvr>
+  <p:timing>
+    <p:tnLst>
+      <p:par>
+        <p:cTn id="1" dur="indefinite" restart="never" nodeType="tmRoot"/>
+      </p:par>
+    </p:tnLst>
+  </p:timing>
+</p:sld>
+</file>
+
+<file path=ppt/slides/slide40.xml><?xml version="1.0" encoding="utf-8"?>
+<p:sld xmlns:a="http://schemas.openxmlformats.org/drawingml/2006/main" xmlns:r="http://schemas.openxmlformats.org/officeDocument/2006/relationships" xmlns:p="http://schemas.openxmlformats.org/presentationml/2006/main">
+  <p:cSld>
+    <p:spTree>
+      <p:nvGrpSpPr>
+        <p:cNvPr id="1" name=""/>
+        <p:cNvGrpSpPr/>
+        <p:nvPr/>
+      </p:nvGrpSpPr>
+      <p:grpSpPr>
+        <a:xfrm>
+          <a:off x="0" y="0"/>
+          <a:ext cx="0" cy="0"/>
+          <a:chOff x="0" y="0"/>
+          <a:chExt cx="0" cy="0"/>
+        </a:xfrm>
+      </p:grpSpPr>
+      <p:sp>
+        <p:nvSpPr>
+          <p:cNvPr id="2" name="Título 1"/>
+          <p:cNvSpPr>
+            <a:spLocks noGrp="1"/>
+          </p:cNvSpPr>
+          <p:nvPr>
+            <p:ph type="ctrTitle"/>
+          </p:nvPr>
+        </p:nvSpPr>
+        <p:spPr/>
+        <p:txBody>
+          <a:bodyPr/>
+          <a:lstStyle/>
+          <a:p>
+            <a:r>
+              <a:rPr lang="pt-BR" dirty="0" smtClean="0"/>
+              <a:t>Usando </a:t>
+            </a:r>
+            <a:r>
+              <a:rPr lang="pt-BR" dirty="0" err="1" smtClean="0"/>
+              <a:t>Arrays</a:t>
+            </a:r>
+            <a:endParaRPr lang="pt-BR" dirty="0"/>
+          </a:p>
+        </p:txBody>
+      </p:sp>
+      <p:sp>
+        <p:nvSpPr>
+          <p:cNvPr id="3" name="Subtítulo 2"/>
+          <p:cNvSpPr>
+            <a:spLocks noGrp="1"/>
+          </p:cNvSpPr>
+          <p:nvPr>
+            <p:ph type="subTitle" idx="1"/>
+          </p:nvPr>
+        </p:nvSpPr>
+        <p:spPr/>
+        <p:txBody>
+          <a:bodyPr/>
+          <a:lstStyle/>
+          <a:p>
+            <a:r>
+              <a:rPr lang="pt-BR" dirty="0" smtClean="0"/>
+              <a:t>OCA </a:t>
+            </a:r>
+            <a:r>
+              <a:rPr lang="pt-BR" dirty="0" err="1" smtClean="0"/>
+              <a:t>Objectives</a:t>
+            </a:r>
+            <a:r>
+              <a:rPr lang="pt-BR" dirty="0" smtClean="0"/>
+              <a:t> 4.1 </a:t>
+            </a:r>
+            <a:r>
+              <a:rPr lang="pt-BR" dirty="0" err="1" smtClean="0"/>
+              <a:t>and</a:t>
+            </a:r>
+            <a:r>
+              <a:rPr lang="pt-BR" dirty="0" smtClean="0"/>
+              <a:t> 4.2</a:t>
+            </a:r>
+            <a:endParaRPr lang="pt-BR" dirty="0"/>
+          </a:p>
+        </p:txBody>
+      </p:sp>
+      <p:sp>
+        <p:nvSpPr>
+          <p:cNvPr id="4" name="Espaço Reservado para Rodapé 3"/>
+          <p:cNvSpPr>
+            <a:spLocks noGrp="1"/>
+          </p:cNvSpPr>
+          <p:nvPr>
+            <p:ph type="ftr" sz="quarter" idx="11"/>
+          </p:nvPr>
+        </p:nvSpPr>
+        <p:spPr/>
+        <p:txBody>
+          <a:bodyPr/>
+          <a:lstStyle/>
+          <a:p>
+            <a:r>
+              <a:rPr lang="pt-BR" dirty="0"/>
+              <a:t>Trabalhando com </a:t>
+            </a:r>
+            <a:r>
+              <a:rPr lang="pt-BR" dirty="0" err="1"/>
+              <a:t>Strings</a:t>
+            </a:r>
+            <a:r>
+              <a:rPr lang="pt-BR" dirty="0"/>
+              <a:t>, </a:t>
+            </a:r>
+            <a:r>
+              <a:rPr lang="pt-BR" dirty="0" err="1"/>
+              <a:t>Arrays</a:t>
+            </a:r>
+            <a:r>
+              <a:rPr lang="pt-BR" dirty="0"/>
+              <a:t> e </a:t>
+            </a:r>
+            <a:r>
+              <a:rPr lang="pt-BR" dirty="0" err="1"/>
+              <a:t>ArrayLists</a:t>
+            </a:r>
+            <a:endParaRPr lang="pt-BR" dirty="0"/>
+          </a:p>
+          <a:p>
+            <a:endParaRPr lang="pt-BR" dirty="0"/>
+          </a:p>
+        </p:txBody>
+      </p:sp>
+    </p:spTree>
+    <p:extLst>
+      <p:ext uri="{BB962C8B-B14F-4D97-AF65-F5344CB8AC3E}">
+        <p14:creationId xmlns:p14="http://schemas.microsoft.com/office/powerpoint/2010/main" val="1389997935"/>
+      </p:ext>
+    </p:extLst>
+  </p:cSld>
+  <p:clrMapOvr>
+    <a:masterClrMapping/>
+  </p:clrMapOvr>
+  <p:timing>
+    <p:tnLst>
+      <p:par>
+        <p:cTn id="1" dur="indefinite" restart="never" nodeType="tmRoot"/>
+      </p:par>
+    </p:tnLst>
+  </p:timing>
+</p:sld>
+</file>
+
+<file path=ppt/slides/slide41.xml><?xml version="1.0" encoding="utf-8"?>
+<p:sld xmlns:a="http://schemas.openxmlformats.org/drawingml/2006/main" xmlns:r="http://schemas.openxmlformats.org/officeDocument/2006/relationships" xmlns:p="http://schemas.openxmlformats.org/presentationml/2006/main">
+  <p:cSld>
+    <p:spTree>
+      <p:nvGrpSpPr>
+        <p:cNvPr id="1" name=""/>
+        <p:cNvGrpSpPr/>
+        <p:nvPr/>
+      </p:nvGrpSpPr>
+      <p:grpSpPr>
+        <a:xfrm>
+          <a:off x="0" y="0"/>
+          <a:ext cx="0" cy="0"/>
+          <a:chOff x="0" y="0"/>
+          <a:chExt cx="0" cy="0"/>
+        </a:xfrm>
+      </p:grpSpPr>
+      <p:sp>
+        <p:nvSpPr>
+          <p:cNvPr id="2" name="Título 1"/>
+          <p:cNvSpPr>
+            <a:spLocks noGrp="1"/>
+          </p:cNvSpPr>
+          <p:nvPr>
+            <p:ph type="ctrTitle"/>
+          </p:nvPr>
+        </p:nvSpPr>
+        <p:spPr/>
+        <p:txBody>
+          <a:bodyPr/>
+          <a:lstStyle/>
+          <a:p>
+            <a:r>
+              <a:rPr lang="pt-BR" dirty="0" smtClean="0"/>
+              <a:t>Usando </a:t>
+            </a:r>
+            <a:r>
+              <a:rPr lang="pt-BR" dirty="0" err="1" smtClean="0"/>
+              <a:t>ArrayList</a:t>
+            </a:r>
+            <a:endParaRPr lang="pt-BR" dirty="0"/>
+          </a:p>
+        </p:txBody>
+      </p:sp>
+      <p:sp>
+        <p:nvSpPr>
+          <p:cNvPr id="3" name="Subtítulo 2"/>
+          <p:cNvSpPr>
+            <a:spLocks noGrp="1"/>
+          </p:cNvSpPr>
+          <p:nvPr>
+            <p:ph type="subTitle" idx="1"/>
+          </p:nvPr>
+        </p:nvSpPr>
+        <p:spPr/>
+        <p:txBody>
+          <a:bodyPr/>
+          <a:lstStyle/>
+          <a:p>
+            <a:r>
+              <a:rPr lang="pt-BR" dirty="0" smtClean="0"/>
+              <a:t>OCA </a:t>
+            </a:r>
+            <a:r>
+              <a:rPr lang="pt-BR" dirty="0" err="1" smtClean="0"/>
+              <a:t>Objective</a:t>
+            </a:r>
+            <a:r>
+              <a:rPr lang="pt-BR" dirty="0" smtClean="0"/>
+              <a:t> 4.3</a:t>
+            </a:r>
+            <a:endParaRPr lang="pt-BR" dirty="0"/>
+          </a:p>
+        </p:txBody>
+      </p:sp>
+      <p:sp>
+        <p:nvSpPr>
+          <p:cNvPr id="4" name="Espaço Reservado para Rodapé 3"/>
+          <p:cNvSpPr>
+            <a:spLocks noGrp="1"/>
+          </p:cNvSpPr>
+          <p:nvPr>
+            <p:ph type="ftr" sz="quarter" idx="11"/>
+          </p:nvPr>
+        </p:nvSpPr>
+        <p:spPr/>
+        <p:txBody>
+          <a:bodyPr/>
+          <a:lstStyle/>
+          <a:p>
+            <a:r>
+              <a:rPr lang="pt-BR" dirty="0"/>
+              <a:t>Trabalhando com </a:t>
+            </a:r>
+            <a:r>
+              <a:rPr lang="pt-BR" dirty="0" err="1"/>
+              <a:t>Strings</a:t>
+            </a:r>
+            <a:r>
+              <a:rPr lang="pt-BR" dirty="0"/>
+              <a:t>, </a:t>
+            </a:r>
+            <a:r>
+              <a:rPr lang="pt-BR" dirty="0" err="1"/>
+              <a:t>Arrays</a:t>
+            </a:r>
+            <a:r>
+              <a:rPr lang="pt-BR" dirty="0"/>
+              <a:t> e </a:t>
+            </a:r>
+            <a:r>
+              <a:rPr lang="pt-BR" dirty="0" err="1"/>
+              <a:t>ArrayLists</a:t>
+            </a:r>
+            <a:endParaRPr lang="pt-BR" dirty="0"/>
+          </a:p>
+          <a:p>
+            <a:endParaRPr lang="pt-BR" dirty="0"/>
+          </a:p>
+        </p:txBody>
+      </p:sp>
+    </p:spTree>
+    <p:extLst>
+      <p:ext uri="{BB962C8B-B14F-4D97-AF65-F5344CB8AC3E}">
+        <p14:creationId xmlns:p14="http://schemas.microsoft.com/office/powerpoint/2010/main" val="2158061903"/>
+      </p:ext>
+    </p:extLst>
+  </p:cSld>
+  <p:clrMapOvr>
+    <a:masterClrMapping/>
+  </p:clrMapOvr>
+  <p:timing>
+    <p:tnLst>
+      <p:par>
+        <p:cTn id="1" dur="indefinite" restart="never" nodeType="tmRoot"/>
+      </p:par>
+    </p:tnLst>
+  </p:timing>
+</p:sld>
+</file>
+
+<file path=ppt/slides/slide42.xml><?xml version="1.0" encoding="utf-8"?>
+<p:sld xmlns:a="http://schemas.openxmlformats.org/drawingml/2006/main" xmlns:r="http://schemas.openxmlformats.org/officeDocument/2006/relationships" xmlns:p="http://schemas.openxmlformats.org/presentationml/2006/main">
+  <p:cSld>
+    <p:spTree>
+      <p:nvGrpSpPr>
+        <p:cNvPr id="1" name=""/>
+        <p:cNvGrpSpPr/>
+        <p:nvPr/>
+      </p:nvGrpSpPr>
+      <p:grpSpPr>
+        <a:xfrm>
+          <a:off x="0" y="0"/>
+          <a:ext cx="0" cy="0"/>
+          <a:chOff x="0" y="0"/>
+          <a:chExt cx="0" cy="0"/>
+        </a:xfrm>
+      </p:grpSpPr>
+      <p:sp>
+        <p:nvSpPr>
+          <p:cNvPr id="2" name="Título 1"/>
+          <p:cNvSpPr>
+            <a:spLocks noGrp="1"/>
+          </p:cNvSpPr>
+          <p:nvPr>
+            <p:ph type="ctrTitle"/>
+          </p:nvPr>
+        </p:nvSpPr>
+        <p:spPr/>
+        <p:txBody>
+          <a:bodyPr/>
+          <a:lstStyle/>
+          <a:p>
+            <a:r>
+              <a:rPr lang="pt-BR" dirty="0" smtClean="0"/>
+              <a:t>Usando </a:t>
+            </a:r>
+            <a:r>
+              <a:rPr lang="pt-BR" dirty="0" err="1" smtClean="0"/>
+              <a:t>if</a:t>
+            </a:r>
+            <a:r>
+              <a:rPr lang="pt-BR" dirty="0" smtClean="0"/>
+              <a:t> e switch</a:t>
+            </a:r>
+            <a:endParaRPr lang="pt-BR" dirty="0"/>
+          </a:p>
+        </p:txBody>
+      </p:sp>
+      <p:sp>
+        <p:nvSpPr>
+          <p:cNvPr id="3" name="Subtítulo 2"/>
+          <p:cNvSpPr>
+            <a:spLocks noGrp="1"/>
+          </p:cNvSpPr>
+          <p:nvPr>
+            <p:ph type="subTitle" idx="1"/>
+          </p:nvPr>
+        </p:nvSpPr>
+        <p:spPr/>
+        <p:txBody>
+          <a:bodyPr/>
+          <a:lstStyle/>
+          <a:p>
+            <a:r>
+              <a:rPr lang="pt-BR" dirty="0" smtClean="0"/>
+              <a:t>OCA </a:t>
+            </a:r>
+            <a:r>
+              <a:rPr lang="pt-BR" dirty="0" err="1" smtClean="0"/>
+              <a:t>Objectives</a:t>
+            </a:r>
+            <a:r>
+              <a:rPr lang="pt-BR" dirty="0" smtClean="0"/>
+              <a:t> 3.4, 3.5 e 1.1 upgrade</a:t>
+            </a:r>
+            <a:endParaRPr lang="pt-BR" dirty="0"/>
+          </a:p>
+        </p:txBody>
+      </p:sp>
+      <p:sp>
+        <p:nvSpPr>
+          <p:cNvPr id="4" name="Espaço Reservado para Rodapé 3"/>
+          <p:cNvSpPr>
+            <a:spLocks noGrp="1"/>
+          </p:cNvSpPr>
+          <p:nvPr>
+            <p:ph type="ftr" sz="quarter" idx="11"/>
+          </p:nvPr>
+        </p:nvSpPr>
+        <p:spPr/>
+        <p:txBody>
+          <a:bodyPr/>
+          <a:lstStyle/>
+          <a:p>
+            <a:r>
+              <a:rPr lang="pt-BR" dirty="0" smtClean="0"/>
+              <a:t>Controle de Fluxo e Exceções</a:t>
+            </a:r>
+            <a:endParaRPr lang="pt-BR" dirty="0"/>
+          </a:p>
+        </p:txBody>
+      </p:sp>
+    </p:spTree>
+    <p:extLst>
+      <p:ext uri="{BB962C8B-B14F-4D97-AF65-F5344CB8AC3E}">
+        <p14:creationId xmlns:p14="http://schemas.microsoft.com/office/powerpoint/2010/main" val="532384450"/>
+      </p:ext>
+    </p:extLst>
+  </p:cSld>
+  <p:clrMapOvr>
+    <a:masterClrMapping/>
+  </p:clrMapOvr>
+  <p:timing>
+    <p:tnLst>
+      <p:par>
+        <p:cTn id="1" dur="indefinite" restart="never" nodeType="tmRoot"/>
+      </p:par>
+    </p:tnLst>
+  </p:timing>
+</p:sld>
+</file>
+
+<file path=ppt/slides/slide43.xml><?xml version="1.0" encoding="utf-8"?>
+<p:sld xmlns:a="http://schemas.openxmlformats.org/drawingml/2006/main" xmlns:r="http://schemas.openxmlformats.org/officeDocument/2006/relationships" xmlns:p="http://schemas.openxmlformats.org/presentationml/2006/main">
+  <p:cSld>
+    <p:spTree>
+      <p:nvGrpSpPr>
+        <p:cNvPr id="1" name=""/>
+        <p:cNvGrpSpPr/>
+        <p:nvPr/>
+      </p:nvGrpSpPr>
+      <p:grpSpPr>
+        <a:xfrm>
+          <a:off x="0" y="0"/>
+          <a:ext cx="0" cy="0"/>
+          <a:chOff x="0" y="0"/>
+          <a:chExt cx="0" cy="0"/>
+        </a:xfrm>
+      </p:grpSpPr>
+      <p:sp>
+        <p:nvSpPr>
+          <p:cNvPr id="2" name="Título 1"/>
+          <p:cNvSpPr>
+            <a:spLocks noGrp="1"/>
+          </p:cNvSpPr>
+          <p:nvPr>
+            <p:ph type="ctrTitle"/>
+          </p:nvPr>
+        </p:nvSpPr>
+        <p:spPr/>
+        <p:txBody>
+          <a:bodyPr/>
+          <a:lstStyle/>
+          <a:p>
+            <a:r>
+              <a:rPr lang="pt-BR" dirty="0" smtClean="0"/>
+              <a:t>Criando Loops</a:t>
+            </a:r>
+            <a:endParaRPr lang="pt-BR" dirty="0"/>
+          </a:p>
+        </p:txBody>
+      </p:sp>
+      <p:sp>
+        <p:nvSpPr>
+          <p:cNvPr id="3" name="Subtítulo 2"/>
+          <p:cNvSpPr>
+            <a:spLocks noGrp="1"/>
+          </p:cNvSpPr>
+          <p:nvPr>
+            <p:ph type="subTitle" idx="1"/>
+          </p:nvPr>
+        </p:nvSpPr>
+        <p:spPr/>
+        <p:txBody>
+          <a:bodyPr/>
+          <a:lstStyle/>
+          <a:p>
+            <a:r>
+              <a:rPr lang="pt-BR" dirty="0" smtClean="0"/>
+              <a:t>OCA </a:t>
+            </a:r>
+            <a:r>
+              <a:rPr lang="pt-BR" dirty="0" err="1" smtClean="0"/>
+              <a:t>Objectives</a:t>
+            </a:r>
+            <a:r>
+              <a:rPr lang="pt-BR" dirty="0" smtClean="0"/>
+              <a:t> 5.1, 5.2, 5.3, 5.4 </a:t>
+            </a:r>
+            <a:r>
+              <a:rPr lang="pt-BR" dirty="0" err="1" smtClean="0"/>
+              <a:t>and</a:t>
+            </a:r>
+            <a:r>
+              <a:rPr lang="pt-BR" dirty="0" smtClean="0"/>
+              <a:t> 5.5</a:t>
+            </a:r>
+            <a:endParaRPr lang="pt-BR" dirty="0"/>
+          </a:p>
+        </p:txBody>
+      </p:sp>
+      <p:sp>
+        <p:nvSpPr>
+          <p:cNvPr id="4" name="Espaço Reservado para Rodapé 3"/>
+          <p:cNvSpPr>
+            <a:spLocks noGrp="1"/>
+          </p:cNvSpPr>
+          <p:nvPr>
+            <p:ph type="ftr" sz="quarter" idx="11"/>
+          </p:nvPr>
+        </p:nvSpPr>
+        <p:spPr/>
+        <p:txBody>
+          <a:bodyPr/>
+          <a:lstStyle/>
+          <a:p>
+            <a:r>
+              <a:rPr lang="pt-BR" dirty="0"/>
+              <a:t>Controle de Fluxo e Exceções</a:t>
+            </a:r>
+          </a:p>
+          <a:p>
+            <a:endParaRPr lang="pt-BR" dirty="0"/>
+          </a:p>
+        </p:txBody>
+      </p:sp>
+    </p:spTree>
+    <p:extLst>
+      <p:ext uri="{BB962C8B-B14F-4D97-AF65-F5344CB8AC3E}">
+        <p14:creationId xmlns:p14="http://schemas.microsoft.com/office/powerpoint/2010/main" val="2470865896"/>
+      </p:ext>
+    </p:extLst>
+  </p:cSld>
+  <p:clrMapOvr>
+    <a:masterClrMapping/>
+  </p:clrMapOvr>
+  <p:timing>
+    <p:tnLst>
+      <p:par>
+        <p:cTn id="1" dur="indefinite" restart="never" nodeType="tmRoot"/>
+      </p:par>
+    </p:tnLst>
+  </p:timing>
+</p:sld>
+</file>
+
+<file path=ppt/slides/slide44.xml><?xml version="1.0" encoding="utf-8"?>
+<p:sld xmlns:a="http://schemas.openxmlformats.org/drawingml/2006/main" xmlns:r="http://schemas.openxmlformats.org/officeDocument/2006/relationships" xmlns:p="http://schemas.openxmlformats.org/presentationml/2006/main">
+  <p:cSld>
+    <p:spTree>
+      <p:nvGrpSpPr>
+        <p:cNvPr id="1" name=""/>
+        <p:cNvGrpSpPr/>
+        <p:nvPr/>
+      </p:nvGrpSpPr>
+      <p:grpSpPr>
+        <a:xfrm>
+          <a:off x="0" y="0"/>
+          <a:ext cx="0" cy="0"/>
+          <a:chOff x="0" y="0"/>
+          <a:chExt cx="0" cy="0"/>
+        </a:xfrm>
+      </p:grpSpPr>
+      <p:sp>
+        <p:nvSpPr>
+          <p:cNvPr id="2" name="Título 1"/>
+          <p:cNvSpPr>
+            <a:spLocks noGrp="1"/>
+          </p:cNvSpPr>
+          <p:nvPr>
+            <p:ph type="ctrTitle"/>
+          </p:nvPr>
+        </p:nvSpPr>
+        <p:spPr/>
+        <p:txBody>
+          <a:bodyPr/>
+          <a:lstStyle/>
+          <a:p>
+            <a:r>
+              <a:rPr lang="pt-BR" dirty="0" smtClean="0"/>
+              <a:t>Manipulando Exceções</a:t>
+            </a:r>
+            <a:endParaRPr lang="pt-BR" dirty="0"/>
+          </a:p>
+        </p:txBody>
+      </p:sp>
+      <p:sp>
+        <p:nvSpPr>
+          <p:cNvPr id="3" name="Subtítulo 2"/>
+          <p:cNvSpPr>
+            <a:spLocks noGrp="1"/>
+          </p:cNvSpPr>
+          <p:nvPr>
+            <p:ph type="subTitle" idx="1"/>
+          </p:nvPr>
+        </p:nvSpPr>
+        <p:spPr/>
+        <p:txBody>
+          <a:bodyPr/>
+          <a:lstStyle/>
+          <a:p>
+            <a:r>
+              <a:rPr lang="pt-BR" dirty="0" smtClean="0"/>
+              <a:t>OCA </a:t>
+            </a:r>
+            <a:r>
+              <a:rPr lang="pt-BR" dirty="0" err="1" smtClean="0"/>
+              <a:t>Objectives</a:t>
+            </a:r>
+            <a:r>
+              <a:rPr lang="pt-BR" dirty="0" smtClean="0"/>
+              <a:t> 8.1, 8.2, 8.3 </a:t>
+            </a:r>
+            <a:r>
+              <a:rPr lang="pt-BR" dirty="0" err="1" smtClean="0"/>
+              <a:t>and</a:t>
+            </a:r>
+            <a:r>
+              <a:rPr lang="pt-BR" dirty="0" smtClean="0"/>
+              <a:t> 8.4</a:t>
+            </a:r>
+            <a:endParaRPr lang="pt-BR" dirty="0"/>
+          </a:p>
+        </p:txBody>
+      </p:sp>
+      <p:sp>
+        <p:nvSpPr>
+          <p:cNvPr id="4" name="Espaço Reservado para Rodapé 3"/>
+          <p:cNvSpPr>
+            <a:spLocks noGrp="1"/>
+          </p:cNvSpPr>
+          <p:nvPr>
+            <p:ph type="ftr" sz="quarter" idx="11"/>
+          </p:nvPr>
+        </p:nvSpPr>
+        <p:spPr/>
+        <p:txBody>
+          <a:bodyPr/>
+          <a:lstStyle/>
+          <a:p>
+            <a:r>
+              <a:rPr lang="pt-BR" dirty="0"/>
+              <a:t>Controle de Fluxo e Exceções</a:t>
+            </a:r>
+          </a:p>
+          <a:p>
+            <a:endParaRPr lang="pt-BR" dirty="0"/>
+          </a:p>
+        </p:txBody>
+      </p:sp>
+    </p:spTree>
+    <p:extLst>
+      <p:ext uri="{BB962C8B-B14F-4D97-AF65-F5344CB8AC3E}">
+        <p14:creationId xmlns:p14="http://schemas.microsoft.com/office/powerpoint/2010/main" val="3021261354"/>
+      </p:ext>
+    </p:extLst>
+  </p:cSld>
+  <p:clrMapOvr>
+    <a:masterClrMapping/>
+  </p:clrMapOvr>
+  <p:timing>
+    <p:tnLst>
+      <p:par>
+        <p:cTn id="1" dur="indefinite" restart="never" nodeType="tmRoot"/>
+      </p:par>
+    </p:tnLst>
+  </p:timing>
+</p:sld>
+</file>
+
+<file path=ppt/slides/slide45.xml><?xml version="1.0" encoding="utf-8"?>
+<p:sld xmlns:a="http://schemas.openxmlformats.org/drawingml/2006/main" xmlns:r="http://schemas.openxmlformats.org/officeDocument/2006/relationships" xmlns:p="http://schemas.openxmlformats.org/presentationml/2006/main">
+  <p:cSld>
+    <p:spTree>
+      <p:nvGrpSpPr>
+        <p:cNvPr id="1" name=""/>
+        <p:cNvGrpSpPr/>
+        <p:nvPr/>
+      </p:nvGrpSpPr>
+      <p:grpSpPr>
+        <a:xfrm>
+          <a:off x="0" y="0"/>
+          <a:ext cx="0" cy="0"/>
+          <a:chOff x="0" y="0"/>
+          <a:chExt cx="0" cy="0"/>
+        </a:xfrm>
+      </p:grpSpPr>
+      <p:sp>
+        <p:nvSpPr>
+          <p:cNvPr id="2" name="Título 1"/>
+          <p:cNvSpPr>
+            <a:spLocks noGrp="1"/>
+          </p:cNvSpPr>
+          <p:nvPr>
+            <p:ph type="ctrTitle"/>
+          </p:nvPr>
+        </p:nvSpPr>
+        <p:spPr/>
+        <p:txBody>
+          <a:bodyPr/>
+          <a:lstStyle/>
+          <a:p>
+            <a:r>
+              <a:rPr lang="pt-BR" dirty="0" smtClean="0"/>
+              <a:t>Exceções Comuns e </a:t>
+            </a:r>
+            <a:r>
+              <a:rPr lang="pt-BR" dirty="0" err="1" smtClean="0"/>
+              <a:t>Errors</a:t>
+            </a:r>
+            <a:endParaRPr lang="pt-BR" dirty="0"/>
+          </a:p>
+        </p:txBody>
+      </p:sp>
+      <p:sp>
+        <p:nvSpPr>
+          <p:cNvPr id="3" name="Subtítulo 2"/>
+          <p:cNvSpPr>
+            <a:spLocks noGrp="1"/>
+          </p:cNvSpPr>
+          <p:nvPr>
+            <p:ph type="subTitle" idx="1"/>
+          </p:nvPr>
+        </p:nvSpPr>
+        <p:spPr/>
+        <p:txBody>
+          <a:bodyPr/>
+          <a:lstStyle/>
+          <a:p>
+            <a:r>
+              <a:rPr lang="pt-BR" dirty="0" smtClean="0"/>
+              <a:t>OCA </a:t>
+            </a:r>
+            <a:r>
+              <a:rPr lang="pt-BR" dirty="0" err="1" smtClean="0"/>
+              <a:t>Objective</a:t>
+            </a:r>
+            <a:r>
+              <a:rPr lang="pt-BR" dirty="0" smtClean="0"/>
+              <a:t> 8.5</a:t>
+            </a:r>
+            <a:endParaRPr lang="pt-BR" dirty="0"/>
+          </a:p>
+        </p:txBody>
+      </p:sp>
+      <p:sp>
+        <p:nvSpPr>
+          <p:cNvPr id="4" name="Espaço Reservado para Rodapé 3"/>
+          <p:cNvSpPr>
+            <a:spLocks noGrp="1"/>
+          </p:cNvSpPr>
+          <p:nvPr>
+            <p:ph type="ftr" sz="quarter" idx="11"/>
+          </p:nvPr>
+        </p:nvSpPr>
+        <p:spPr/>
+        <p:txBody>
+          <a:bodyPr/>
+          <a:lstStyle/>
+          <a:p>
+            <a:r>
+              <a:rPr lang="pt-BR" dirty="0"/>
+              <a:t>Controle de Fluxo e Exceções</a:t>
+            </a:r>
+          </a:p>
+          <a:p>
+            <a:endParaRPr lang="pt-BR" dirty="0"/>
+          </a:p>
+        </p:txBody>
+      </p:sp>
+    </p:spTree>
+    <p:extLst>
+      <p:ext uri="{BB962C8B-B14F-4D97-AF65-F5344CB8AC3E}">
+        <p14:creationId xmlns:p14="http://schemas.microsoft.com/office/powerpoint/2010/main" val="3694482267"/>
+      </p:ext>
+    </p:extLst>
+  </p:cSld>
+  <p:clrMapOvr>
+    <a:masterClrMapping/>
+  </p:clrMapOvr>
+  <p:timing>
+    <p:tnLst>
+      <p:par>
+        <p:cTn id="1" dur="indefinite" restart="never" nodeType="tmRoot"/>
+      </p:par>
+    </p:tnLst>
+  </p:timing>
 </p:sld>
 </file>
 
@@ -6323,7 +9011,7 @@
         </p:nvSpPr>
         <p:spPr>
           <a:xfrm>
-            <a:off x="628650" y="2060848"/>
+            <a:off x="628650" y="2113658"/>
             <a:ext cx="7886700" cy="3907630"/>
           </a:xfrm>
         </p:spPr>
@@ -6342,7 +9030,7 @@
             </a:pPr>
             <a:r>
               <a:rPr lang="pt-BR" sz="6600" dirty="0" smtClean="0"/>
-              <a:t>Vamos Começar ?</a:t>
+              <a:t>Vamos Começar?</a:t>
             </a:r>
             <a:endParaRPr lang="pt-BR" sz="6600" dirty="0"/>
           </a:p>
@@ -6387,6 +9075,13 @@
   <p:clrMapOvr>
     <a:masterClrMapping/>
   </p:clrMapOvr>
+  <p:timing>
+    <p:tnLst>
+      <p:par>
+        <p:cTn id="1" dur="indefinite" restart="never" nodeType="tmRoot"/>
+      </p:par>
+    </p:tnLst>
+  </p:timing>
 </p:sld>
 </file>
 
@@ -6520,6 +9215,13 @@
   <p:clrMapOvr>
     <a:masterClrMapping/>
   </p:clrMapOvr>
+  <p:timing>
+    <p:tnLst>
+      <p:par>
+        <p:cTn id="1" dur="indefinite" restart="never" nodeType="tmRoot"/>
+      </p:par>
+    </p:tnLst>
+  </p:timing>
 </p:sld>
 </file>
 
@@ -6542,22 +9244,26 @@
       </p:grpSpPr>
       <p:sp>
         <p:nvSpPr>
-          <p:cNvPr id="2" name="Título 1"/>
-          <p:cNvSpPr>
-            <a:spLocks noGrp="1"/>
-          </p:cNvSpPr>
-          <p:nvPr>
-            <p:ph type="ctrTitle"/>
-          </p:nvPr>
-        </p:nvSpPr>
-        <p:spPr/>
-        <p:txBody>
-          <a:bodyPr/>
-          <a:lstStyle/>
-          <a:p>
-            <a:r>
-              <a:rPr lang="pt-BR" dirty="0" smtClean="0"/>
-              <a:t>Definindo Classes</a:t>
+          <p:cNvPr id="5" name="Título 4"/>
+          <p:cNvSpPr>
+            <a:spLocks noGrp="1"/>
+          </p:cNvSpPr>
+          <p:nvPr>
+            <p:ph type="title"/>
+          </p:nvPr>
+        </p:nvSpPr>
+        <p:spPr/>
+        <p:txBody>
+          <a:bodyPr/>
+          <a:lstStyle/>
+          <a:p>
+            <a:r>
+              <a:rPr lang="pt-BR" dirty="0" smtClean="0"/>
+              <a:t>Legal </a:t>
+            </a:r>
+            <a:r>
+              <a:rPr lang="pt-BR" dirty="0" err="1" smtClean="0"/>
+              <a:t>Identifiers</a:t>
             </a:r>
             <a:endParaRPr lang="pt-BR" dirty="0"/>
           </a:p>
@@ -6565,39 +9271,65 @@
       </p:sp>
       <p:sp>
         <p:nvSpPr>
-          <p:cNvPr id="3" name="Subtítulo 2"/>
-          <p:cNvSpPr>
-            <a:spLocks noGrp="1"/>
-          </p:cNvSpPr>
-          <p:nvPr>
-            <p:ph type="subTitle" idx="1"/>
-          </p:nvPr>
-        </p:nvSpPr>
-        <p:spPr/>
-        <p:txBody>
-          <a:bodyPr/>
-          <a:lstStyle/>
-          <a:p>
-            <a:r>
-              <a:rPr lang="pt-BR" dirty="0" smtClean="0"/>
-              <a:t>OCA </a:t>
+          <p:cNvPr id="6" name="Espaço Reservado para Conteúdo 5"/>
+          <p:cNvSpPr>
+            <a:spLocks noGrp="1"/>
+          </p:cNvSpPr>
+          <p:nvPr>
+            <p:ph idx="1"/>
+          </p:nvPr>
+        </p:nvSpPr>
+        <p:spPr/>
+        <p:txBody>
+          <a:bodyPr/>
+          <a:lstStyle/>
+          <a:p>
+            <a:pPr algn="just"/>
+            <a:r>
+              <a:rPr lang="pt-BR" dirty="0" smtClean="0"/>
+              <a:t>Precisam começar com uma letra, $ ou _. Após, podem conter quaisquer combinações de letras, caracteres monetários, conectores ou números</a:t>
+            </a:r>
+          </a:p>
+          <a:p>
+            <a:pPr algn="just"/>
+            <a:r>
+              <a:rPr lang="pt-BR" dirty="0" smtClean="0"/>
+              <a:t>Não há limite para o numero de caracteres que um identificador pode conter</a:t>
+            </a:r>
+          </a:p>
+          <a:p>
+            <a:pPr algn="just"/>
+            <a:r>
+              <a:rPr lang="pt-BR" dirty="0" smtClean="0"/>
+              <a:t>Não podemos usar </a:t>
             </a:r>
             <a:r>
               <a:rPr lang="pt-BR" dirty="0" err="1" smtClean="0"/>
-              <a:t>Objectives</a:t>
-            </a:r>
-            <a:r>
-              <a:rPr lang="pt-BR" dirty="0" smtClean="0"/>
-              <a:t> 1.2, 1.3, 1.4, 6.6 </a:t>
+              <a:t>keywords</a:t>
+            </a:r>
+            <a:r>
+              <a:rPr lang="pt-BR" dirty="0" smtClean="0"/>
+              <a:t> como identificadores</a:t>
+            </a:r>
+          </a:p>
+          <a:p>
+            <a:pPr algn="just"/>
+            <a:r>
+              <a:rPr lang="pt-BR" dirty="0" smtClean="0"/>
+              <a:t>Java é case </a:t>
             </a:r>
             <a:r>
               <a:rPr lang="pt-BR" dirty="0" err="1" smtClean="0"/>
-              <a:t>and</a:t>
-            </a:r>
-            <a:r>
-              <a:rPr lang="pt-BR" dirty="0" smtClean="0"/>
-              <a:t> 7.6</a:t>
-            </a:r>
+              <a:t>sensitive</a:t>
+            </a:r>
+            <a:endParaRPr lang="pt-BR" dirty="0" smtClean="0"/>
+          </a:p>
+          <a:p>
+            <a:pPr algn="just"/>
+            <a:endParaRPr lang="pt-BR" dirty="0" smtClean="0"/>
+          </a:p>
+          <a:p>
+            <a:pPr algn="just"/>
             <a:endParaRPr lang="pt-BR" dirty="0"/>
           </a:p>
         </p:txBody>
@@ -6609,34 +9341,35 @@
             <a:spLocks noGrp="1"/>
           </p:cNvSpPr>
           <p:nvPr>
-            <p:ph type="ftr" sz="quarter" idx="11"/>
-          </p:nvPr>
-        </p:nvSpPr>
-        <p:spPr/>
-        <p:txBody>
-          <a:bodyPr/>
-          <a:lstStyle/>
-          <a:p>
-            <a:r>
-              <a:rPr lang="pt-BR" dirty="0"/>
-              <a:t>Declarações e Controle de Acesso</a:t>
-            </a:r>
-          </a:p>
-          <a:p>
-            <a:endParaRPr lang="pt-BR" dirty="0"/>
+            <p:ph type="ftr" sz="quarter" idx="13"/>
+          </p:nvPr>
+        </p:nvSpPr>
+        <p:spPr/>
+        <p:txBody>
+          <a:bodyPr/>
+          <a:lstStyle/>
+          <a:p>
+            <a:endParaRPr lang="pt-BR"/>
           </a:p>
         </p:txBody>
       </p:sp>
     </p:spTree>
     <p:extLst>
       <p:ext uri="{BB962C8B-B14F-4D97-AF65-F5344CB8AC3E}">
-        <p14:creationId xmlns:p14="http://schemas.microsoft.com/office/powerpoint/2010/main" val="1823249150"/>
+        <p14:creationId xmlns:p14="http://schemas.microsoft.com/office/powerpoint/2010/main" val="3001202385"/>
       </p:ext>
     </p:extLst>
   </p:cSld>
   <p:clrMapOvr>
     <a:masterClrMapping/>
   </p:clrMapOvr>
+  <p:timing>
+    <p:tnLst>
+      <p:par>
+        <p:cTn id="1" dur="indefinite" restart="never" nodeType="tmRoot"/>
+      </p:par>
+    </p:tnLst>
+  </p:timing>
 </p:sld>
 </file>
 
@@ -6659,22 +9392,22 @@
       </p:grpSpPr>
       <p:sp>
         <p:nvSpPr>
-          <p:cNvPr id="5" name="Título 4"/>
-          <p:cNvSpPr>
-            <a:spLocks noGrp="1"/>
-          </p:cNvSpPr>
-          <p:nvPr>
-            <p:ph type="ctrTitle"/>
-          </p:nvPr>
-        </p:nvSpPr>
-        <p:spPr/>
-        <p:txBody>
-          <a:bodyPr/>
-          <a:lstStyle/>
-          <a:p>
-            <a:r>
-              <a:rPr lang="pt-BR" dirty="0" smtClean="0"/>
-              <a:t>Uso de Interfaces</a:t>
+          <p:cNvPr id="2" name="Título 1"/>
+          <p:cNvSpPr>
+            <a:spLocks noGrp="1"/>
+          </p:cNvSpPr>
+          <p:nvPr>
+            <p:ph type="title"/>
+          </p:nvPr>
+        </p:nvSpPr>
+        <p:spPr/>
+        <p:txBody>
+          <a:bodyPr/>
+          <a:lstStyle/>
+          <a:p>
+            <a:r>
+              <a:rPr lang="pt-BR" dirty="0" smtClean="0"/>
+              <a:t>Convenções</a:t>
             </a:r>
             <a:endParaRPr lang="pt-BR" dirty="0"/>
           </a:p>
@@ -6682,30 +9415,67 @@
       </p:sp>
       <p:sp>
         <p:nvSpPr>
-          <p:cNvPr id="6" name="Subtítulo 5"/>
-          <p:cNvSpPr>
-            <a:spLocks noGrp="1"/>
-          </p:cNvSpPr>
-          <p:nvPr>
-            <p:ph type="subTitle" idx="1"/>
-          </p:nvPr>
-        </p:nvSpPr>
-        <p:spPr/>
-        <p:txBody>
-          <a:bodyPr/>
-          <a:lstStyle/>
-          <a:p>
-            <a:r>
-              <a:rPr lang="pt-BR" dirty="0" smtClean="0"/>
-              <a:t>OCA </a:t>
+          <p:cNvPr id="3" name="Espaço Reservado para Conteúdo 2"/>
+          <p:cNvSpPr>
+            <a:spLocks noGrp="1"/>
+          </p:cNvSpPr>
+          <p:nvPr>
+            <p:ph idx="1"/>
+          </p:nvPr>
+        </p:nvSpPr>
+        <p:spPr/>
+        <p:txBody>
+          <a:bodyPr/>
+          <a:lstStyle/>
+          <a:p>
+            <a:pPr algn="just"/>
+            <a:r>
+              <a:rPr lang="pt-BR" dirty="0" smtClean="0"/>
+              <a:t>Uso do </a:t>
             </a:r>
             <a:r>
               <a:rPr lang="pt-BR" dirty="0" err="1" smtClean="0"/>
-              <a:t>Objective</a:t>
-            </a:r>
-            <a:r>
-              <a:rPr lang="pt-BR" dirty="0" smtClean="0"/>
-              <a:t> 7.6</a:t>
+              <a:t>CammelCase</a:t>
+            </a:r>
+            <a:r>
+              <a:rPr lang="pt-BR" dirty="0" smtClean="0"/>
+              <a:t> apropriado</a:t>
+            </a:r>
+          </a:p>
+          <a:p>
+            <a:pPr algn="just"/>
+            <a:r>
+              <a:rPr lang="pt-BR" dirty="0" smtClean="0"/>
+              <a:t>Classes e Interfaces devem começar com letra maiúscula</a:t>
+            </a:r>
+          </a:p>
+          <a:p>
+            <a:pPr algn="just"/>
+            <a:r>
+              <a:rPr lang="pt-BR" dirty="0" smtClean="0"/>
+              <a:t>Métodos devem começar com letra minúscula</a:t>
+            </a:r>
+          </a:p>
+          <a:p>
+            <a:pPr algn="just"/>
+            <a:r>
+              <a:rPr lang="pt-BR" dirty="0" smtClean="0"/>
+              <a:t>Variáveis devem começar com letra minúscula e possuir um nome ‘curto’ com significância</a:t>
+            </a:r>
+          </a:p>
+          <a:p>
+            <a:pPr algn="just"/>
+            <a:r>
+              <a:rPr lang="pt-BR" dirty="0" smtClean="0"/>
+              <a:t>Constantes devem ser criadas com </a:t>
+            </a:r>
+            <a:r>
+              <a:rPr lang="pt-BR" dirty="0" err="1" smtClean="0"/>
+              <a:t>static</a:t>
+            </a:r>
+            <a:r>
+              <a:rPr lang="pt-BR" dirty="0" smtClean="0"/>
+              <a:t> e final, em caixa alta e se necessário usar _ como separador</a:t>
             </a:r>
             <a:endParaRPr lang="pt-BR" dirty="0"/>
           </a:p>
@@ -6718,34 +9488,45 @@
             <a:spLocks noGrp="1"/>
           </p:cNvSpPr>
           <p:nvPr>
-            <p:ph type="ftr" sz="quarter" idx="11"/>
-          </p:nvPr>
-        </p:nvSpPr>
-        <p:spPr/>
-        <p:txBody>
-          <a:bodyPr/>
-          <a:lstStyle/>
-          <a:p>
-            <a:r>
-              <a:rPr lang="pt-BR" dirty="0"/>
-              <a:t>Declarações e Controle de Acesso</a:t>
-            </a:r>
-          </a:p>
-          <a:p>
-            <a:endParaRPr lang="pt-BR" dirty="0"/>
+            <p:ph type="ftr" sz="quarter" idx="13"/>
+          </p:nvPr>
+        </p:nvSpPr>
+        <p:spPr/>
+        <p:txBody>
+          <a:bodyPr/>
+          <a:lstStyle/>
+          <a:p>
+            <a:pPr algn="ctr">
+              <a:defRPr sz="1200">
+                <a:solidFill>
+                  <a:srgbClr val="8C8C8C"/>
+                </a:solidFill>
+                <a:latin typeface="Tw Cen MT" charset="0"/>
+                <a:ea typeface="Calibri" charset="0"/>
+                <a:cs typeface="Calibri" charset="0"/>
+              </a:defRPr>
+            </a:pPr>
+            <a:endParaRPr lang="pt-BR"/>
           </a:p>
         </p:txBody>
       </p:sp>
     </p:spTree>
     <p:extLst>
       <p:ext uri="{BB962C8B-B14F-4D97-AF65-F5344CB8AC3E}">
-        <p14:creationId xmlns:p14="http://schemas.microsoft.com/office/powerpoint/2010/main" val="265189910"/>
+        <p14:creationId xmlns:p14="http://schemas.microsoft.com/office/powerpoint/2010/main" val="3381953170"/>
       </p:ext>
     </p:extLst>
   </p:cSld>
   <p:clrMapOvr>
     <a:masterClrMapping/>
   </p:clrMapOvr>
+  <p:timing>
+    <p:tnLst>
+      <p:par>
+        <p:cTn id="1" dur="indefinite" restart="never" nodeType="tmRoot"/>
+      </p:par>
+    </p:tnLst>
+  </p:timing>
 </p:sld>
 </file>
 
@@ -6781,10 +9562,9 @@
           <a:bodyPr/>
           <a:lstStyle/>
           <a:p>
-            <a:pPr algn="just"/>
-            <a:r>
-              <a:rPr lang="pt-BR" dirty="0" smtClean="0"/>
-              <a:t>Declarando Membros de Classe</a:t>
+            <a:r>
+              <a:rPr lang="pt-BR" dirty="0" smtClean="0"/>
+              <a:t>Definindo Classes</a:t>
             </a:r>
             <a:endParaRPr lang="pt-BR" dirty="0"/>
           </a:p>
@@ -6805,7 +9585,6 @@
           <a:bodyPr/>
           <a:lstStyle/>
           <a:p>
-            <a:pPr algn="just"/>
             <a:r>
               <a:rPr lang="pt-BR" dirty="0" smtClean="0"/>
               <a:t>OCA </a:t>
@@ -6816,7 +9595,7 @@
             </a:r>
             <a:r>
               <a:rPr lang="pt-BR" dirty="0" smtClean="0"/>
-              <a:t> 2.1, 2.2, 2.3, 2.4, 2.5, 4.1, 4.2, 6.2 </a:t>
+              <a:t> 1.2, 1.3, 1.4, 6.6 </a:t>
             </a:r>
             <a:r>
               <a:rPr lang="pt-BR" dirty="0" err="1" smtClean="0"/>
@@ -6824,7 +9603,7 @@
             </a:r>
             <a:r>
               <a:rPr lang="pt-BR" dirty="0" smtClean="0"/>
-              <a:t> 6.6</a:t>
+              <a:t> 7.6</a:t>
             </a:r>
             <a:endParaRPr lang="pt-BR" dirty="0"/>
           </a:p>
@@ -6840,12 +9619,7 @@
             <p:ph type="ftr" sz="quarter" idx="11"/>
           </p:nvPr>
         </p:nvSpPr>
-        <p:spPr>
-          <a:xfrm>
-            <a:off x="1941910" y="6135809"/>
-            <a:ext cx="5714999" cy="365125"/>
-          </a:xfrm>
-        </p:spPr>
+        <p:spPr/>
         <p:txBody>
           <a:bodyPr/>
           <a:lstStyle/>
@@ -6863,13 +9637,20 @@
     </p:spTree>
     <p:extLst>
       <p:ext uri="{BB962C8B-B14F-4D97-AF65-F5344CB8AC3E}">
-        <p14:creationId xmlns:p14="http://schemas.microsoft.com/office/powerpoint/2010/main" val="3001246925"/>
+        <p14:creationId xmlns:p14="http://schemas.microsoft.com/office/powerpoint/2010/main" val="1823249150"/>
       </p:ext>
     </p:extLst>
   </p:cSld>
   <p:clrMapOvr>
     <a:masterClrMapping/>
   </p:clrMapOvr>
+  <p:timing>
+    <p:tnLst>
+      <p:par>
+        <p:cTn id="1" dur="indefinite" restart="never" nodeType="tmRoot"/>
+      </p:par>
+    </p:tnLst>
+  </p:timing>
 </p:sld>
 </file>
 
